--- a/Day3-Pandas/Ch03_Pandas.pptx
+++ b/Day3-Pandas/Ch03_Pandas.pptx
@@ -9396,7 +9396,7 @@
           </a:lstStyle>
           <a:p>
             <a:r>
-              <a:rPr lang="pt-BR" sz="1600" b="1" dirty="0">
+              <a:rPr lang="pt-BR" sz="1600" b="1" dirty="0" err="1">
                 <a:solidFill>
                   <a:schemeClr val="tx1">
                     <a:lumMod val="95000"/>
@@ -9406,7 +9406,20 @@
                 <a:latin typeface="Courier New"/>
                 <a:cs typeface="Courier New"/>
               </a:rPr>
-              <a:t>print (series2)</a:t>
+              <a:t>print</a:t>
+            </a:r>
+            <a:r>
+              <a:rPr lang="pt-BR" sz="1600" b="1" dirty="0">
+                <a:solidFill>
+                  <a:schemeClr val="tx1">
+                    <a:lumMod val="95000"/>
+                    <a:lumOff val="5000"/>
+                  </a:schemeClr>
+                </a:solidFill>
+                <a:latin typeface="Courier New"/>
+                <a:cs typeface="Courier New"/>
+              </a:rPr>
+              <a:t>(series2)</a:t>
             </a:r>
           </a:p>
           <a:p>
@@ -9545,7 +9558,7 @@
           </a:p>
           <a:p>
             <a:r>
-              <a:rPr lang="de-DE" sz="1600" b="1" dirty="0">
+              <a:rPr lang="de-DE" sz="1600" b="1" dirty="0" err="1">
                 <a:solidFill>
                   <a:schemeClr val="tx1">
                     <a:lumMod val="95000"/>
@@ -9555,7 +9568,20 @@
                 <a:latin typeface="Courier New"/>
                 <a:cs typeface="Courier New"/>
               </a:rPr>
-              <a:t>print (series2.isnull())</a:t>
+              <a:t>print</a:t>
+            </a:r>
+            <a:r>
+              <a:rPr lang="de-DE" sz="1600" b="1" dirty="0">
+                <a:solidFill>
+                  <a:schemeClr val="tx1">
+                    <a:lumMod val="95000"/>
+                    <a:lumOff val="5000"/>
+                  </a:schemeClr>
+                </a:solidFill>
+                <a:latin typeface="Courier New"/>
+                <a:cs typeface="Courier New"/>
+              </a:rPr>
+              <a:t>(series2.isnull())</a:t>
             </a:r>
           </a:p>
           <a:p>
@@ -9642,7 +9668,7 @@
                 <a:latin typeface="Courier New"/>
                 <a:cs typeface="Courier New"/>
               </a:rPr>
-              <a:t>print (series2.notnull())</a:t>
+              <a:t>print(series2.notnull())</a:t>
             </a:r>
           </a:p>
           <a:p>
@@ -10263,7 +10289,7 @@
                 <a:latin typeface="Courier New"/>
                 <a:cs typeface="Courier New"/>
               </a:rPr>
-              <a:t>print (football)</a:t>
+              <a:t>print(football)</a:t>
             </a:r>
           </a:p>
           <a:p>
@@ -10778,7 +10804,7 @@
                 <a:latin typeface="Courier New"/>
                 <a:cs typeface="Courier New"/>
               </a:rPr>
-              <a:t>print (football)</a:t>
+              <a:t>print(football)</a:t>
             </a:r>
           </a:p>
           <a:p>
@@ -11355,7 +11381,7 @@
                 <a:latin typeface="Courier New"/>
                 <a:cs typeface="Courier New"/>
               </a:rPr>
-              <a:t>print (football)</a:t>
+              <a:t>print(football)</a:t>
             </a:r>
           </a:p>
           <a:p>
@@ -11424,7 +11450,7 @@
                 <a:latin typeface="Courier New"/>
                 <a:cs typeface="Courier New"/>
               </a:rPr>
-              <a:t>print ('player' in football.columns)</a:t>
+              <a:t>print('player' in football.columns)</a:t>
             </a:r>
           </a:p>
           <a:p>
@@ -11464,7 +11490,7 @@
                 <a:latin typeface="Courier New"/>
                 <a:cs typeface="Courier New"/>
               </a:rPr>
-              <a:t>print ('three' in football.index)</a:t>
+              <a:t>print('three' in football.index)</a:t>
             </a:r>
           </a:p>
           <a:p>
@@ -12677,7 +12703,7 @@
                 <a:latin typeface="Courier New"/>
                 <a:cs typeface="Courier New"/>
               </a:rPr>
-              <a:t>print (data)</a:t>
+              <a:t>print(data)</a:t>
             </a:r>
           </a:p>
           <a:p>
@@ -12761,6 +12787,16 @@
           </a:p>
           <a:p>
             <a:r>
+              <a:rPr lang="pt-BR" sz="1600" b="1" dirty="0" err="1">
+                <a:solidFill>
+                  <a:schemeClr val="tx1"/>
+                </a:solidFill>
+                <a:latin typeface="Courier New"/>
+                <a:cs typeface="Courier New"/>
+              </a:rPr>
+              <a:t>print</a:t>
+            </a:r>
+            <a:r>
               <a:rPr lang="pt-BR" sz="1600" b="1" dirty="0">
                 <a:solidFill>
                   <a:schemeClr val="tx1"/>
@@ -12768,7 +12804,7 @@
                 <a:latin typeface="Courier New"/>
                 <a:cs typeface="Courier New"/>
               </a:rPr>
-              <a:t>print (data[2])</a:t>
+              <a:t>(data[2])</a:t>
             </a:r>
           </a:p>
           <a:p>
@@ -12935,7 +12971,7 @@
                 <a:latin typeface="Courier New"/>
                 <a:cs typeface="Courier New"/>
               </a:rPr>
-              <a:t>print (</a:t>
+              <a:t>print(</a:t>
             </a:r>
             <a:r>
               <a:rPr lang="mr-IN" sz="1600" b="1" dirty="0" err="1">
@@ -13193,6 +13229,16 @@
           </a:lstStyle>
           <a:p>
             <a:r>
+              <a:rPr lang="pt-BR" sz="1600" b="1" dirty="0" err="1">
+                <a:solidFill>
+                  <a:schemeClr val="tx1"/>
+                </a:solidFill>
+                <a:latin typeface="Courier New"/>
+                <a:cs typeface="Courier New"/>
+              </a:rPr>
+              <a:t>print</a:t>
+            </a:r>
+            <a:r>
               <a:rPr lang="pt-BR" sz="1600" b="1" dirty="0">
                 <a:solidFill>
                   <a:schemeClr val="tx1"/>
@@ -13200,7 +13246,7 @@
                 <a:latin typeface="Courier New"/>
                 <a:cs typeface="Courier New"/>
               </a:rPr>
-              <a:t>print (data&lt;2)</a:t>
+              <a:t>(data&lt;2)</a:t>
             </a:r>
           </a:p>
           <a:p>
@@ -13282,6 +13328,16 @@
           </a:p>
           <a:p>
             <a:r>
+              <a:rPr lang="pt-BR" sz="1600" b="1" dirty="0" err="1">
+                <a:solidFill>
+                  <a:schemeClr val="tx1"/>
+                </a:solidFill>
+                <a:latin typeface="Courier New"/>
+                <a:cs typeface="Courier New"/>
+              </a:rPr>
+              <a:t>print</a:t>
+            </a:r>
+            <a:r>
               <a:rPr lang="pt-BR" sz="1600" b="1" dirty="0">
                 <a:solidFill>
                   <a:schemeClr val="tx1"/>
@@ -13289,7 +13345,7 @@
                 <a:latin typeface="Courier New"/>
                 <a:cs typeface="Courier New"/>
               </a:rPr>
-              <a:t>print (data[data&lt;2])</a:t>
+              <a:t>(data[data&lt;2])</a:t>
             </a:r>
           </a:p>
           <a:p>
@@ -13790,7 +13846,7 @@
                 <a:latin typeface="Courier New"/>
                 <a:cs typeface="Courier New"/>
               </a:rPr>
-              <a:t>print (</a:t>
+              <a:t>print(</a:t>
             </a:r>
             <a:r>
               <a:rPr lang="mr-IN" sz="1800" b="1" dirty="0" err="1">
@@ -13877,7 +13933,7 @@
                 <a:latin typeface="Courier New"/>
                 <a:cs typeface="Courier New"/>
               </a:rPr>
-              <a:t>print (data['three'])</a:t>
+              <a:t>print(data['three'])</a:t>
             </a:r>
           </a:p>
           <a:p>
@@ -14090,6 +14146,16 @@
           </a:lstStyle>
           <a:p>
             <a:r>
+              <a:rPr lang="pt-BR" sz="1800" b="1" dirty="0" err="1">
+                <a:solidFill>
+                  <a:schemeClr val="tx1"/>
+                </a:solidFill>
+                <a:latin typeface="Courier New"/>
+                <a:cs typeface="Courier New"/>
+              </a:rPr>
+              <a:t>print</a:t>
+            </a:r>
+            <a:r>
               <a:rPr lang="pt-BR" sz="1800" b="1" dirty="0">
                 <a:solidFill>
                   <a:schemeClr val="tx1"/>
@@ -14097,7 +14163,7 @@
                 <a:latin typeface="Courier New"/>
                 <a:cs typeface="Courier New"/>
               </a:rPr>
-              <a:t>print (data[:2])</a:t>
+              <a:t>(data[:2])</a:t>
             </a:r>
           </a:p>
           <a:p>
@@ -14295,7 +14361,7 @@
                 <a:latin typeface="Courier New"/>
                 <a:cs typeface="Courier New"/>
               </a:rPr>
-              <a:t>print (</a:t>
+              <a:t>print(</a:t>
             </a:r>
             <a:r>
               <a:rPr lang="mr-IN" sz="1800" b="1" dirty="0" err="1">
@@ -14405,7 +14471,7 @@
                 <a:latin typeface="Courier New"/>
                 <a:cs typeface="Courier New"/>
               </a:rPr>
-              <a:t>print (</a:t>
+              <a:t>print(</a:t>
             </a:r>
             <a:r>
               <a:rPr lang="mr-IN" sz="1800" b="1" dirty="0" err="1">
@@ -15512,7 +15578,7 @@
                 <a:latin typeface="Courier New"/>
                 <a:cs typeface="Courier New"/>
               </a:rPr>
-              <a:t>print (data1)</a:t>
+              <a:t>print(data1)</a:t>
             </a:r>
           </a:p>
           <a:p>
@@ -15611,7 +15677,7 @@
                 <a:latin typeface="Courier New"/>
                 <a:cs typeface="Courier New"/>
               </a:rPr>
-              <a:t>print (data2)</a:t>
+              <a:t>print(data2)</a:t>
             </a:r>
           </a:p>
           <a:p>
@@ -15843,7 +15909,7 @@
                 <a:latin typeface="Courier New"/>
                 <a:cs typeface="Courier New"/>
               </a:rPr>
-              <a:t>print (</a:t>
+              <a:t>print(</a:t>
             </a:r>
             <a:r>
               <a:rPr lang="mr-IN" sz="1600" b="1" dirty="0">
@@ -16495,7 +16561,7 @@
                 <a:latin typeface="Courier New"/>
                 <a:cs typeface="Courier New"/>
               </a:rPr>
-              <a:t>print (data1)</a:t>
+              <a:t>print(data1)</a:t>
             </a:r>
           </a:p>
           <a:p>
@@ -16718,6 +16784,16 @@
           </a:lstStyle>
           <a:p>
             <a:r>
+              <a:rPr lang="pt-BR" sz="1600" b="1" dirty="0" err="1">
+                <a:solidFill>
+                  <a:schemeClr val="tx1"/>
+                </a:solidFill>
+                <a:latin typeface="Courier New"/>
+                <a:cs typeface="Courier New"/>
+              </a:rPr>
+              <a:t>print</a:t>
+            </a:r>
+            <a:r>
               <a:rPr lang="pt-BR" sz="1600" b="1" dirty="0">
                 <a:solidFill>
                   <a:schemeClr val="tx1"/>
@@ -16725,7 +16801,7 @@
                 <a:latin typeface="Courier New"/>
                 <a:cs typeface="Courier New"/>
               </a:rPr>
-              <a:t>print (data2)</a:t>
+              <a:t>(data2)</a:t>
             </a:r>
           </a:p>
           <a:p>
@@ -16979,7 +17055,7 @@
                 <a:latin typeface="Courier New"/>
                 <a:cs typeface="Courier New"/>
               </a:rPr>
-              <a:t>print (data1+data2)</a:t>
+              <a:t>print(data1+data2)</a:t>
             </a:r>
           </a:p>
           <a:p>
@@ -17396,7 +17472,7 @@
                 <a:latin typeface="Courier New"/>
                 <a:cs typeface="Courier New"/>
               </a:rPr>
-              <a:t>print (data1)</a:t>
+              <a:t>print(data1)</a:t>
             </a:r>
           </a:p>
           <a:p>
@@ -17626,7 +17702,7 @@
                 <a:latin typeface="Courier New"/>
                 <a:cs typeface="Courier New"/>
               </a:rPr>
-              <a:t>print (data2)</a:t>
+              <a:t>print(data2)</a:t>
             </a:r>
           </a:p>
           <a:p>
@@ -18184,7 +18260,7 @@
                 <a:latin typeface="Courier New"/>
                 <a:cs typeface="Courier New"/>
               </a:rPr>
-              <a:t>print (data)</a:t>
+              <a:t>print(data)</a:t>
             </a:r>
           </a:p>
           <a:p>
@@ -18581,7 +18657,7 @@
                 <a:latin typeface="Courier New"/>
                 <a:cs typeface="Courier New"/>
               </a:rPr>
-              <a:t>print (data.apply(f))</a:t>
+              <a:t>print(data.apply(f))</a:t>
             </a:r>
           </a:p>
           <a:p>
@@ -18593,7 +18669,7 @@
                 <a:latin typeface="Courier New"/>
                 <a:cs typeface="Courier New"/>
               </a:rPr>
-              <a:t>print (data.apply(f, axis=0))</a:t>
+              <a:t>print(data.apply(f, axis=0))</a:t>
             </a:r>
           </a:p>
           <a:p>
@@ -18825,7 +18901,7 @@
                 <a:latin typeface="Courier New"/>
                 <a:cs typeface="Courier New"/>
               </a:rPr>
-              <a:t>print (data.apply(f, axis=1))</a:t>
+              <a:t>print(data.apply(f, axis=1))</a:t>
             </a:r>
           </a:p>
           <a:p>
@@ -19301,7 +19377,7 @@
                 <a:latin typeface="Courier New"/>
                 <a:cs typeface="Courier New"/>
               </a:rPr>
-              <a:t>print (</a:t>
+              <a:t>print(</a:t>
             </a:r>
             <a:r>
               <a:rPr lang="mr-IN" sz="1600" b="1" dirty="0" err="1">
@@ -19560,7 +19636,7 @@
                 <a:latin typeface="Courier New"/>
                 <a:cs typeface="Courier New"/>
               </a:rPr>
-              <a:t>print (data.sort_index(ascending=False))</a:t>
+              <a:t>print(data.sort_index(ascending=False))</a:t>
             </a:r>
           </a:p>
           <a:p>
@@ -19903,7 +19979,7 @@
                 <a:latin typeface="Courier New"/>
                 <a:cs typeface="Courier New"/>
               </a:rPr>
-              <a:t>print (</a:t>
+              <a:t>print(</a:t>
             </a:r>
             <a:r>
               <a:rPr lang="en-US" sz="1600" b="1" dirty="0" err="1">
@@ -20220,7 +20296,7 @@
                 <a:latin typeface="Courier New"/>
                 <a:cs typeface="Courier New"/>
               </a:rPr>
-              <a:t>print (</a:t>
+              <a:t>print(</a:t>
             </a:r>
             <a:r>
               <a:rPr lang="mr-IN" sz="1600" b="1" dirty="0" err="1">
@@ -20481,7 +20557,7 @@
                 <a:latin typeface="Courier New"/>
                 <a:cs typeface="Courier New"/>
               </a:rPr>
-              <a:t>print (</a:t>
+              <a:t>print(</a:t>
             </a:r>
             <a:r>
               <a:rPr lang="mr-IN" sz="1600" b="1" dirty="0" err="1">
@@ -20745,7 +20821,7 @@
                 <a:latin typeface="Courier New"/>
                 <a:cs typeface="Courier New"/>
               </a:rPr>
-              <a:t>print (</a:t>
+              <a:t>print(</a:t>
             </a:r>
             <a:r>
               <a:rPr lang="mr-IN" sz="1600" b="1" dirty="0" err="1">
@@ -23165,7 +23241,47 @@
                 <a:latin typeface="Courier New"/>
                 <a:ea typeface="MS PGothic"/>
               </a:rPr>
-              <a:t>data = pd.read_csv('ch02/sample.csv’)</a:t>
+              <a:t>data = </a:t>
+            </a:r>
+            <a:r>
+              <a:rPr lang="en-US" sz="1800" b="1" strike="noStrike" spc="-1" dirty="0" err="1">
+                <a:solidFill>
+                  <a:srgbClr val="000000"/>
+                </a:solidFill>
+                <a:latin typeface="Courier New"/>
+                <a:ea typeface="MS PGothic"/>
+              </a:rPr>
+              <a:t>pd.read_csv</a:t>
+            </a:r>
+            <a:r>
+              <a:rPr lang="en-US" sz="1800" b="1" strike="noStrike" spc="-1" dirty="0">
+                <a:solidFill>
+                  <a:srgbClr val="000000"/>
+                </a:solidFill>
+                <a:latin typeface="Courier New"/>
+                <a:ea typeface="MS PGothic"/>
+              </a:rPr>
+              <a:t>('</a:t>
+            </a:r>
+            <a:r>
+              <a:rPr lang="en-US" sz="1800" b="1" strike="noStrike" spc="-1" dirty="0" err="1">
+                <a:solidFill>
+                  <a:srgbClr val="000000"/>
+                </a:solidFill>
+                <a:latin typeface="Courier New"/>
+                <a:ea typeface="MS PGothic"/>
+              </a:rPr>
+              <a:t>sample.csv</a:t>
+            </a:r>
+            <a:r>
+              <a:rPr lang="en-US" sz="1800" b="1" strike="noStrike" spc="-1" dirty="0">
+                <a:solidFill>
+                  <a:srgbClr val="000000"/>
+                </a:solidFill>
+                <a:latin typeface="Courier New"/>
+                <a:ea typeface="MS PGothic"/>
+              </a:rPr>
+              <a:t>’)</a:t>
             </a:r>
             <a:endParaRPr lang="en-US" sz="1800" b="1" strike="noStrike" spc="-1" dirty="0">
               <a:latin typeface="Arial"/>
@@ -23195,7 +23311,7 @@
                 <a:latin typeface="Courier New"/>
                 <a:ea typeface="MS PGothic"/>
               </a:rPr>
-              <a:t>rint (data)</a:t>
+              <a:t>rint(data)</a:t>
             </a:r>
             <a:endParaRPr lang="en-US" sz="1800" b="1" strike="noStrike" spc="-1" dirty="0">
               <a:latin typeface="Arial"/>
@@ -23408,6 +23524,16 @@
               </a:lnSpc>
             </a:pPr>
             <a:r>
+              <a:rPr lang="en-US" sz="1800" b="1" strike="noStrike" spc="-1" dirty="0" err="1">
+                <a:solidFill>
+                  <a:srgbClr val="000000"/>
+                </a:solidFill>
+                <a:latin typeface="Courier New"/>
+                <a:ea typeface="MS PGothic"/>
+              </a:rPr>
+              <a:t>pd.read_table</a:t>
+            </a:r>
+            <a:r>
               <a:rPr lang="en-US" sz="1800" b="1" strike="noStrike" spc="-1" dirty="0">
                 <a:solidFill>
                   <a:srgbClr val="000000"/>
@@ -23415,7 +23541,7 @@
                 <a:latin typeface="Courier New"/>
                 <a:ea typeface="MS PGothic"/>
               </a:rPr>
-              <a:t>pd.read_table('ch02/sample.csv',sep=',')</a:t>
+              <a:t>('sample.csv',sep=',')</a:t>
             </a:r>
             <a:endParaRPr lang="en-US" sz="1800" b="1" strike="noStrike" spc="-1" dirty="0">
               <a:latin typeface="Arial"/>
@@ -23835,7 +23961,47 @@
                 <a:latin typeface="Courier New"/>
                 <a:ea typeface="MS PGothic"/>
               </a:rPr>
-              <a:t>fragment = pd.read_csv('ch02/sample.csv', chunksize=1)</a:t>
+              <a:t>fragment = </a:t>
+            </a:r>
+            <a:r>
+              <a:rPr lang="en-US" sz="1800" b="1" strike="noStrike" spc="-1" dirty="0" err="1">
+                <a:solidFill>
+                  <a:srgbClr val="000000"/>
+                </a:solidFill>
+                <a:latin typeface="Courier New"/>
+                <a:ea typeface="MS PGothic"/>
+              </a:rPr>
+              <a:t>pd.read_csv</a:t>
+            </a:r>
+            <a:r>
+              <a:rPr lang="en-US" sz="1800" b="1" strike="noStrike" spc="-1" dirty="0">
+                <a:solidFill>
+                  <a:srgbClr val="000000"/>
+                </a:solidFill>
+                <a:latin typeface="Courier New"/>
+                <a:ea typeface="MS PGothic"/>
+              </a:rPr>
+              <a:t>('</a:t>
+            </a:r>
+            <a:r>
+              <a:rPr lang="en-US" sz="1800" b="1" strike="noStrike" spc="-1" dirty="0" err="1">
+                <a:solidFill>
+                  <a:srgbClr val="000000"/>
+                </a:solidFill>
+                <a:latin typeface="Courier New"/>
+                <a:ea typeface="MS PGothic"/>
+              </a:rPr>
+              <a:t>sample.csv</a:t>
+            </a:r>
+            <a:r>
+              <a:rPr lang="en-US" sz="1800" b="1" strike="noStrike" spc="-1" dirty="0">
+                <a:solidFill>
+                  <a:srgbClr val="000000"/>
+                </a:solidFill>
+                <a:latin typeface="Courier New"/>
+                <a:ea typeface="MS PGothic"/>
+              </a:rPr>
+              <a:t>', chunksize=1)</a:t>
             </a:r>
             <a:endParaRPr lang="en-US" sz="1800" b="1" strike="noStrike" spc="-1" dirty="0">
               <a:latin typeface="Arial"/>
@@ -23885,7 +24051,7 @@
                 <a:latin typeface="Courier New"/>
                 <a:ea typeface="MS PGothic"/>
               </a:rPr>
-              <a:t>    print (line)</a:t>
+              <a:t>    print(line)</a:t>
             </a:r>
             <a:endParaRPr lang="en-US" sz="1800" b="1" strike="noStrike" spc="-1" dirty="0">
               <a:latin typeface="Arial"/>
@@ -24359,7 +24525,7 @@
                 <a:latin typeface="Courier New"/>
                 <a:ea typeface="MS PGothic"/>
               </a:rPr>
-              <a:t>rint (data)</a:t>
+              <a:t>rint(data)</a:t>
             </a:r>
             <a:endParaRPr lang="en-US" sz="1800" b="1" strike="noStrike" spc="-1" dirty="0">
               <a:latin typeface="Arial"/>
@@ -24462,6 +24628,16 @@
               </a:lnSpc>
             </a:pPr>
             <a:r>
+              <a:rPr lang="en-US" sz="1800" b="1" strike="noStrike" spc="-1" dirty="0" err="1">
+                <a:solidFill>
+                  <a:srgbClr val="000000"/>
+                </a:solidFill>
+                <a:latin typeface="Courier New"/>
+                <a:ea typeface="MS PGothic"/>
+              </a:rPr>
+              <a:t>data.to_csv</a:t>
+            </a:r>
+            <a:r>
               <a:rPr lang="en-US" sz="1800" b="1" strike="noStrike" spc="-1" dirty="0">
                 <a:solidFill>
                   <a:srgbClr val="000000"/>
@@ -24469,7 +24645,7 @@
                 <a:latin typeface="Courier New"/>
                 <a:ea typeface="MS PGothic"/>
               </a:rPr>
-              <a:t>data.to_csv('ch02/file1.csv')</a:t>
+              <a:t>('file1.csv')</a:t>
             </a:r>
             <a:endParaRPr lang="en-US" sz="1800" b="1" strike="noStrike" spc="-1" dirty="0">
               <a:latin typeface="Arial"/>
@@ -24599,7 +24775,7 @@
                 <a:latin typeface="Courier New"/>
                 <a:ea typeface="MS PGothic"/>
               </a:rPr>
-              <a:t>data.to_csv('ch02/file1.csv', sep = '|')</a:t>
+              <a:t>data.to_csv('file1.csv', sep = '|')</a:t>
             </a:r>
             <a:endParaRPr lang="en-US" sz="1800" b="1" strike="noStrike" spc="-1" dirty="0">
               <a:latin typeface="Arial"/>
@@ -25012,7 +25188,7 @@
                 <a:latin typeface="Courier New"/>
                 <a:ea typeface="MS PGothic"/>
               </a:rPr>
-              <a:t>rint (customers)</a:t>
+              <a:t>rint(customers)</a:t>
             </a:r>
             <a:endParaRPr lang="en-US" sz="1600" b="1" strike="noStrike" spc="-1" dirty="0">
               <a:latin typeface="Arial"/>
@@ -25692,7 +25868,7 @@
                 <a:latin typeface="Courier New"/>
                 <a:cs typeface="Courier New"/>
               </a:rPr>
-              <a:t>print (names)</a:t>
+              <a:t>print(names)</a:t>
             </a:r>
           </a:p>
           <a:p>
@@ -25716,7 +25892,7 @@
                 <a:latin typeface="Courier New"/>
                 <a:cs typeface="Courier New"/>
               </a:rPr>
-              <a:t>print (names2)</a:t>
+              <a:t>print(names2)</a:t>
             </a:r>
           </a:p>
           <a:p>
@@ -27168,7 +27344,7 @@
                 <a:latin typeface="Courier New"/>
                 <a:cs typeface="Courier New"/>
               </a:rPr>
-              <a:t>print (</a:t>
+              <a:t>print(</a:t>
             </a:r>
             <a:r>
               <a:rPr lang="mr-IN" sz="1600" b="1" dirty="0" err="1">
@@ -27426,7 +27602,7 @@
                 <a:latin typeface="Courier New"/>
                 <a:cs typeface="Courier New"/>
               </a:rPr>
-              <a:t>print (</a:t>
+              <a:t>print(</a:t>
             </a:r>
             <a:r>
               <a:rPr lang="mr-IN" sz="1600" b="1" dirty="0" err="1">
@@ -27672,7 +27848,7 @@
                 <a:latin typeface="Courier New"/>
                 <a:cs typeface="Courier New"/>
               </a:rPr>
-              <a:t>print (</a:t>
+              <a:t>print(</a:t>
             </a:r>
             <a:r>
               <a:rPr lang="mr-IN" sz="1600" b="1" dirty="0" err="1">
@@ -28934,7 +29110,7 @@
                 <a:latin typeface="Courier New"/>
                 <a:cs typeface="Courier New"/>
               </a:rPr>
-              <a:t>print (all_data['AAPL'])</a:t>
+              <a:t>print(all_data['AAPL'])</a:t>
             </a:r>
             <a:endParaRPr lang="mr-IN" sz="1600" b="1" dirty="0">
               <a:solidFill>
@@ -29704,7 +29880,7 @@
                 <a:latin typeface="Courier New"/>
                 <a:cs typeface="Courier New"/>
               </a:rPr>
-              <a:t>print (returns.tail())</a:t>
+              <a:t>print(returns.tail())</a:t>
             </a:r>
           </a:p>
           <a:p>
@@ -29996,7 +30172,7 @@
                 <a:latin typeface="Courier New"/>
                 <a:cs typeface="Courier New"/>
               </a:rPr>
-              <a:t>print (price)</a:t>
+              <a:t>print(price)</a:t>
             </a:r>
           </a:p>
           <a:p>
@@ -30322,7 +30498,7 @@
                 <a:latin typeface="Courier New"/>
                 <a:cs typeface="Courier New"/>
               </a:rPr>
-              <a:t>print (returns.cov())</a:t>
+              <a:t>print(returns.cov())</a:t>
             </a:r>
           </a:p>
           <a:p>
@@ -30640,7 +30816,7 @@
                 <a:latin typeface="Courier New"/>
                 <a:cs typeface="Courier New"/>
               </a:rPr>
-              <a:t>print (returns.corr())</a:t>
+              <a:t>print(returns.corr())</a:t>
             </a:r>
           </a:p>
           <a:p>
@@ -31585,7 +31761,7 @@
                 <a:latin typeface="Courier New"/>
                 <a:cs typeface="Courier New"/>
               </a:rPr>
-              <a:t>print (data)</a:t>
+              <a:t>print(data)</a:t>
             </a:r>
           </a:p>
           <a:p>
@@ -31707,7 +31883,7 @@
                 <a:latin typeface="Courier New"/>
                 <a:cs typeface="Courier New"/>
               </a:rPr>
-              <a:t>print (</a:t>
+              <a:t>print(</a:t>
             </a:r>
             <a:r>
               <a:rPr lang="mr-IN" sz="1600" b="1" dirty="0" err="1">
@@ -32176,8 +32352,8 @@
         </p:nvSpPr>
         <p:spPr bwMode="auto">
           <a:xfrm>
-            <a:off x="454426" y="2408552"/>
-            <a:ext cx="5226238" cy="523220"/>
+            <a:off x="454424" y="2622505"/>
+            <a:ext cx="7099313" cy="307777"/>
           </a:xfrm>
           <a:prstGeom prst="rect">
             <a:avLst/>
@@ -32351,7 +32527,7 @@
         </p:nvSpPr>
         <p:spPr bwMode="auto">
           <a:xfrm>
-            <a:off x="5921989" y="1606843"/>
+            <a:off x="6094267" y="1385387"/>
             <a:ext cx="2695831" cy="1169551"/>
           </a:xfrm>
           <a:prstGeom prst="rect">
@@ -32761,7 +32937,7 @@
                 <a:latin typeface="Courier New"/>
                 <a:cs typeface="Courier New"/>
               </a:rPr>
-              <a:t>print (</a:t>
+              <a:t>print(</a:t>
             </a:r>
             <a:r>
               <a:rPr lang="mr-IN" sz="1400" b="1" dirty="0" err="1">
@@ -33021,7 +33197,7 @@
                 <a:latin typeface="Courier New"/>
                 <a:cs typeface="Courier New"/>
               </a:rPr>
-              <a:t>print (data.dropna(how='all'))</a:t>
+              <a:t>print(data.dropna(how='all'))</a:t>
             </a:r>
           </a:p>
           <a:p>
@@ -33348,7 +33524,7 @@
                 <a:latin typeface="Courier New"/>
                 <a:cs typeface="Courier New"/>
               </a:rPr>
-              <a:t>print (</a:t>
+              <a:t>print(</a:t>
             </a:r>
             <a:r>
               <a:rPr lang="mr-IN" sz="1400" b="1" dirty="0" err="1">
@@ -33621,7 +33797,7 @@
                 <a:latin typeface="Courier New"/>
                 <a:cs typeface="Courier New"/>
               </a:rPr>
-              <a:t>print (</a:t>
+              <a:t>print(</a:t>
             </a:r>
             <a:r>
               <a:rPr lang="mr-IN" sz="1400" b="1" dirty="0" err="1">
@@ -33964,7 +34140,7 @@
                 <a:latin typeface="Courier New"/>
                 <a:cs typeface="Courier New"/>
               </a:rPr>
-              <a:t>print (filled)</a:t>
+              <a:t>print(filled)</a:t>
             </a:r>
           </a:p>
           <a:p>
@@ -34314,7 +34490,7 @@
                 <a:latin typeface="Courier New"/>
                 <a:cs typeface="Courier New"/>
               </a:rPr>
-              <a:t>print (</a:t>
+              <a:t>print(</a:t>
             </a:r>
             <a:r>
               <a:rPr lang="mr-IN" sz="1600" b="1" dirty="0" err="1">
@@ -34634,7 +34810,7 @@
                 <a:latin typeface="Courier New"/>
                 <a:cs typeface="Courier New"/>
               </a:rPr>
-              <a:t>print (filled)</a:t>
+              <a:t>print(filled)</a:t>
             </a:r>
           </a:p>
           <a:p>
@@ -39961,6 +40137,16 @@
           </a:p>
           <a:p>
             <a:r>
+              <a:rPr lang="pt-BR" sz="1600" b="1" dirty="0" err="1">
+                <a:solidFill>
+                  <a:schemeClr val="tx1"/>
+                </a:solidFill>
+                <a:latin typeface="Courier New"/>
+                <a:cs typeface="Courier New"/>
+              </a:rPr>
+              <a:t>print</a:t>
+            </a:r>
+            <a:r>
               <a:rPr lang="pt-BR" sz="1600" b="1" dirty="0">
                 <a:solidFill>
                   <a:schemeClr val="tx1"/>
@@ -39968,7 +40154,7 @@
                 <a:latin typeface="Courier New"/>
                 <a:cs typeface="Courier New"/>
               </a:rPr>
-              <a:t>print (data)</a:t>
+              <a:t>(data)</a:t>
             </a:r>
           </a:p>
           <a:p>
@@ -40049,7 +40235,7 @@
                 <a:latin typeface="Courier New"/>
                 <a:cs typeface="Courier New"/>
               </a:rPr>
-              <a:t>print (data.values)</a:t>
+              <a:t>print(data.values)</a:t>
             </a:r>
           </a:p>
           <a:p>
@@ -40092,7 +40278,7 @@
                 <a:latin typeface="Courier New"/>
                 <a:cs typeface="Courier New"/>
               </a:rPr>
-              <a:t>print (data.index)</a:t>
+              <a:t>print(data.index)</a:t>
             </a:r>
           </a:p>
           <a:p>
@@ -40125,7 +40311,7 @@
                 <a:latin typeface="Courier New"/>
                 <a:cs typeface="Courier New"/>
               </a:rPr>
-              <a:t>print (data[1])</a:t>
+              <a:t>print(data[1])</a:t>
             </a:r>
           </a:p>
           <a:p>
@@ -40505,7 +40691,7 @@
                 <a:latin typeface="Courier New"/>
                 <a:cs typeface="Courier New"/>
               </a:rPr>
-              <a:t>print (data.index)</a:t>
+              <a:t>print(data.index)</a:t>
             </a:r>
           </a:p>
           <a:p>
@@ -40558,7 +40744,7 @@
                 <a:latin typeface="Courier New"/>
                 <a:cs typeface="Courier New"/>
               </a:rPr>
-              <a:t>print (</a:t>
+              <a:t>print(</a:t>
             </a:r>
             <a:r>
               <a:rPr lang="mr-IN" sz="1800" b="1" dirty="0" err="1">
@@ -41196,11 +41382,11 @@
               <a:t>If no key is provided, then </a:t>
             </a:r>
             <a:r>
-              <a:rPr lang="en-US" dirty="0">
+              <a:rPr lang="en-US" dirty="0" err="1">
                 <a:latin typeface="Courier New" panose="02070309020205020404" pitchFamily="49" charset="0"/>
                 <a:cs typeface="Courier New" panose="02070309020205020404" pitchFamily="49" charset="0"/>
               </a:rPr>
-              <a:t>NAN</a:t>
+              <a:t>NaN</a:t>
             </a:r>
             <a:r>
               <a:rPr lang="en-US" dirty="0"/>
@@ -42899,20 +43085,6 @@
 </file>
 
 <file path=customXml/item1.xml><?xml version="1.0" encoding="utf-8"?>
-<p:properties xmlns:p="http://schemas.microsoft.com/office/2006/metadata/properties" xmlns:xsi="http://www.w3.org/2001/XMLSchema-instance" xmlns:pc="http://schemas.microsoft.com/office/infopath/2007/PartnerControls">
-  <documentManagement>
-    <_dlc_DocId xmlns="037063e9-a85e-4c78-8627-f1a9315663e5">EVEA5JW6U4JV-6-9958</_dlc_DocId>
-    <_dlc_DocIdUrl xmlns="037063e9-a85e-4c78-8627-f1a9315663e5">
-      <Url>https://portal.roitraining.com/Courses/_layouts/DocIdRedir.aspx?ID=EVEA5JW6U4JV-6-9958</Url>
-      <Description>EVEA5JW6U4JV-6-9958</Description>
-    </_dlc_DocIdUrl>
-    <Date_x0020_last_x0020_used xmlns="027ed24f-5970-4294-be5c-0919c5aaa214" xsi:nil="true"/>
-    <Customization_x0020_Information xmlns="027ed24f-5970-4294-be5c-0919c5aaa214" xsi:nil="true"/>
-  </documentManagement>
-</p:properties>
-</file>
-
-<file path=customXml/item2.xml><?xml version="1.0" encoding="utf-8"?>
 <ct:contentTypeSchema xmlns:ct="http://schemas.microsoft.com/office/2006/metadata/contentType" xmlns:ma="http://schemas.microsoft.com/office/2006/metadata/properties/metaAttributes" ct:_="" ma:_="" ma:contentTypeName="Document" ma:contentTypeID="0x0101006B08A054FD435346B287BB258D6D8C2A" ma:contentTypeVersion="2" ma:contentTypeDescription="Create a new document." ma:contentTypeScope="" ma:versionID="6146b90b4382322d8952632f355192b7">
   <xsd:schema xmlns:xsd="http://www.w3.org/2001/XMLSchema" xmlns:xs="http://www.w3.org/2001/XMLSchema" xmlns:p="http://schemas.microsoft.com/office/2006/metadata/properties" xmlns:ns2="027ed24f-5970-4294-be5c-0919c5aaa214" xmlns:ns3="037063e9-a85e-4c78-8627-f1a9315663e5" targetNamespace="http://schemas.microsoft.com/office/2006/metadata/properties" ma:root="true" ma:fieldsID="b5d91f802dafd2e22aeea528efbe2d3e" ns2:_="" ns3:_="">
     <xsd:import namespace="027ed24f-5970-4294-be5c-0919c5aaa214"/>
@@ -43078,13 +43250,27 @@
 </ct:contentTypeSchema>
 </file>
 
-<file path=customXml/item3.xml><?xml version="1.0" encoding="utf-8"?>
+<file path=customXml/item2.xml><?xml version="1.0" encoding="utf-8"?>
 <?mso-contentType ?>
 <FormTemplates xmlns="http://schemas.microsoft.com/sharepoint/v3/contenttype/forms">
   <Display>DocumentLibraryForm</Display>
   <Edit>DocumentLibraryForm</Edit>
   <New>DocumentLibraryForm</New>
 </FormTemplates>
+</file>
+
+<file path=customXml/item3.xml><?xml version="1.0" encoding="utf-8"?>
+<p:properties xmlns:p="http://schemas.microsoft.com/office/2006/metadata/properties" xmlns:xsi="http://www.w3.org/2001/XMLSchema-instance" xmlns:pc="http://schemas.microsoft.com/office/infopath/2007/PartnerControls">
+  <documentManagement>
+    <_dlc_DocId xmlns="037063e9-a85e-4c78-8627-f1a9315663e5">EVEA5JW6U4JV-6-9958</_dlc_DocId>
+    <_dlc_DocIdUrl xmlns="037063e9-a85e-4c78-8627-f1a9315663e5">
+      <Url>https://portal.roitraining.com/Courses/_layouts/DocIdRedir.aspx?ID=EVEA5JW6U4JV-6-9958</Url>
+      <Description>EVEA5JW6U4JV-6-9958</Description>
+    </_dlc_DocIdUrl>
+    <Date_x0020_last_x0020_used xmlns="027ed24f-5970-4294-be5c-0919c5aaa214" xsi:nil="true"/>
+    <Customization_x0020_Information xmlns="027ed24f-5970-4294-be5c-0919c5aaa214" xsi:nil="true"/>
+  </documentManagement>
+</p:properties>
 </file>
 
 <file path=customXml/item4.xml><?xml version="1.0" encoding="utf-8"?>
@@ -43134,23 +43320,6 @@
 </file>
 
 <file path=customXml/itemProps1.xml><?xml version="1.0" encoding="utf-8"?>
-<ds:datastoreItem xmlns:ds="http://schemas.openxmlformats.org/officeDocument/2006/customXml" ds:itemID="{F47B9207-CE5C-49AD-B414-15CBFA246D65}">
-  <ds:schemaRefs>
-    <ds:schemaRef ds:uri="037063e9-a85e-4c78-8627-f1a9315663e5"/>
-    <ds:schemaRef ds:uri="http://purl.org/dc/terms/"/>
-    <ds:schemaRef ds:uri="http://schemas.microsoft.com/office/infopath/2007/PartnerControls"/>
-    <ds:schemaRef ds:uri="http://schemas.microsoft.com/office/2006/documentManagement/types"/>
-    <ds:schemaRef ds:uri="http://schemas.microsoft.com/office/2006/metadata/properties"/>
-    <ds:schemaRef ds:uri="http://purl.org/dc/elements/1.1/"/>
-    <ds:schemaRef ds:uri="http://schemas.openxmlformats.org/package/2006/metadata/core-properties"/>
-    <ds:schemaRef ds:uri="027ed24f-5970-4294-be5c-0919c5aaa214"/>
-    <ds:schemaRef ds:uri="http://www.w3.org/XML/1998/namespace"/>
-    <ds:schemaRef ds:uri="http://purl.org/dc/dcmitype/"/>
-  </ds:schemaRefs>
-</ds:datastoreItem>
-</file>
-
-<file path=customXml/itemProps2.xml><?xml version="1.0" encoding="utf-8"?>
 <ds:datastoreItem xmlns:ds="http://schemas.openxmlformats.org/officeDocument/2006/customXml" ds:itemID="{41A1F8C2-0CB7-4B0D-AA1A-054546402046}">
   <ds:schemaRefs>
     <ds:schemaRef ds:uri="http://schemas.microsoft.com/office/2006/metadata/contentType"/>
@@ -43169,10 +43338,27 @@
 </ds:datastoreItem>
 </file>
 
-<file path=customXml/itemProps3.xml><?xml version="1.0" encoding="utf-8"?>
+<file path=customXml/itemProps2.xml><?xml version="1.0" encoding="utf-8"?>
 <ds:datastoreItem xmlns:ds="http://schemas.openxmlformats.org/officeDocument/2006/customXml" ds:itemID="{2DA015F3-603C-4688-A5F3-81D587DAB8C9}">
   <ds:schemaRefs>
     <ds:schemaRef ds:uri="http://schemas.microsoft.com/sharepoint/v3/contenttype/forms"/>
+  </ds:schemaRefs>
+</ds:datastoreItem>
+</file>
+
+<file path=customXml/itemProps3.xml><?xml version="1.0" encoding="utf-8"?>
+<ds:datastoreItem xmlns:ds="http://schemas.openxmlformats.org/officeDocument/2006/customXml" ds:itemID="{F47B9207-CE5C-49AD-B414-15CBFA246D65}">
+  <ds:schemaRefs>
+    <ds:schemaRef ds:uri="037063e9-a85e-4c78-8627-f1a9315663e5"/>
+    <ds:schemaRef ds:uri="http://purl.org/dc/terms/"/>
+    <ds:schemaRef ds:uri="http://schemas.microsoft.com/office/infopath/2007/PartnerControls"/>
+    <ds:schemaRef ds:uri="http://schemas.microsoft.com/office/2006/documentManagement/types"/>
+    <ds:schemaRef ds:uri="http://schemas.microsoft.com/office/2006/metadata/properties"/>
+    <ds:schemaRef ds:uri="http://purl.org/dc/elements/1.1/"/>
+    <ds:schemaRef ds:uri="http://schemas.openxmlformats.org/package/2006/metadata/core-properties"/>
+    <ds:schemaRef ds:uri="027ed24f-5970-4294-be5c-0919c5aaa214"/>
+    <ds:schemaRef ds:uri="http://www.w3.org/XML/1998/namespace"/>
+    <ds:schemaRef ds:uri="http://purl.org/dc/dcmitype/"/>
   </ds:schemaRefs>
 </ds:datastoreItem>
 </file>

--- a/Day3-Pandas/Ch03_Pandas.pptx
+++ b/Day3-Pandas/Ch03_Pandas.pptx
@@ -5,10 +5,10 @@
     <p:sldMasterId id="2147483684" r:id="rId5"/>
   </p:sldMasterIdLst>
   <p:notesMasterIdLst>
-    <p:notesMasterId r:id="rId59"/>
+    <p:notesMasterId r:id="rId54"/>
   </p:notesMasterIdLst>
   <p:handoutMasterIdLst>
-    <p:handoutMasterId r:id="rId60"/>
+    <p:handoutMasterId r:id="rId55"/>
   </p:handoutMasterIdLst>
   <p:sldIdLst>
     <p:sldId id="257" r:id="rId6"/>
@@ -57,13 +57,8 @@
     <p:sldId id="294" r:id="rId49"/>
     <p:sldId id="295" r:id="rId50"/>
     <p:sldId id="296" r:id="rId51"/>
-    <p:sldId id="320" r:id="rId52"/>
-    <p:sldId id="298" r:id="rId53"/>
-    <p:sldId id="299" r:id="rId54"/>
-    <p:sldId id="300" r:id="rId55"/>
-    <p:sldId id="301" r:id="rId56"/>
-    <p:sldId id="322" r:id="rId57"/>
-    <p:sldId id="304" r:id="rId58"/>
+    <p:sldId id="322" r:id="rId52"/>
+    <p:sldId id="304" r:id="rId53"/>
   </p:sldIdLst>
   <p:sldSz cx="9144000" cy="6858000" type="screen4x3"/>
   <p:notesSz cx="7053263" cy="9356725"/>
@@ -3938,7 +3933,7 @@
     </p:spTree>
     <p:extLst>
       <p:ext uri="{BB962C8B-B14F-4D97-AF65-F5344CB8AC3E}">
-        <p14:creationId xmlns:p14="http://schemas.microsoft.com/office/powerpoint/2010/main" val="3260296487"/>
+        <p14:creationId xmlns:p14="http://schemas.microsoft.com/office/powerpoint/2010/main" val="342939897"/>
       </p:ext>
     </p:extLst>
   </p:cSld>
@@ -3967,7 +3962,7 @@
       </p:grpSpPr>
       <p:sp>
         <p:nvSpPr>
-          <p:cNvPr id="2" name="Slide Image Placeholder 1"/>
+          <p:cNvPr id="6" name="Slide Image Placeholder 5"/>
           <p:cNvSpPr>
             <a:spLocks noGrp="1" noRot="1" noChangeAspect="1"/>
           </p:cNvSpPr>
@@ -3984,7 +3979,7 @@
       </p:sp>
       <p:sp>
         <p:nvSpPr>
-          <p:cNvPr id="3" name="Notes Placeholder 2"/>
+          <p:cNvPr id="7" name="Notes Placeholder 6"/>
           <p:cNvSpPr>
             <a:spLocks noGrp="1"/>
           </p:cNvSpPr>
@@ -4004,73 +3999,7 @@
     </p:spTree>
     <p:extLst>
       <p:ext uri="{BB962C8B-B14F-4D97-AF65-F5344CB8AC3E}">
-        <p14:creationId xmlns:p14="http://schemas.microsoft.com/office/powerpoint/2010/main" val="4218856033"/>
-      </p:ext>
-    </p:extLst>
-  </p:cSld>
-  <p:clrMapOvr>
-    <a:masterClrMapping/>
-  </p:clrMapOvr>
-</p:notes>
-</file>
-
-<file path=ppt/notesSlides/notesSlide49.xml><?xml version="1.0" encoding="utf-8"?>
-<p:notes xmlns:a="http://schemas.openxmlformats.org/drawingml/2006/main" xmlns:r="http://schemas.openxmlformats.org/officeDocument/2006/relationships" xmlns:p="http://schemas.openxmlformats.org/presentationml/2006/main">
-  <p:cSld>
-    <p:spTree>
-      <p:nvGrpSpPr>
-        <p:cNvPr id="1" name=""/>
-        <p:cNvGrpSpPr/>
-        <p:nvPr/>
-      </p:nvGrpSpPr>
-      <p:grpSpPr>
-        <a:xfrm>
-          <a:off x="0" y="0"/>
-          <a:ext cx="0" cy="0"/>
-          <a:chOff x="0" y="0"/>
-          <a:chExt cx="0" cy="0"/>
-        </a:xfrm>
-      </p:grpSpPr>
-      <p:sp>
-        <p:nvSpPr>
-          <p:cNvPr id="2" name="Slide Image Placeholder 1"/>
-          <p:cNvSpPr>
-            <a:spLocks noGrp="1" noRot="1" noChangeAspect="1"/>
-          </p:cNvSpPr>
-          <p:nvPr>
-            <p:ph type="sldImg"/>
-          </p:nvPr>
-        </p:nvSpPr>
-        <p:spPr>
-          <a:xfrm>
-            <a:off x="1189038" y="701675"/>
-            <a:ext cx="4676775" cy="3508375"/>
-          </a:xfrm>
-        </p:spPr>
-      </p:sp>
-      <p:sp>
-        <p:nvSpPr>
-          <p:cNvPr id="3" name="Notes Placeholder 2"/>
-          <p:cNvSpPr>
-            <a:spLocks noGrp="1"/>
-          </p:cNvSpPr>
-          <p:nvPr>
-            <p:ph type="body" idx="1"/>
-          </p:nvPr>
-        </p:nvSpPr>
-        <p:spPr/>
-        <p:txBody>
-          <a:bodyPr/>
-          <a:lstStyle/>
-          <a:p>
-            <a:endParaRPr lang="en-US" dirty="0"/>
-          </a:p>
-        </p:txBody>
-      </p:sp>
-    </p:spTree>
-    <p:extLst>
-      <p:ext uri="{BB962C8B-B14F-4D97-AF65-F5344CB8AC3E}">
-        <p14:creationId xmlns:p14="http://schemas.microsoft.com/office/powerpoint/2010/main" val="2207617943"/>
+        <p14:creationId xmlns:p14="http://schemas.microsoft.com/office/powerpoint/2010/main" val="3119010931"/>
       </p:ext>
     </p:extLst>
   </p:cSld>
@@ -4137,270 +4066,6 @@
     <p:extLst>
       <p:ext uri="{BB962C8B-B14F-4D97-AF65-F5344CB8AC3E}">
         <p14:creationId xmlns:p14="http://schemas.microsoft.com/office/powerpoint/2010/main" val="3618411237"/>
-      </p:ext>
-    </p:extLst>
-  </p:cSld>
-  <p:clrMapOvr>
-    <a:masterClrMapping/>
-  </p:clrMapOvr>
-</p:notes>
-</file>
-
-<file path=ppt/notesSlides/notesSlide50.xml><?xml version="1.0" encoding="utf-8"?>
-<p:notes xmlns:a="http://schemas.openxmlformats.org/drawingml/2006/main" xmlns:r="http://schemas.openxmlformats.org/officeDocument/2006/relationships" xmlns:p="http://schemas.openxmlformats.org/presentationml/2006/main">
-  <p:cSld>
-    <p:spTree>
-      <p:nvGrpSpPr>
-        <p:cNvPr id="1" name=""/>
-        <p:cNvGrpSpPr/>
-        <p:nvPr/>
-      </p:nvGrpSpPr>
-      <p:grpSpPr>
-        <a:xfrm>
-          <a:off x="0" y="0"/>
-          <a:ext cx="0" cy="0"/>
-          <a:chOff x="0" y="0"/>
-          <a:chExt cx="0" cy="0"/>
-        </a:xfrm>
-      </p:grpSpPr>
-      <p:sp>
-        <p:nvSpPr>
-          <p:cNvPr id="2" name="Slide Image Placeholder 1"/>
-          <p:cNvSpPr>
-            <a:spLocks noGrp="1" noRot="1" noChangeAspect="1"/>
-          </p:cNvSpPr>
-          <p:nvPr>
-            <p:ph type="sldImg"/>
-          </p:nvPr>
-        </p:nvSpPr>
-        <p:spPr>
-          <a:xfrm>
-            <a:off x="1189038" y="701675"/>
-            <a:ext cx="4676775" cy="3508375"/>
-          </a:xfrm>
-        </p:spPr>
-      </p:sp>
-      <p:sp>
-        <p:nvSpPr>
-          <p:cNvPr id="3" name="Notes Placeholder 2"/>
-          <p:cNvSpPr>
-            <a:spLocks noGrp="1"/>
-          </p:cNvSpPr>
-          <p:nvPr>
-            <p:ph type="body" idx="1"/>
-          </p:nvPr>
-        </p:nvSpPr>
-        <p:spPr/>
-        <p:txBody>
-          <a:bodyPr/>
-          <a:lstStyle/>
-          <a:p>
-            <a:endParaRPr lang="en-US" dirty="0"/>
-          </a:p>
-        </p:txBody>
-      </p:sp>
-    </p:spTree>
-    <p:extLst>
-      <p:ext uri="{BB962C8B-B14F-4D97-AF65-F5344CB8AC3E}">
-        <p14:creationId xmlns:p14="http://schemas.microsoft.com/office/powerpoint/2010/main" val="3937267494"/>
-      </p:ext>
-    </p:extLst>
-  </p:cSld>
-  <p:clrMapOvr>
-    <a:masterClrMapping/>
-  </p:clrMapOvr>
-</p:notes>
-</file>
-
-<file path=ppt/notesSlides/notesSlide51.xml><?xml version="1.0" encoding="utf-8"?>
-<p:notes xmlns:a="http://schemas.openxmlformats.org/drawingml/2006/main" xmlns:r="http://schemas.openxmlformats.org/officeDocument/2006/relationships" xmlns:p="http://schemas.openxmlformats.org/presentationml/2006/main">
-  <p:cSld>
-    <p:spTree>
-      <p:nvGrpSpPr>
-        <p:cNvPr id="1" name=""/>
-        <p:cNvGrpSpPr/>
-        <p:nvPr/>
-      </p:nvGrpSpPr>
-      <p:grpSpPr>
-        <a:xfrm>
-          <a:off x="0" y="0"/>
-          <a:ext cx="0" cy="0"/>
-          <a:chOff x="0" y="0"/>
-          <a:chExt cx="0" cy="0"/>
-        </a:xfrm>
-      </p:grpSpPr>
-      <p:sp>
-        <p:nvSpPr>
-          <p:cNvPr id="2" name="Slide Image Placeholder 1"/>
-          <p:cNvSpPr>
-            <a:spLocks noGrp="1" noRot="1" noChangeAspect="1"/>
-          </p:cNvSpPr>
-          <p:nvPr>
-            <p:ph type="sldImg"/>
-          </p:nvPr>
-        </p:nvSpPr>
-        <p:spPr>
-          <a:xfrm>
-            <a:off x="1189038" y="701675"/>
-            <a:ext cx="4676775" cy="3508375"/>
-          </a:xfrm>
-        </p:spPr>
-      </p:sp>
-      <p:sp>
-        <p:nvSpPr>
-          <p:cNvPr id="3" name="Notes Placeholder 2"/>
-          <p:cNvSpPr>
-            <a:spLocks noGrp="1"/>
-          </p:cNvSpPr>
-          <p:nvPr>
-            <p:ph type="body" idx="1"/>
-          </p:nvPr>
-        </p:nvSpPr>
-        <p:spPr/>
-        <p:txBody>
-          <a:bodyPr/>
-          <a:lstStyle/>
-          <a:p>
-            <a:endParaRPr lang="en-US" dirty="0"/>
-          </a:p>
-        </p:txBody>
-      </p:sp>
-    </p:spTree>
-    <p:extLst>
-      <p:ext uri="{BB962C8B-B14F-4D97-AF65-F5344CB8AC3E}">
-        <p14:creationId xmlns:p14="http://schemas.microsoft.com/office/powerpoint/2010/main" val="88604538"/>
-      </p:ext>
-    </p:extLst>
-  </p:cSld>
-  <p:clrMapOvr>
-    <a:masterClrMapping/>
-  </p:clrMapOvr>
-</p:notes>
-</file>
-
-<file path=ppt/notesSlides/notesSlide52.xml><?xml version="1.0" encoding="utf-8"?>
-<p:notes xmlns:a="http://schemas.openxmlformats.org/drawingml/2006/main" xmlns:r="http://schemas.openxmlformats.org/officeDocument/2006/relationships" xmlns:p="http://schemas.openxmlformats.org/presentationml/2006/main">
-  <p:cSld>
-    <p:spTree>
-      <p:nvGrpSpPr>
-        <p:cNvPr id="1" name=""/>
-        <p:cNvGrpSpPr/>
-        <p:nvPr/>
-      </p:nvGrpSpPr>
-      <p:grpSpPr>
-        <a:xfrm>
-          <a:off x="0" y="0"/>
-          <a:ext cx="0" cy="0"/>
-          <a:chOff x="0" y="0"/>
-          <a:chExt cx="0" cy="0"/>
-        </a:xfrm>
-      </p:grpSpPr>
-      <p:sp>
-        <p:nvSpPr>
-          <p:cNvPr id="4" name="Slide Image Placeholder 3"/>
-          <p:cNvSpPr>
-            <a:spLocks noGrp="1" noRot="1" noChangeAspect="1"/>
-          </p:cNvSpPr>
-          <p:nvPr>
-            <p:ph type="sldImg"/>
-          </p:nvPr>
-        </p:nvSpPr>
-        <p:spPr>
-          <a:xfrm>
-            <a:off x="1189038" y="701675"/>
-            <a:ext cx="4676775" cy="3508375"/>
-          </a:xfrm>
-        </p:spPr>
-      </p:sp>
-      <p:sp>
-        <p:nvSpPr>
-          <p:cNvPr id="5" name="Notes Placeholder 4"/>
-          <p:cNvSpPr>
-            <a:spLocks noGrp="1"/>
-          </p:cNvSpPr>
-          <p:nvPr>
-            <p:ph type="body" idx="1"/>
-          </p:nvPr>
-        </p:nvSpPr>
-        <p:spPr/>
-        <p:txBody>
-          <a:bodyPr/>
-          <a:lstStyle/>
-          <a:p>
-            <a:endParaRPr lang="en-US" dirty="0"/>
-          </a:p>
-        </p:txBody>
-      </p:sp>
-    </p:spTree>
-    <p:extLst>
-      <p:ext uri="{BB962C8B-B14F-4D97-AF65-F5344CB8AC3E}">
-        <p14:creationId xmlns:p14="http://schemas.microsoft.com/office/powerpoint/2010/main" val="342939897"/>
-      </p:ext>
-    </p:extLst>
-  </p:cSld>
-  <p:clrMapOvr>
-    <a:masterClrMapping/>
-  </p:clrMapOvr>
-</p:notes>
-</file>
-
-<file path=ppt/notesSlides/notesSlide53.xml><?xml version="1.0" encoding="utf-8"?>
-<p:notes xmlns:a="http://schemas.openxmlformats.org/drawingml/2006/main" xmlns:r="http://schemas.openxmlformats.org/officeDocument/2006/relationships" xmlns:p="http://schemas.openxmlformats.org/presentationml/2006/main">
-  <p:cSld>
-    <p:spTree>
-      <p:nvGrpSpPr>
-        <p:cNvPr id="1" name=""/>
-        <p:cNvGrpSpPr/>
-        <p:nvPr/>
-      </p:nvGrpSpPr>
-      <p:grpSpPr>
-        <a:xfrm>
-          <a:off x="0" y="0"/>
-          <a:ext cx="0" cy="0"/>
-          <a:chOff x="0" y="0"/>
-          <a:chExt cx="0" cy="0"/>
-        </a:xfrm>
-      </p:grpSpPr>
-      <p:sp>
-        <p:nvSpPr>
-          <p:cNvPr id="6" name="Slide Image Placeholder 5"/>
-          <p:cNvSpPr>
-            <a:spLocks noGrp="1" noRot="1" noChangeAspect="1"/>
-          </p:cNvSpPr>
-          <p:nvPr>
-            <p:ph type="sldImg"/>
-          </p:nvPr>
-        </p:nvSpPr>
-        <p:spPr>
-          <a:xfrm>
-            <a:off x="1189038" y="701675"/>
-            <a:ext cx="4676775" cy="3508375"/>
-          </a:xfrm>
-        </p:spPr>
-      </p:sp>
-      <p:sp>
-        <p:nvSpPr>
-          <p:cNvPr id="7" name="Notes Placeholder 6"/>
-          <p:cNvSpPr>
-            <a:spLocks noGrp="1"/>
-          </p:cNvSpPr>
-          <p:nvPr>
-            <p:ph type="body" idx="1"/>
-          </p:nvPr>
-        </p:nvSpPr>
-        <p:spPr/>
-        <p:txBody>
-          <a:bodyPr/>
-          <a:lstStyle/>
-          <a:p>
-            <a:endParaRPr lang="en-US" dirty="0"/>
-          </a:p>
-        </p:txBody>
-      </p:sp>
-    </p:spTree>
-    <p:extLst>
-      <p:ext uri="{BB962C8B-B14F-4D97-AF65-F5344CB8AC3E}">
-        <p14:creationId xmlns:p14="http://schemas.microsoft.com/office/powerpoint/2010/main" val="3119010931"/>
       </p:ext>
     </p:extLst>
   </p:cSld>
@@ -11739,14 +11404,14 @@
           <p:nvPr>
             <p:extLst>
               <p:ext uri="{D42A27DB-BD31-4B8C-83A1-F6EECF244321}">
-                <p14:modId xmlns:p14="http://schemas.microsoft.com/office/powerpoint/2010/main" val="706374821"/>
+                <p14:modId xmlns:p14="http://schemas.microsoft.com/office/powerpoint/2010/main" val="4212159865"/>
               </p:ext>
             </p:extLst>
           </p:nvPr>
         </p:nvGraphicFramePr>
         <p:xfrm>
           <a:off x="1600200" y="1447543"/>
-          <a:ext cx="5943600" cy="3840480"/>
+          <a:ext cx="5943600" cy="3291840"/>
         </p:xfrm>
         <a:graphic>
           <a:graphicData uri="http://schemas.openxmlformats.org/drawingml/2006/table">
@@ -12062,64 +11727,6 @@
                             </a:schemeClr>
                           </a:solidFill>
                         </a:rPr>
-                        <a:t>Hierarchical Indexing</a:t>
-                      </a:r>
-                    </a:p>
-                  </a:txBody>
-                  <a:tcPr anchor="ctr">
-                    <a:lnT w="12700" cap="flat" cmpd="sng" algn="ctr">
-                      <a:solidFill>
-                        <a:schemeClr val="bg1">
-                          <a:lumMod val="65000"/>
-                        </a:schemeClr>
-                      </a:solidFill>
-                      <a:prstDash val="solid"/>
-                      <a:round/>
-                      <a:headEnd type="none" w="med" len="med"/>
-                      <a:tailEnd type="none" w="med" len="med"/>
-                    </a:lnT>
-                    <a:lnB w="12700" cap="flat" cmpd="sng" algn="ctr">
-                      <a:solidFill>
-                        <a:schemeClr val="bg1">
-                          <a:lumMod val="65000"/>
-                        </a:schemeClr>
-                      </a:solidFill>
-                      <a:prstDash val="solid"/>
-                      <a:round/>
-                      <a:headEnd type="none" w="med" len="med"/>
-                      <a:tailEnd type="none" w="med" len="med"/>
-                    </a:lnB>
-                    <a:noFill/>
-                  </a:tcPr>
-                </a:tc>
-                <a:extLst>
-                  <a:ext uri="{0D108BD9-81ED-4DB2-BD59-A6C34878D82A}">
-                    <a16:rowId xmlns:a16="http://schemas.microsoft.com/office/drawing/2014/main" val="2619733915"/>
-                  </a:ext>
-                </a:extLst>
-              </a:tr>
-              <a:tr h="548640">
-                <a:tc>
-                  <a:txBody>
-                    <a:bodyPr/>
-                    <a:lstStyle/>
-                    <a:p>
-                      <a:pPr>
-                        <a:lnSpc>
-                          <a:spcPct val="100000"/>
-                        </a:lnSpc>
-                        <a:spcAft>
-                          <a:spcPts val="0"/>
-                        </a:spcAft>
-                      </a:pPr>
-                      <a:r>
-                        <a:rPr lang="en-US" sz="2000" dirty="0">
-                          <a:solidFill>
-                            <a:schemeClr val="bg1">
-                              <a:lumMod val="65000"/>
-                            </a:schemeClr>
-                          </a:solidFill>
-                        </a:rPr>
                         <a:t>Chapter Summary</a:t>
                       </a:r>
                     </a:p>
@@ -14671,14 +14278,9 @@
             <a:endParaRPr lang="en-GB" dirty="0"/>
           </a:p>
           <a:p>
-            <a:pPr lvl="0"/>
-            <a:r>
-              <a:rPr lang="en-US" dirty="0"/>
-              <a:t>Hierarchical indexing</a:t>
-            </a:r>
-            <a:endParaRPr lang="en-GB" dirty="0"/>
-          </a:p>
-          <a:p>
+            <a:pPr marL="0" indent="0">
+              <a:buNone/>
+            </a:pPr>
             <a:endParaRPr lang="en-US" dirty="0"/>
           </a:p>
         </p:txBody>
@@ -21130,14 +20732,14 @@
           <p:nvPr>
             <p:extLst>
               <p:ext uri="{D42A27DB-BD31-4B8C-83A1-F6EECF244321}">
-                <p14:modId xmlns:p14="http://schemas.microsoft.com/office/powerpoint/2010/main" val="1918929597"/>
+                <p14:modId xmlns:p14="http://schemas.microsoft.com/office/powerpoint/2010/main" val="2527899850"/>
               </p:ext>
             </p:extLst>
           </p:nvPr>
         </p:nvGraphicFramePr>
         <p:xfrm>
           <a:off x="1600200" y="1447543"/>
-          <a:ext cx="5943600" cy="3840480"/>
+          <a:ext cx="5943600" cy="3291840"/>
         </p:xfrm>
         <a:graphic>
           <a:graphicData uri="http://schemas.openxmlformats.org/drawingml/2006/table">
@@ -21453,64 +21055,6 @@
                             </a:schemeClr>
                           </a:solidFill>
                         </a:rPr>
-                        <a:t>Hierarchical Indexing</a:t>
-                      </a:r>
-                    </a:p>
-                  </a:txBody>
-                  <a:tcPr anchor="ctr">
-                    <a:lnT w="12700" cap="flat" cmpd="sng" algn="ctr">
-                      <a:solidFill>
-                        <a:schemeClr val="bg1">
-                          <a:lumMod val="65000"/>
-                        </a:schemeClr>
-                      </a:solidFill>
-                      <a:prstDash val="solid"/>
-                      <a:round/>
-                      <a:headEnd type="none" w="med" len="med"/>
-                      <a:tailEnd type="none" w="med" len="med"/>
-                    </a:lnT>
-                    <a:lnB w="12700" cap="flat" cmpd="sng" algn="ctr">
-                      <a:solidFill>
-                        <a:schemeClr val="bg1">
-                          <a:lumMod val="65000"/>
-                        </a:schemeClr>
-                      </a:solidFill>
-                      <a:prstDash val="solid"/>
-                      <a:round/>
-                      <a:headEnd type="none" w="med" len="med"/>
-                      <a:tailEnd type="none" w="med" len="med"/>
-                    </a:lnB>
-                    <a:noFill/>
-                  </a:tcPr>
-                </a:tc>
-                <a:extLst>
-                  <a:ext uri="{0D108BD9-81ED-4DB2-BD59-A6C34878D82A}">
-                    <a16:rowId xmlns:a16="http://schemas.microsoft.com/office/drawing/2014/main" val="2619733915"/>
-                  </a:ext>
-                </a:extLst>
-              </a:tr>
-              <a:tr h="548640">
-                <a:tc>
-                  <a:txBody>
-                    <a:bodyPr/>
-                    <a:lstStyle/>
-                    <a:p>
-                      <a:pPr>
-                        <a:lnSpc>
-                          <a:spcPct val="100000"/>
-                        </a:lnSpc>
-                        <a:spcAft>
-                          <a:spcPts val="0"/>
-                        </a:spcAft>
-                      </a:pPr>
-                      <a:r>
-                        <a:rPr lang="en-US" sz="2000" dirty="0">
-                          <a:solidFill>
-                            <a:schemeClr val="bg1">
-                              <a:lumMod val="65000"/>
-                            </a:schemeClr>
-                          </a:solidFill>
-                        </a:rPr>
                         <a:t>Chapter Summary</a:t>
                       </a:r>
                     </a:p>
@@ -22460,14 +22004,14 @@
           <p:nvPr>
             <p:extLst>
               <p:ext uri="{D42A27DB-BD31-4B8C-83A1-F6EECF244321}">
-                <p14:modId xmlns:p14="http://schemas.microsoft.com/office/powerpoint/2010/main" val="1811459362"/>
+                <p14:modId xmlns:p14="http://schemas.microsoft.com/office/powerpoint/2010/main" val="2792998913"/>
               </p:ext>
             </p:extLst>
           </p:nvPr>
         </p:nvGraphicFramePr>
         <p:xfrm>
           <a:off x="1600200" y="1447543"/>
-          <a:ext cx="5943600" cy="3840480"/>
+          <a:ext cx="5943600" cy="3291840"/>
         </p:xfrm>
         <a:graphic>
           <a:graphicData uri="http://schemas.openxmlformats.org/drawingml/2006/table">
@@ -22783,64 +22327,6 @@
                             </a:schemeClr>
                           </a:solidFill>
                         </a:rPr>
-                        <a:t>Hierarchical Indexing</a:t>
-                      </a:r>
-                    </a:p>
-                  </a:txBody>
-                  <a:tcPr anchor="ctr">
-                    <a:lnT w="12700" cap="flat" cmpd="sng" algn="ctr">
-                      <a:solidFill>
-                        <a:schemeClr val="bg1">
-                          <a:lumMod val="65000"/>
-                        </a:schemeClr>
-                      </a:solidFill>
-                      <a:prstDash val="solid"/>
-                      <a:round/>
-                      <a:headEnd type="none" w="med" len="med"/>
-                      <a:tailEnd type="none" w="med" len="med"/>
-                    </a:lnT>
-                    <a:lnB w="12700" cap="flat" cmpd="sng" algn="ctr">
-                      <a:solidFill>
-                        <a:schemeClr val="bg1">
-                          <a:lumMod val="65000"/>
-                        </a:schemeClr>
-                      </a:solidFill>
-                      <a:prstDash val="solid"/>
-                      <a:round/>
-                      <a:headEnd type="none" w="med" len="med"/>
-                      <a:tailEnd type="none" w="med" len="med"/>
-                    </a:lnB>
-                    <a:noFill/>
-                  </a:tcPr>
-                </a:tc>
-                <a:extLst>
-                  <a:ext uri="{0D108BD9-81ED-4DB2-BD59-A6C34878D82A}">
-                    <a16:rowId xmlns:a16="http://schemas.microsoft.com/office/drawing/2014/main" val="2619733915"/>
-                  </a:ext>
-                </a:extLst>
-              </a:tr>
-              <a:tr h="548640">
-                <a:tc>
-                  <a:txBody>
-                    <a:bodyPr/>
-                    <a:lstStyle/>
-                    <a:p>
-                      <a:pPr>
-                        <a:lnSpc>
-                          <a:spcPct val="100000"/>
-                        </a:lnSpc>
-                        <a:spcAft>
-                          <a:spcPts val="0"/>
-                        </a:spcAft>
-                      </a:pPr>
-                      <a:r>
-                        <a:rPr lang="en-US" sz="2000" dirty="0">
-                          <a:solidFill>
-                            <a:schemeClr val="bg1">
-                              <a:lumMod val="65000"/>
-                            </a:schemeClr>
-                          </a:solidFill>
-                        </a:rPr>
                         <a:t>Chapter Summary</a:t>
                       </a:r>
                     </a:p>
@@ -26571,14 +26057,14 @@
           <p:nvPr>
             <p:extLst>
               <p:ext uri="{D42A27DB-BD31-4B8C-83A1-F6EECF244321}">
-                <p14:modId xmlns:p14="http://schemas.microsoft.com/office/powerpoint/2010/main" val="1958707485"/>
+                <p14:modId xmlns:p14="http://schemas.microsoft.com/office/powerpoint/2010/main" val="1505699212"/>
               </p:ext>
             </p:extLst>
           </p:nvPr>
         </p:nvGraphicFramePr>
         <p:xfrm>
           <a:off x="1600200" y="1447543"/>
-          <a:ext cx="5943600" cy="3992880"/>
+          <a:ext cx="5943600" cy="3444240"/>
         </p:xfrm>
         <a:graphic>
           <a:graphicData uri="http://schemas.openxmlformats.org/drawingml/2006/table">
@@ -26894,64 +26380,6 @@
                             </a:schemeClr>
                           </a:solidFill>
                         </a:rPr>
-                        <a:t>Hierarchical Indexing</a:t>
-                      </a:r>
-                    </a:p>
-                  </a:txBody>
-                  <a:tcPr anchor="ctr">
-                    <a:lnT w="12700" cap="flat" cmpd="sng" algn="ctr">
-                      <a:solidFill>
-                        <a:schemeClr val="bg1">
-                          <a:lumMod val="65000"/>
-                        </a:schemeClr>
-                      </a:solidFill>
-                      <a:prstDash val="solid"/>
-                      <a:round/>
-                      <a:headEnd type="none" w="med" len="med"/>
-                      <a:tailEnd type="none" w="med" len="med"/>
-                    </a:lnT>
-                    <a:lnB w="12700" cap="flat" cmpd="sng" algn="ctr">
-                      <a:solidFill>
-                        <a:schemeClr val="bg1">
-                          <a:lumMod val="65000"/>
-                        </a:schemeClr>
-                      </a:solidFill>
-                      <a:prstDash val="solid"/>
-                      <a:round/>
-                      <a:headEnd type="none" w="med" len="med"/>
-                      <a:tailEnd type="none" w="med" len="med"/>
-                    </a:lnB>
-                    <a:noFill/>
-                  </a:tcPr>
-                </a:tc>
-                <a:extLst>
-                  <a:ext uri="{0D108BD9-81ED-4DB2-BD59-A6C34878D82A}">
-                    <a16:rowId xmlns:a16="http://schemas.microsoft.com/office/drawing/2014/main" val="2619733915"/>
-                  </a:ext>
-                </a:extLst>
-              </a:tr>
-              <a:tr h="548640">
-                <a:tc>
-                  <a:txBody>
-                    <a:bodyPr/>
-                    <a:lstStyle/>
-                    <a:p>
-                      <a:pPr>
-                        <a:lnSpc>
-                          <a:spcPct val="100000"/>
-                        </a:lnSpc>
-                        <a:spcAft>
-                          <a:spcPts val="0"/>
-                        </a:spcAft>
-                      </a:pPr>
-                      <a:r>
-                        <a:rPr lang="en-US" sz="2000" dirty="0">
-                          <a:solidFill>
-                            <a:schemeClr val="bg1">
-                              <a:lumMod val="65000"/>
-                            </a:schemeClr>
-                          </a:solidFill>
-                        </a:rPr>
                         <a:t>Chapter Summary</a:t>
                       </a:r>
                     </a:p>
@@ -30967,14 +30395,14 @@
           <p:nvPr>
             <p:extLst>
               <p:ext uri="{D42A27DB-BD31-4B8C-83A1-F6EECF244321}">
-                <p14:modId xmlns:p14="http://schemas.microsoft.com/office/powerpoint/2010/main" val="201026989"/>
+                <p14:modId xmlns:p14="http://schemas.microsoft.com/office/powerpoint/2010/main" val="2996325411"/>
               </p:ext>
             </p:extLst>
           </p:nvPr>
         </p:nvGraphicFramePr>
         <p:xfrm>
           <a:off x="1600200" y="1447543"/>
-          <a:ext cx="5943600" cy="3840480"/>
+          <a:ext cx="5943600" cy="3291840"/>
         </p:xfrm>
         <a:graphic>
           <a:graphicData uri="http://schemas.openxmlformats.org/drawingml/2006/table">
@@ -31290,64 +30718,6 @@
                             </a:schemeClr>
                           </a:solidFill>
                         </a:rPr>
-                        <a:t>Hierarchical Indexing</a:t>
-                      </a:r>
-                    </a:p>
-                  </a:txBody>
-                  <a:tcPr anchor="ctr">
-                    <a:lnT w="12700" cap="flat" cmpd="sng" algn="ctr">
-                      <a:solidFill>
-                        <a:schemeClr val="bg1">
-                          <a:lumMod val="65000"/>
-                        </a:schemeClr>
-                      </a:solidFill>
-                      <a:prstDash val="solid"/>
-                      <a:round/>
-                      <a:headEnd type="none" w="med" len="med"/>
-                      <a:tailEnd type="none" w="med" len="med"/>
-                    </a:lnT>
-                    <a:lnB w="12700" cap="flat" cmpd="sng" algn="ctr">
-                      <a:solidFill>
-                        <a:schemeClr val="bg1">
-                          <a:lumMod val="65000"/>
-                        </a:schemeClr>
-                      </a:solidFill>
-                      <a:prstDash val="solid"/>
-                      <a:round/>
-                      <a:headEnd type="none" w="med" len="med"/>
-                      <a:tailEnd type="none" w="med" len="med"/>
-                    </a:lnB>
-                    <a:noFill/>
-                  </a:tcPr>
-                </a:tc>
-                <a:extLst>
-                  <a:ext uri="{0D108BD9-81ED-4DB2-BD59-A6C34878D82A}">
-                    <a16:rowId xmlns:a16="http://schemas.microsoft.com/office/drawing/2014/main" val="2619733915"/>
-                  </a:ext>
-                </a:extLst>
-              </a:tr>
-              <a:tr h="548640">
-                <a:tc>
-                  <a:txBody>
-                    <a:bodyPr/>
-                    <a:lstStyle/>
-                    <a:p>
-                      <a:pPr>
-                        <a:lnSpc>
-                          <a:spcPct val="100000"/>
-                        </a:lnSpc>
-                        <a:spcAft>
-                          <a:spcPts val="0"/>
-                        </a:spcAft>
-                      </a:pPr>
-                      <a:r>
-                        <a:rPr lang="en-US" sz="2000" dirty="0">
-                          <a:solidFill>
-                            <a:schemeClr val="bg1">
-                              <a:lumMod val="65000"/>
-                            </a:schemeClr>
-                          </a:solidFill>
-                        </a:rPr>
                         <a:t>Chapter Summary</a:t>
                       </a:r>
                     </a:p>
@@ -35011,4347 +34381,14 @@
           <p:nvPr>
             <p:extLst>
               <p:ext uri="{D42A27DB-BD31-4B8C-83A1-F6EECF244321}">
-                <p14:modId xmlns:p14="http://schemas.microsoft.com/office/powerpoint/2010/main" val="2489605886"/>
+                <p14:modId xmlns:p14="http://schemas.microsoft.com/office/powerpoint/2010/main" val="3901442151"/>
               </p:ext>
             </p:extLst>
           </p:nvPr>
         </p:nvGraphicFramePr>
         <p:xfrm>
           <a:off x="1600200" y="1447543"/>
-          <a:ext cx="5943600" cy="3840480"/>
-        </p:xfrm>
-        <a:graphic>
-          <a:graphicData uri="http://schemas.openxmlformats.org/drawingml/2006/table">
-            <a:tbl>
-              <a:tblPr>
-                <a:tableStyleId>{00A15C55-8517-42AA-B614-E9B94910E393}</a:tableStyleId>
-              </a:tblPr>
-              <a:tblGrid>
-                <a:gridCol w="5943600">
-                  <a:extLst>
-                    <a:ext uri="{9D8B030D-6E8A-4147-A177-3AD203B41FA5}">
-                      <a16:colId xmlns:a16="http://schemas.microsoft.com/office/drawing/2014/main" val="1695728431"/>
-                    </a:ext>
-                  </a:extLst>
-                </a:gridCol>
-              </a:tblGrid>
-              <a:tr h="548640">
-                <a:tc>
-                  <a:txBody>
-                    <a:bodyPr/>
-                    <a:lstStyle/>
-                    <a:p>
-                      <a:pPr>
-                        <a:lnSpc>
-                          <a:spcPct val="100000"/>
-                        </a:lnSpc>
-                        <a:spcAft>
-                          <a:spcPts val="0"/>
-                        </a:spcAft>
-                      </a:pPr>
-                      <a:r>
-                        <a:rPr lang="en-US" sz="2000" b="0" dirty="0">
-                          <a:solidFill>
-                            <a:schemeClr val="bg1">
-                              <a:lumMod val="65000"/>
-                            </a:schemeClr>
-                          </a:solidFill>
-                        </a:rPr>
-                        <a:t>Introduction to Pandas Data</a:t>
-                      </a:r>
-                    </a:p>
-                  </a:txBody>
-                  <a:tcPr anchor="ctr">
-                    <a:lnB w="12700" cap="flat" cmpd="sng" algn="ctr">
-                      <a:solidFill>
-                        <a:schemeClr val="bg1">
-                          <a:lumMod val="65000"/>
-                        </a:schemeClr>
-                      </a:solidFill>
-                      <a:prstDash val="solid"/>
-                      <a:round/>
-                      <a:headEnd type="none" w="med" len="med"/>
-                      <a:tailEnd type="none" w="med" len="med"/>
-                    </a:lnB>
-                    <a:noFill/>
-                  </a:tcPr>
-                </a:tc>
-                <a:extLst>
-                  <a:ext uri="{0D108BD9-81ED-4DB2-BD59-A6C34878D82A}">
-                    <a16:rowId xmlns:a16="http://schemas.microsoft.com/office/drawing/2014/main" val="2307098774"/>
-                  </a:ext>
-                </a:extLst>
-              </a:tr>
-              <a:tr h="548640">
-                <a:tc>
-                  <a:txBody>
-                    <a:bodyPr/>
-                    <a:lstStyle/>
-                    <a:p>
-                      <a:pPr>
-                        <a:lnSpc>
-                          <a:spcPct val="100000"/>
-                        </a:lnSpc>
-                        <a:spcAft>
-                          <a:spcPts val="0"/>
-                        </a:spcAft>
-                      </a:pPr>
-                      <a:r>
-                        <a:rPr lang="en-US" sz="2000" dirty="0">
-                          <a:solidFill>
-                            <a:schemeClr val="bg1">
-                              <a:lumMod val="65000"/>
-                            </a:schemeClr>
-                          </a:solidFill>
-                        </a:rPr>
-                        <a:t>Essential Functionality</a:t>
-                      </a:r>
-                    </a:p>
-                  </a:txBody>
-                  <a:tcPr anchor="ctr">
-                    <a:lnT w="12700" cap="flat" cmpd="sng" algn="ctr">
-                      <a:solidFill>
-                        <a:schemeClr val="bg1">
-                          <a:lumMod val="65000"/>
-                        </a:schemeClr>
-                      </a:solidFill>
-                      <a:prstDash val="solid"/>
-                      <a:round/>
-                      <a:headEnd type="none" w="med" len="med"/>
-                      <a:tailEnd type="none" w="med" len="med"/>
-                    </a:lnT>
-                    <a:lnB w="12700" cap="flat" cmpd="sng" algn="ctr">
-                      <a:solidFill>
-                        <a:schemeClr val="bg1">
-                          <a:lumMod val="65000"/>
-                        </a:schemeClr>
-                      </a:solidFill>
-                      <a:prstDash val="solid"/>
-                      <a:round/>
-                      <a:headEnd type="none" w="med" len="med"/>
-                      <a:tailEnd type="none" w="med" len="med"/>
-                    </a:lnB>
-                    <a:noFill/>
-                  </a:tcPr>
-                </a:tc>
-                <a:extLst>
-                  <a:ext uri="{0D108BD9-81ED-4DB2-BD59-A6C34878D82A}">
-                    <a16:rowId xmlns:a16="http://schemas.microsoft.com/office/drawing/2014/main" val="1466711860"/>
-                  </a:ext>
-                </a:extLst>
-              </a:tr>
-              <a:tr h="548640">
-                <a:tc>
-                  <a:txBody>
-                    <a:bodyPr/>
-                    <a:lstStyle/>
-                    <a:p>
-                      <a:pPr>
-                        <a:lnSpc>
-                          <a:spcPct val="100000"/>
-                        </a:lnSpc>
-                        <a:spcAft>
-                          <a:spcPts val="0"/>
-                        </a:spcAft>
-                      </a:pPr>
-                      <a:r>
-                        <a:rPr lang="en-US" sz="2000" dirty="0">
-                          <a:solidFill>
-                            <a:schemeClr val="bg1">
-                              <a:lumMod val="65000"/>
-                            </a:schemeClr>
-                          </a:solidFill>
-                        </a:rPr>
-                        <a:t>Reading From Data Sources</a:t>
-                      </a:r>
-                    </a:p>
-                  </a:txBody>
-                  <a:tcPr anchor="ctr">
-                    <a:lnT w="12700" cap="flat" cmpd="sng" algn="ctr">
-                      <a:solidFill>
-                        <a:schemeClr val="bg1">
-                          <a:lumMod val="65000"/>
-                        </a:schemeClr>
-                      </a:solidFill>
-                      <a:prstDash val="solid"/>
-                      <a:round/>
-                      <a:headEnd type="none" w="med" len="med"/>
-                      <a:tailEnd type="none" w="med" len="med"/>
-                    </a:lnT>
-                    <a:lnB w="12700" cap="flat" cmpd="sng" algn="ctr">
-                      <a:solidFill>
-                        <a:schemeClr val="bg1">
-                          <a:lumMod val="65000"/>
-                        </a:schemeClr>
-                      </a:solidFill>
-                      <a:prstDash val="solid"/>
-                      <a:round/>
-                      <a:headEnd type="none" w="med" len="med"/>
-                      <a:tailEnd type="none" w="med" len="med"/>
-                    </a:lnB>
-                    <a:noFill/>
-                  </a:tcPr>
-                </a:tc>
-                <a:extLst>
-                  <a:ext uri="{0D108BD9-81ED-4DB2-BD59-A6C34878D82A}">
-                    <a16:rowId xmlns:a16="http://schemas.microsoft.com/office/drawing/2014/main" val="1924402624"/>
-                  </a:ext>
-                </a:extLst>
-              </a:tr>
-              <a:tr h="548640">
-                <a:tc>
-                  <a:txBody>
-                    <a:bodyPr/>
-                    <a:lstStyle/>
-                    <a:p>
-                      <a:pPr>
-                        <a:lnSpc>
-                          <a:spcPct val="100000"/>
-                        </a:lnSpc>
-                        <a:spcAft>
-                          <a:spcPts val="0"/>
-                        </a:spcAft>
-                      </a:pPr>
-                      <a:r>
-                        <a:rPr lang="en-US" sz="2000" dirty="0">
-                          <a:solidFill>
-                            <a:schemeClr val="bg1">
-                              <a:lumMod val="65000"/>
-                            </a:schemeClr>
-                          </a:solidFill>
-                        </a:rPr>
-                        <a:t>Summarizing and Computing Descriptive Statistics</a:t>
-                      </a:r>
-                    </a:p>
-                  </a:txBody>
-                  <a:tcPr anchor="ctr">
-                    <a:lnT w="12700" cap="flat" cmpd="sng" algn="ctr">
-                      <a:solidFill>
-                        <a:schemeClr val="bg1">
-                          <a:lumMod val="65000"/>
-                        </a:schemeClr>
-                      </a:solidFill>
-                      <a:prstDash val="solid"/>
-                      <a:round/>
-                      <a:headEnd type="none" w="med" len="med"/>
-                      <a:tailEnd type="none" w="med" len="med"/>
-                    </a:lnT>
-                    <a:lnB w="12700" cap="flat" cmpd="sng" algn="ctr">
-                      <a:solidFill>
-                        <a:schemeClr val="bg1">
-                          <a:lumMod val="65000"/>
-                        </a:schemeClr>
-                      </a:solidFill>
-                      <a:prstDash val="solid"/>
-                      <a:round/>
-                      <a:headEnd type="none" w="med" len="med"/>
-                      <a:tailEnd type="none" w="med" len="med"/>
-                    </a:lnB>
-                    <a:noFill/>
-                  </a:tcPr>
-                </a:tc>
-                <a:extLst>
-                  <a:ext uri="{0D108BD9-81ED-4DB2-BD59-A6C34878D82A}">
-                    <a16:rowId xmlns:a16="http://schemas.microsoft.com/office/drawing/2014/main" val="2634114360"/>
-                  </a:ext>
-                </a:extLst>
-              </a:tr>
-              <a:tr h="548640">
-                <a:tc>
-                  <a:txBody>
-                    <a:bodyPr/>
-                    <a:lstStyle/>
-                    <a:p>
-                      <a:pPr>
-                        <a:lnSpc>
-                          <a:spcPct val="100000"/>
-                        </a:lnSpc>
-                        <a:spcAft>
-                          <a:spcPts val="0"/>
-                        </a:spcAft>
-                      </a:pPr>
-                      <a:r>
-                        <a:rPr lang="en-US" sz="2000" dirty="0">
-                          <a:solidFill>
-                            <a:schemeClr val="bg1">
-                              <a:lumMod val="65000"/>
-                            </a:schemeClr>
-                          </a:solidFill>
-                        </a:rPr>
-                        <a:t>Handling Missing Data</a:t>
-                      </a:r>
-                    </a:p>
-                  </a:txBody>
-                  <a:tcPr anchor="ctr">
-                    <a:lnT w="12700" cap="flat" cmpd="sng" algn="ctr">
-                      <a:solidFill>
-                        <a:schemeClr val="bg1">
-                          <a:lumMod val="65000"/>
-                        </a:schemeClr>
-                      </a:solidFill>
-                      <a:prstDash val="solid"/>
-                      <a:round/>
-                      <a:headEnd type="none" w="med" len="med"/>
-                      <a:tailEnd type="none" w="med" len="med"/>
-                    </a:lnT>
-                    <a:lnB w="12700" cap="flat" cmpd="sng" algn="ctr">
-                      <a:solidFill>
-                        <a:schemeClr val="bg1">
-                          <a:lumMod val="65000"/>
-                        </a:schemeClr>
-                      </a:solidFill>
-                      <a:prstDash val="solid"/>
-                      <a:round/>
-                      <a:headEnd type="none" w="med" len="med"/>
-                      <a:tailEnd type="none" w="med" len="med"/>
-                    </a:lnB>
-                    <a:noFill/>
-                  </a:tcPr>
-                </a:tc>
-                <a:extLst>
-                  <a:ext uri="{0D108BD9-81ED-4DB2-BD59-A6C34878D82A}">
-                    <a16:rowId xmlns:a16="http://schemas.microsoft.com/office/drawing/2014/main" val="3302809785"/>
-                  </a:ext>
-                </a:extLst>
-              </a:tr>
-              <a:tr h="548640">
-                <a:tc>
-                  <a:txBody>
-                    <a:bodyPr/>
-                    <a:lstStyle/>
-                    <a:p>
-                      <a:pPr>
-                        <a:lnSpc>
-                          <a:spcPct val="100000"/>
-                        </a:lnSpc>
-                        <a:spcAft>
-                          <a:spcPts val="0"/>
-                        </a:spcAft>
-                      </a:pPr>
-                      <a:r>
-                        <a:rPr lang="en-US" sz="2000" b="1" dirty="0">
-                          <a:solidFill>
-                            <a:schemeClr val="tx1"/>
-                          </a:solidFill>
-                        </a:rPr>
-                        <a:t>Hierarchical Indexing</a:t>
-                      </a:r>
-                    </a:p>
-                  </a:txBody>
-                  <a:tcPr anchor="ctr">
-                    <a:lnT w="12700" cap="flat" cmpd="sng" algn="ctr">
-                      <a:solidFill>
-                        <a:schemeClr val="bg1">
-                          <a:lumMod val="65000"/>
-                        </a:schemeClr>
-                      </a:solidFill>
-                      <a:prstDash val="solid"/>
-                      <a:round/>
-                      <a:headEnd type="none" w="med" len="med"/>
-                      <a:tailEnd type="none" w="med" len="med"/>
-                    </a:lnT>
-                    <a:lnB w="12700" cap="flat" cmpd="sng" algn="ctr">
-                      <a:solidFill>
-                        <a:schemeClr val="bg1">
-                          <a:lumMod val="65000"/>
-                        </a:schemeClr>
-                      </a:solidFill>
-                      <a:prstDash val="solid"/>
-                      <a:round/>
-                      <a:headEnd type="none" w="med" len="med"/>
-                      <a:tailEnd type="none" w="med" len="med"/>
-                    </a:lnB>
-                    <a:noFill/>
-                  </a:tcPr>
-                </a:tc>
-                <a:extLst>
-                  <a:ext uri="{0D108BD9-81ED-4DB2-BD59-A6C34878D82A}">
-                    <a16:rowId xmlns:a16="http://schemas.microsoft.com/office/drawing/2014/main" val="2619733915"/>
-                  </a:ext>
-                </a:extLst>
-              </a:tr>
-              <a:tr h="548640">
-                <a:tc>
-                  <a:txBody>
-                    <a:bodyPr/>
-                    <a:lstStyle/>
-                    <a:p>
-                      <a:pPr>
-                        <a:lnSpc>
-                          <a:spcPct val="100000"/>
-                        </a:lnSpc>
-                        <a:spcAft>
-                          <a:spcPts val="0"/>
-                        </a:spcAft>
-                      </a:pPr>
-                      <a:r>
-                        <a:rPr lang="en-US" sz="2000" dirty="0">
-                          <a:solidFill>
-                            <a:schemeClr val="bg1">
-                              <a:lumMod val="65000"/>
-                            </a:schemeClr>
-                          </a:solidFill>
-                        </a:rPr>
-                        <a:t>Chapter Summary</a:t>
-                      </a:r>
-                    </a:p>
-                  </a:txBody>
-                  <a:tcPr anchor="ctr">
-                    <a:lnT w="12700" cap="flat" cmpd="sng" algn="ctr">
-                      <a:solidFill>
-                        <a:schemeClr val="bg1">
-                          <a:lumMod val="65000"/>
-                        </a:schemeClr>
-                      </a:solidFill>
-                      <a:prstDash val="solid"/>
-                      <a:round/>
-                      <a:headEnd type="none" w="med" len="med"/>
-                      <a:tailEnd type="none" w="med" len="med"/>
-                    </a:lnT>
-                    <a:lnB w="12700" cap="flat" cmpd="sng" algn="ctr">
-                      <a:solidFill>
-                        <a:schemeClr val="bg1">
-                          <a:lumMod val="65000"/>
-                        </a:schemeClr>
-                      </a:solidFill>
-                      <a:prstDash val="solid"/>
-                      <a:round/>
-                      <a:headEnd type="none" w="med" len="med"/>
-                      <a:tailEnd type="none" w="med" len="med"/>
-                    </a:lnB>
-                    <a:noFill/>
-                  </a:tcPr>
-                </a:tc>
-                <a:extLst>
-                  <a:ext uri="{0D108BD9-81ED-4DB2-BD59-A6C34878D82A}">
-                    <a16:rowId xmlns:a16="http://schemas.microsoft.com/office/drawing/2014/main" val="376303497"/>
-                  </a:ext>
-                </a:extLst>
-              </a:tr>
-            </a:tbl>
-          </a:graphicData>
-        </a:graphic>
-      </p:graphicFrame>
-    </p:spTree>
-    <p:extLst>
-      <p:ext uri="{BB962C8B-B14F-4D97-AF65-F5344CB8AC3E}">
-        <p14:creationId xmlns:p14="http://schemas.microsoft.com/office/powerpoint/2010/main" val="3921222513"/>
-      </p:ext>
-    </p:extLst>
-  </p:cSld>
-  <p:clrMapOvr>
-    <a:masterClrMapping/>
-  </p:clrMapOvr>
-</p:sld>
-</file>
-
-<file path=ppt/slides/slide48.xml><?xml version="1.0" encoding="utf-8"?>
-<p:sld xmlns:a="http://schemas.openxmlformats.org/drawingml/2006/main" xmlns:r="http://schemas.openxmlformats.org/officeDocument/2006/relationships" xmlns:p="http://schemas.openxmlformats.org/presentationml/2006/main">
-  <p:cSld>
-    <p:spTree>
-      <p:nvGrpSpPr>
-        <p:cNvPr id="1" name=""/>
-        <p:cNvGrpSpPr/>
-        <p:nvPr/>
-      </p:nvGrpSpPr>
-      <p:grpSpPr>
-        <a:xfrm>
-          <a:off x="0" y="0"/>
-          <a:ext cx="0" cy="0"/>
-          <a:chOff x="0" y="0"/>
-          <a:chExt cx="0" cy="0"/>
-        </a:xfrm>
-      </p:grpSpPr>
-      <p:sp>
-        <p:nvSpPr>
-          <p:cNvPr id="3" name="Content Placeholder 2"/>
-          <p:cNvSpPr>
-            <a:spLocks noGrp="1"/>
-          </p:cNvSpPr>
-          <p:nvPr>
-            <p:ph idx="1"/>
-          </p:nvPr>
-        </p:nvSpPr>
-        <p:spPr>
-          <a:effectLst/>
-        </p:spPr>
-        <p:txBody>
-          <a:bodyPr/>
-          <a:lstStyle/>
-          <a:p>
-            <a:r>
-              <a:rPr lang="en-US" dirty="0"/>
-              <a:t>Allows multiple (at least two) index levels on an axis</a:t>
-            </a:r>
-          </a:p>
-        </p:txBody>
-      </p:sp>
-      <p:sp>
-        <p:nvSpPr>
-          <p:cNvPr id="2" name="Title 1"/>
-          <p:cNvSpPr>
-            <a:spLocks noGrp="1"/>
-          </p:cNvSpPr>
-          <p:nvPr>
-            <p:ph type="title"/>
-          </p:nvPr>
-        </p:nvSpPr>
-        <p:spPr/>
-        <p:txBody>
-          <a:bodyPr/>
-          <a:lstStyle/>
-          <a:p>
-            <a:pPr lvl="0"/>
-            <a:r>
-              <a:rPr lang="en-US" dirty="0"/>
-              <a:t>Hierarchical Indexing</a:t>
-            </a:r>
-          </a:p>
-        </p:txBody>
-      </p:sp>
-      <p:sp>
-        <p:nvSpPr>
-          <p:cNvPr id="4" name="TextBox 3"/>
-          <p:cNvSpPr txBox="1">
-            <a:spLocks noChangeArrowheads="1"/>
-          </p:cNvSpPr>
-          <p:nvPr/>
-        </p:nvSpPr>
-        <p:spPr bwMode="auto">
-          <a:xfrm>
-            <a:off x="304255" y="1546918"/>
-            <a:ext cx="8447860" cy="830997"/>
-          </a:xfrm>
-          <a:prstGeom prst="rect">
-            <a:avLst/>
-          </a:prstGeom>
-          <a:noFill/>
-          <a:ln w="28575">
-            <a:solidFill>
-              <a:schemeClr val="accent2">
-                <a:lumMod val="20000"/>
-                <a:lumOff val="80000"/>
-              </a:schemeClr>
-            </a:solidFill>
-            <a:miter lim="800000"/>
-            <a:headEnd/>
-            <a:tailEnd/>
-          </a:ln>
-          <a:effectLst/>
-        </p:spPr>
-        <p:txBody>
-          <a:bodyPr wrap="square">
-            <a:spAutoFit/>
-          </a:bodyPr>
-          <a:lstStyle>
-            <a:lvl1pPr eaLnBrk="0" hangingPunct="0">
-              <a:defRPr sz="2400">
-                <a:solidFill>
-                  <a:schemeClr val="bg1"/>
-                </a:solidFill>
-                <a:latin typeface="Arial" panose="020B0604020202020204" pitchFamily="34" charset="0"/>
-                <a:ea typeface="MS PGothic" panose="020B0600070205080204" pitchFamily="34" charset="-128"/>
-              </a:defRPr>
-            </a:lvl1pPr>
-            <a:lvl2pPr marL="742950" indent="-285750" eaLnBrk="0" hangingPunct="0">
-              <a:defRPr sz="2400">
-                <a:solidFill>
-                  <a:schemeClr val="bg1"/>
-                </a:solidFill>
-                <a:latin typeface="Arial" panose="020B0604020202020204" pitchFamily="34" charset="0"/>
-                <a:ea typeface="MS PGothic" panose="020B0600070205080204" pitchFamily="34" charset="-128"/>
-              </a:defRPr>
-            </a:lvl2pPr>
-            <a:lvl3pPr marL="1143000" indent="-228600" eaLnBrk="0" hangingPunct="0">
-              <a:defRPr sz="2400">
-                <a:solidFill>
-                  <a:schemeClr val="bg1"/>
-                </a:solidFill>
-                <a:latin typeface="Arial" panose="020B0604020202020204" pitchFamily="34" charset="0"/>
-                <a:ea typeface="MS PGothic" panose="020B0600070205080204" pitchFamily="34" charset="-128"/>
-              </a:defRPr>
-            </a:lvl3pPr>
-            <a:lvl4pPr marL="1600200" indent="-228600" eaLnBrk="0" hangingPunct="0">
-              <a:defRPr sz="2400">
-                <a:solidFill>
-                  <a:schemeClr val="bg1"/>
-                </a:solidFill>
-                <a:latin typeface="Arial" panose="020B0604020202020204" pitchFamily="34" charset="0"/>
-                <a:ea typeface="MS PGothic" panose="020B0600070205080204" pitchFamily="34" charset="-128"/>
-              </a:defRPr>
-            </a:lvl4pPr>
-            <a:lvl5pPr marL="2057400" indent="-228600" eaLnBrk="0" hangingPunct="0">
-              <a:defRPr sz="2400">
-                <a:solidFill>
-                  <a:schemeClr val="bg1"/>
-                </a:solidFill>
-                <a:latin typeface="Arial" panose="020B0604020202020204" pitchFamily="34" charset="0"/>
-                <a:ea typeface="MS PGothic" panose="020B0600070205080204" pitchFamily="34" charset="-128"/>
-              </a:defRPr>
-            </a:lvl5pPr>
-            <a:lvl6pPr marL="2514600" indent="-228600" eaLnBrk="0" fontAlgn="base" hangingPunct="0">
-              <a:spcBef>
-                <a:spcPct val="0"/>
-              </a:spcBef>
-              <a:spcAft>
-                <a:spcPct val="0"/>
-              </a:spcAft>
-              <a:defRPr sz="2400">
-                <a:solidFill>
-                  <a:schemeClr val="bg1"/>
-                </a:solidFill>
-                <a:latin typeface="Arial" panose="020B0604020202020204" pitchFamily="34" charset="0"/>
-                <a:ea typeface="MS PGothic" panose="020B0600070205080204" pitchFamily="34" charset="-128"/>
-              </a:defRPr>
-            </a:lvl6pPr>
-            <a:lvl7pPr marL="2971800" indent="-228600" eaLnBrk="0" fontAlgn="base" hangingPunct="0">
-              <a:spcBef>
-                <a:spcPct val="0"/>
-              </a:spcBef>
-              <a:spcAft>
-                <a:spcPct val="0"/>
-              </a:spcAft>
-              <a:defRPr sz="2400">
-                <a:solidFill>
-                  <a:schemeClr val="bg1"/>
-                </a:solidFill>
-                <a:latin typeface="Arial" panose="020B0604020202020204" pitchFamily="34" charset="0"/>
-                <a:ea typeface="MS PGothic" panose="020B0600070205080204" pitchFamily="34" charset="-128"/>
-              </a:defRPr>
-            </a:lvl7pPr>
-            <a:lvl8pPr marL="3429000" indent="-228600" eaLnBrk="0" fontAlgn="base" hangingPunct="0">
-              <a:spcBef>
-                <a:spcPct val="0"/>
-              </a:spcBef>
-              <a:spcAft>
-                <a:spcPct val="0"/>
-              </a:spcAft>
-              <a:defRPr sz="2400">
-                <a:solidFill>
-                  <a:schemeClr val="bg1"/>
-                </a:solidFill>
-                <a:latin typeface="Arial" panose="020B0604020202020204" pitchFamily="34" charset="0"/>
-                <a:ea typeface="MS PGothic" panose="020B0600070205080204" pitchFamily="34" charset="-128"/>
-              </a:defRPr>
-            </a:lvl8pPr>
-            <a:lvl9pPr marL="3886200" indent="-228600" eaLnBrk="0" fontAlgn="base" hangingPunct="0">
-              <a:spcBef>
-                <a:spcPct val="0"/>
-              </a:spcBef>
-              <a:spcAft>
-                <a:spcPct val="0"/>
-              </a:spcAft>
-              <a:defRPr sz="2400">
-                <a:solidFill>
-                  <a:schemeClr val="bg1"/>
-                </a:solidFill>
-                <a:latin typeface="Arial" panose="020B0604020202020204" pitchFamily="34" charset="0"/>
-                <a:ea typeface="MS PGothic" panose="020B0600070205080204" pitchFamily="34" charset="-128"/>
-              </a:defRPr>
-            </a:lvl9pPr>
-          </a:lstStyle>
-          <a:p>
-            <a:r>
-              <a:rPr lang="mr-IN" sz="1600" b="1" dirty="0" err="1">
-                <a:solidFill>
-                  <a:schemeClr val="tx1"/>
-                </a:solidFill>
-                <a:latin typeface="Courier New"/>
-                <a:cs typeface="Courier New"/>
-              </a:rPr>
-              <a:t>data</a:t>
-            </a:r>
-            <a:r>
-              <a:rPr lang="mr-IN" sz="1600" b="1" dirty="0">
-                <a:solidFill>
-                  <a:schemeClr val="tx1"/>
-                </a:solidFill>
-                <a:latin typeface="Courier New"/>
-                <a:cs typeface="Courier New"/>
-              </a:rPr>
-              <a:t> = Series(np.random.randn(12), </a:t>
-            </a:r>
-            <a:r>
-              <a:rPr lang="en-GB" sz="1600" b="1" dirty="0">
-                <a:solidFill>
-                  <a:schemeClr val="tx1"/>
-                </a:solidFill>
-                <a:latin typeface="Courier New"/>
-                <a:cs typeface="Courier New"/>
-              </a:rPr>
-              <a:t>	</a:t>
-            </a:r>
-            <a:r>
-              <a:rPr lang="mr-IN" sz="1600" b="1" dirty="0">
-                <a:solidFill>
-                  <a:schemeClr val="tx1"/>
-                </a:solidFill>
-                <a:latin typeface="Courier New"/>
-                <a:cs typeface="Courier New"/>
-              </a:rPr>
-              <a:t>index=[['A','A','A','A','B','B','B','B','C','C','C',</a:t>
-            </a:r>
-            <a:r>
-              <a:rPr lang="en-US" sz="1600" b="1" dirty="0">
-                <a:solidFill>
-                  <a:schemeClr val="tx1"/>
-                </a:solidFill>
-                <a:latin typeface="Courier New"/>
-                <a:cs typeface="Courier New"/>
-              </a:rPr>
-              <a:t>'</a:t>
-            </a:r>
-            <a:r>
-              <a:rPr lang="mr-IN" sz="1600" b="1" dirty="0">
-                <a:solidFill>
-                  <a:schemeClr val="tx1"/>
-                </a:solidFill>
-                <a:latin typeface="Courier New"/>
-                <a:cs typeface="Courier New"/>
-              </a:rPr>
-              <a:t>C'],</a:t>
-            </a:r>
-            <a:r>
-              <a:rPr lang="en-GB" sz="1600" b="1" dirty="0">
-                <a:solidFill>
-                  <a:schemeClr val="tx1"/>
-                </a:solidFill>
-                <a:latin typeface="Courier New"/>
-                <a:cs typeface="Courier New"/>
-              </a:rPr>
-              <a:t>				</a:t>
-            </a:r>
-            <a:r>
-              <a:rPr lang="mr-IN" sz="1600" b="1" dirty="0">
-                <a:solidFill>
-                  <a:schemeClr val="tx1"/>
-                </a:solidFill>
-                <a:latin typeface="Courier New"/>
-                <a:cs typeface="Courier New"/>
-              </a:rPr>
-              <a:t>[1,2,3,4,1,2,3,4,1,2,3,4]])</a:t>
-            </a:r>
-            <a:endParaRPr lang="pt-BR" sz="1600" b="1" dirty="0">
-              <a:solidFill>
-                <a:schemeClr val="tx1"/>
-              </a:solidFill>
-              <a:latin typeface="Courier New"/>
-              <a:cs typeface="Courier New"/>
-            </a:endParaRPr>
-          </a:p>
-        </p:txBody>
-      </p:sp>
-      <p:sp>
-        <p:nvSpPr>
-          <p:cNvPr id="5" name="TextBox 4"/>
-          <p:cNvSpPr txBox="1">
-            <a:spLocks noChangeArrowheads="1"/>
-          </p:cNvSpPr>
-          <p:nvPr/>
-        </p:nvSpPr>
-        <p:spPr bwMode="auto">
-          <a:xfrm>
-            <a:off x="309461" y="2453362"/>
-            <a:ext cx="2563693" cy="3908762"/>
-          </a:xfrm>
-          <a:prstGeom prst="rect">
-            <a:avLst/>
-          </a:prstGeom>
-          <a:noFill/>
-          <a:ln w="28575">
-            <a:solidFill>
-              <a:schemeClr val="accent2">
-                <a:lumMod val="20000"/>
-                <a:lumOff val="80000"/>
-              </a:schemeClr>
-            </a:solidFill>
-            <a:miter lim="800000"/>
-            <a:headEnd/>
-            <a:tailEnd/>
-          </a:ln>
-          <a:effectLst/>
-        </p:spPr>
-        <p:txBody>
-          <a:bodyPr wrap="square">
-            <a:spAutoFit/>
-          </a:bodyPr>
-          <a:lstStyle>
-            <a:lvl1pPr eaLnBrk="0" hangingPunct="0">
-              <a:defRPr sz="2400">
-                <a:solidFill>
-                  <a:schemeClr val="bg1"/>
-                </a:solidFill>
-                <a:latin typeface="Arial" panose="020B0604020202020204" pitchFamily="34" charset="0"/>
-                <a:ea typeface="MS PGothic" panose="020B0600070205080204" pitchFamily="34" charset="-128"/>
-              </a:defRPr>
-            </a:lvl1pPr>
-            <a:lvl2pPr marL="742950" indent="-285750" eaLnBrk="0" hangingPunct="0">
-              <a:defRPr sz="2400">
-                <a:solidFill>
-                  <a:schemeClr val="bg1"/>
-                </a:solidFill>
-                <a:latin typeface="Arial" panose="020B0604020202020204" pitchFamily="34" charset="0"/>
-                <a:ea typeface="MS PGothic" panose="020B0600070205080204" pitchFamily="34" charset="-128"/>
-              </a:defRPr>
-            </a:lvl2pPr>
-            <a:lvl3pPr marL="1143000" indent="-228600" eaLnBrk="0" hangingPunct="0">
-              <a:defRPr sz="2400">
-                <a:solidFill>
-                  <a:schemeClr val="bg1"/>
-                </a:solidFill>
-                <a:latin typeface="Arial" panose="020B0604020202020204" pitchFamily="34" charset="0"/>
-                <a:ea typeface="MS PGothic" panose="020B0600070205080204" pitchFamily="34" charset="-128"/>
-              </a:defRPr>
-            </a:lvl3pPr>
-            <a:lvl4pPr marL="1600200" indent="-228600" eaLnBrk="0" hangingPunct="0">
-              <a:defRPr sz="2400">
-                <a:solidFill>
-                  <a:schemeClr val="bg1"/>
-                </a:solidFill>
-                <a:latin typeface="Arial" panose="020B0604020202020204" pitchFamily="34" charset="0"/>
-                <a:ea typeface="MS PGothic" panose="020B0600070205080204" pitchFamily="34" charset="-128"/>
-              </a:defRPr>
-            </a:lvl4pPr>
-            <a:lvl5pPr marL="2057400" indent="-228600" eaLnBrk="0" hangingPunct="0">
-              <a:defRPr sz="2400">
-                <a:solidFill>
-                  <a:schemeClr val="bg1"/>
-                </a:solidFill>
-                <a:latin typeface="Arial" panose="020B0604020202020204" pitchFamily="34" charset="0"/>
-                <a:ea typeface="MS PGothic" panose="020B0600070205080204" pitchFamily="34" charset="-128"/>
-              </a:defRPr>
-            </a:lvl5pPr>
-            <a:lvl6pPr marL="2514600" indent="-228600" eaLnBrk="0" fontAlgn="base" hangingPunct="0">
-              <a:spcBef>
-                <a:spcPct val="0"/>
-              </a:spcBef>
-              <a:spcAft>
-                <a:spcPct val="0"/>
-              </a:spcAft>
-              <a:defRPr sz="2400">
-                <a:solidFill>
-                  <a:schemeClr val="bg1"/>
-                </a:solidFill>
-                <a:latin typeface="Arial" panose="020B0604020202020204" pitchFamily="34" charset="0"/>
-                <a:ea typeface="MS PGothic" panose="020B0600070205080204" pitchFamily="34" charset="-128"/>
-              </a:defRPr>
-            </a:lvl6pPr>
-            <a:lvl7pPr marL="2971800" indent="-228600" eaLnBrk="0" fontAlgn="base" hangingPunct="0">
-              <a:spcBef>
-                <a:spcPct val="0"/>
-              </a:spcBef>
-              <a:spcAft>
-                <a:spcPct val="0"/>
-              </a:spcAft>
-              <a:defRPr sz="2400">
-                <a:solidFill>
-                  <a:schemeClr val="bg1"/>
-                </a:solidFill>
-                <a:latin typeface="Arial" panose="020B0604020202020204" pitchFamily="34" charset="0"/>
-                <a:ea typeface="MS PGothic" panose="020B0600070205080204" pitchFamily="34" charset="-128"/>
-              </a:defRPr>
-            </a:lvl7pPr>
-            <a:lvl8pPr marL="3429000" indent="-228600" eaLnBrk="0" fontAlgn="base" hangingPunct="0">
-              <a:spcBef>
-                <a:spcPct val="0"/>
-              </a:spcBef>
-              <a:spcAft>
-                <a:spcPct val="0"/>
-              </a:spcAft>
-              <a:defRPr sz="2400">
-                <a:solidFill>
-                  <a:schemeClr val="bg1"/>
-                </a:solidFill>
-                <a:latin typeface="Arial" panose="020B0604020202020204" pitchFamily="34" charset="0"/>
-                <a:ea typeface="MS PGothic" panose="020B0600070205080204" pitchFamily="34" charset="-128"/>
-              </a:defRPr>
-            </a:lvl8pPr>
-            <a:lvl9pPr marL="3886200" indent="-228600" eaLnBrk="0" fontAlgn="base" hangingPunct="0">
-              <a:spcBef>
-                <a:spcPct val="0"/>
-              </a:spcBef>
-              <a:spcAft>
-                <a:spcPct val="0"/>
-              </a:spcAft>
-              <a:defRPr sz="2400">
-                <a:solidFill>
-                  <a:schemeClr val="bg1"/>
-                </a:solidFill>
-                <a:latin typeface="Arial" panose="020B0604020202020204" pitchFamily="34" charset="0"/>
-                <a:ea typeface="MS PGothic" panose="020B0600070205080204" pitchFamily="34" charset="-128"/>
-              </a:defRPr>
-            </a:lvl9pPr>
-          </a:lstStyle>
-          <a:p>
-            <a:r>
-              <a:rPr lang="pt-BR" sz="1600" b="1" dirty="0">
-                <a:solidFill>
-                  <a:schemeClr val="tx1"/>
-                </a:solidFill>
-                <a:latin typeface="Courier New"/>
-                <a:cs typeface="Courier New"/>
-              </a:rPr>
-              <a:t>print (data)</a:t>
-            </a:r>
-          </a:p>
-          <a:p>
-            <a:endParaRPr lang="mr-IN" sz="1600" dirty="0">
-              <a:solidFill>
-                <a:schemeClr val="tx1"/>
-              </a:solidFill>
-              <a:latin typeface="Courier New"/>
-              <a:cs typeface="Courier New"/>
-            </a:endParaRPr>
-          </a:p>
-          <a:p>
-            <a:r>
-              <a:rPr lang="de-DE" sz="1600" dirty="0">
-                <a:solidFill>
-                  <a:schemeClr val="tx1"/>
-                </a:solidFill>
-                <a:latin typeface="Courier New"/>
-                <a:cs typeface="Courier New"/>
-              </a:rPr>
-              <a:t>A  1    0.498512</a:t>
-            </a:r>
-          </a:p>
-          <a:p>
-            <a:r>
-              <a:rPr lang="de-DE" sz="1600" dirty="0">
-                <a:solidFill>
-                  <a:schemeClr val="tx1"/>
-                </a:solidFill>
-                <a:latin typeface="Courier New"/>
-                <a:cs typeface="Courier New"/>
-              </a:rPr>
-              <a:t>   2    0.504765</a:t>
-            </a:r>
-          </a:p>
-          <a:p>
-            <a:r>
-              <a:rPr lang="de-DE" sz="1600" dirty="0">
-                <a:solidFill>
-                  <a:schemeClr val="tx1"/>
-                </a:solidFill>
-                <a:latin typeface="Courier New"/>
-                <a:cs typeface="Courier New"/>
-              </a:rPr>
-              <a:t>   3    1.173850</a:t>
-            </a:r>
-          </a:p>
-          <a:p>
-            <a:r>
-              <a:rPr lang="de-DE" sz="1600" dirty="0">
-                <a:solidFill>
-                  <a:schemeClr val="tx1"/>
-                </a:solidFill>
-                <a:latin typeface="Courier New"/>
-                <a:cs typeface="Courier New"/>
-              </a:rPr>
-              <a:t>   4   -1.336820</a:t>
-            </a:r>
-          </a:p>
-          <a:p>
-            <a:r>
-              <a:rPr lang="de-DE" sz="1600" dirty="0">
-                <a:solidFill>
-                  <a:schemeClr val="tx1"/>
-                </a:solidFill>
-                <a:latin typeface="Courier New"/>
-                <a:cs typeface="Courier New"/>
-              </a:rPr>
-              <a:t>B  1   -1.262746</a:t>
-            </a:r>
-          </a:p>
-          <a:p>
-            <a:r>
-              <a:rPr lang="de-DE" sz="1600" dirty="0">
-                <a:solidFill>
-                  <a:schemeClr val="tx1"/>
-                </a:solidFill>
-                <a:latin typeface="Courier New"/>
-                <a:cs typeface="Courier New"/>
-              </a:rPr>
-              <a:t>   2   -0.164154</a:t>
-            </a:r>
-          </a:p>
-          <a:p>
-            <a:r>
-              <a:rPr lang="de-DE" sz="1600" dirty="0">
-                <a:solidFill>
-                  <a:schemeClr val="tx1"/>
-                </a:solidFill>
-                <a:latin typeface="Courier New"/>
-                <a:cs typeface="Courier New"/>
-              </a:rPr>
-              <a:t>   3   -1.105161</a:t>
-            </a:r>
-          </a:p>
-          <a:p>
-            <a:r>
-              <a:rPr lang="de-DE" sz="1600" dirty="0">
-                <a:solidFill>
-                  <a:schemeClr val="tx1"/>
-                </a:solidFill>
-                <a:latin typeface="Courier New"/>
-                <a:cs typeface="Courier New"/>
-              </a:rPr>
-              <a:t>   4   -0.781278</a:t>
-            </a:r>
-          </a:p>
-          <a:p>
-            <a:r>
-              <a:rPr lang="de-DE" sz="1600" dirty="0">
-                <a:solidFill>
-                  <a:schemeClr val="tx1"/>
-                </a:solidFill>
-                <a:latin typeface="Courier New"/>
-                <a:cs typeface="Courier New"/>
-              </a:rPr>
-              <a:t>C  1   -1.309080</a:t>
-            </a:r>
-          </a:p>
-          <a:p>
-            <a:r>
-              <a:rPr lang="de-DE" sz="1600" dirty="0">
-                <a:solidFill>
-                  <a:schemeClr val="tx1"/>
-                </a:solidFill>
-                <a:latin typeface="Courier New"/>
-                <a:cs typeface="Courier New"/>
-              </a:rPr>
-              <a:t>   2   -1.078479</a:t>
-            </a:r>
-          </a:p>
-          <a:p>
-            <a:r>
-              <a:rPr lang="de-DE" sz="1600" dirty="0">
-                <a:solidFill>
-                  <a:schemeClr val="tx1"/>
-                </a:solidFill>
-                <a:latin typeface="Courier New"/>
-                <a:cs typeface="Courier New"/>
-              </a:rPr>
-              <a:t>   3    0.515532</a:t>
-            </a:r>
-          </a:p>
-          <a:p>
-            <a:r>
-              <a:rPr lang="de-DE" sz="1600" dirty="0">
-                <a:solidFill>
-                  <a:schemeClr val="tx1"/>
-                </a:solidFill>
-                <a:latin typeface="Courier New"/>
-                <a:cs typeface="Courier New"/>
-              </a:rPr>
-              <a:t>   4    0.052269</a:t>
-            </a:r>
-          </a:p>
-          <a:p>
-            <a:r>
-              <a:rPr lang="de-DE" sz="1600" dirty="0" err="1">
-                <a:solidFill>
-                  <a:schemeClr val="tx1"/>
-                </a:solidFill>
-                <a:latin typeface="Courier New"/>
-                <a:cs typeface="Courier New"/>
-              </a:rPr>
-              <a:t>dtype</a:t>
-            </a:r>
-            <a:r>
-              <a:rPr lang="de-DE" sz="1600" dirty="0">
-                <a:solidFill>
-                  <a:schemeClr val="tx1"/>
-                </a:solidFill>
-                <a:latin typeface="Courier New"/>
-                <a:cs typeface="Courier New"/>
-              </a:rPr>
-              <a:t>: float64</a:t>
-            </a:r>
-            <a:endParaRPr lang="mr-IN" sz="1600" dirty="0">
-              <a:solidFill>
-                <a:schemeClr val="tx1"/>
-              </a:solidFill>
-              <a:latin typeface="Courier New"/>
-              <a:cs typeface="Courier New"/>
-            </a:endParaRPr>
-          </a:p>
-        </p:txBody>
-      </p:sp>
-      <p:sp>
-        <p:nvSpPr>
-          <p:cNvPr id="6" name="TextBox 5"/>
-          <p:cNvSpPr txBox="1">
-            <a:spLocks noChangeArrowheads="1"/>
-          </p:cNvSpPr>
-          <p:nvPr/>
-        </p:nvSpPr>
-        <p:spPr bwMode="auto">
-          <a:xfrm>
-            <a:off x="3276255" y="2463404"/>
-            <a:ext cx="2356689" cy="1815882"/>
-          </a:xfrm>
-          <a:prstGeom prst="rect">
-            <a:avLst/>
-          </a:prstGeom>
-          <a:noFill/>
-          <a:ln w="28575">
-            <a:solidFill>
-              <a:schemeClr val="accent2">
-                <a:lumMod val="20000"/>
-                <a:lumOff val="80000"/>
-              </a:schemeClr>
-            </a:solidFill>
-            <a:miter lim="800000"/>
-            <a:headEnd/>
-            <a:tailEnd/>
-          </a:ln>
-          <a:effectLst/>
-        </p:spPr>
-        <p:txBody>
-          <a:bodyPr wrap="square">
-            <a:spAutoFit/>
-          </a:bodyPr>
-          <a:lstStyle>
-            <a:lvl1pPr eaLnBrk="0" hangingPunct="0">
-              <a:defRPr sz="2400">
-                <a:solidFill>
-                  <a:schemeClr val="bg1"/>
-                </a:solidFill>
-                <a:latin typeface="Arial" panose="020B0604020202020204" pitchFamily="34" charset="0"/>
-                <a:ea typeface="MS PGothic" panose="020B0600070205080204" pitchFamily="34" charset="-128"/>
-              </a:defRPr>
-            </a:lvl1pPr>
-            <a:lvl2pPr marL="742950" indent="-285750" eaLnBrk="0" hangingPunct="0">
-              <a:defRPr sz="2400">
-                <a:solidFill>
-                  <a:schemeClr val="bg1"/>
-                </a:solidFill>
-                <a:latin typeface="Arial" panose="020B0604020202020204" pitchFamily="34" charset="0"/>
-                <a:ea typeface="MS PGothic" panose="020B0600070205080204" pitchFamily="34" charset="-128"/>
-              </a:defRPr>
-            </a:lvl2pPr>
-            <a:lvl3pPr marL="1143000" indent="-228600" eaLnBrk="0" hangingPunct="0">
-              <a:defRPr sz="2400">
-                <a:solidFill>
-                  <a:schemeClr val="bg1"/>
-                </a:solidFill>
-                <a:latin typeface="Arial" panose="020B0604020202020204" pitchFamily="34" charset="0"/>
-                <a:ea typeface="MS PGothic" panose="020B0600070205080204" pitchFamily="34" charset="-128"/>
-              </a:defRPr>
-            </a:lvl3pPr>
-            <a:lvl4pPr marL="1600200" indent="-228600" eaLnBrk="0" hangingPunct="0">
-              <a:defRPr sz="2400">
-                <a:solidFill>
-                  <a:schemeClr val="bg1"/>
-                </a:solidFill>
-                <a:latin typeface="Arial" panose="020B0604020202020204" pitchFamily="34" charset="0"/>
-                <a:ea typeface="MS PGothic" panose="020B0600070205080204" pitchFamily="34" charset="-128"/>
-              </a:defRPr>
-            </a:lvl4pPr>
-            <a:lvl5pPr marL="2057400" indent="-228600" eaLnBrk="0" hangingPunct="0">
-              <a:defRPr sz="2400">
-                <a:solidFill>
-                  <a:schemeClr val="bg1"/>
-                </a:solidFill>
-                <a:latin typeface="Arial" panose="020B0604020202020204" pitchFamily="34" charset="0"/>
-                <a:ea typeface="MS PGothic" panose="020B0600070205080204" pitchFamily="34" charset="-128"/>
-              </a:defRPr>
-            </a:lvl5pPr>
-            <a:lvl6pPr marL="2514600" indent="-228600" eaLnBrk="0" fontAlgn="base" hangingPunct="0">
-              <a:spcBef>
-                <a:spcPct val="0"/>
-              </a:spcBef>
-              <a:spcAft>
-                <a:spcPct val="0"/>
-              </a:spcAft>
-              <a:defRPr sz="2400">
-                <a:solidFill>
-                  <a:schemeClr val="bg1"/>
-                </a:solidFill>
-                <a:latin typeface="Arial" panose="020B0604020202020204" pitchFamily="34" charset="0"/>
-                <a:ea typeface="MS PGothic" panose="020B0600070205080204" pitchFamily="34" charset="-128"/>
-              </a:defRPr>
-            </a:lvl6pPr>
-            <a:lvl7pPr marL="2971800" indent="-228600" eaLnBrk="0" fontAlgn="base" hangingPunct="0">
-              <a:spcBef>
-                <a:spcPct val="0"/>
-              </a:spcBef>
-              <a:spcAft>
-                <a:spcPct val="0"/>
-              </a:spcAft>
-              <a:defRPr sz="2400">
-                <a:solidFill>
-                  <a:schemeClr val="bg1"/>
-                </a:solidFill>
-                <a:latin typeface="Arial" panose="020B0604020202020204" pitchFamily="34" charset="0"/>
-                <a:ea typeface="MS PGothic" panose="020B0600070205080204" pitchFamily="34" charset="-128"/>
-              </a:defRPr>
-            </a:lvl7pPr>
-            <a:lvl8pPr marL="3429000" indent="-228600" eaLnBrk="0" fontAlgn="base" hangingPunct="0">
-              <a:spcBef>
-                <a:spcPct val="0"/>
-              </a:spcBef>
-              <a:spcAft>
-                <a:spcPct val="0"/>
-              </a:spcAft>
-              <a:defRPr sz="2400">
-                <a:solidFill>
-                  <a:schemeClr val="bg1"/>
-                </a:solidFill>
-                <a:latin typeface="Arial" panose="020B0604020202020204" pitchFamily="34" charset="0"/>
-                <a:ea typeface="MS PGothic" panose="020B0600070205080204" pitchFamily="34" charset="-128"/>
-              </a:defRPr>
-            </a:lvl8pPr>
-            <a:lvl9pPr marL="3886200" indent="-228600" eaLnBrk="0" fontAlgn="base" hangingPunct="0">
-              <a:spcBef>
-                <a:spcPct val="0"/>
-              </a:spcBef>
-              <a:spcAft>
-                <a:spcPct val="0"/>
-              </a:spcAft>
-              <a:defRPr sz="2400">
-                <a:solidFill>
-                  <a:schemeClr val="bg1"/>
-                </a:solidFill>
-                <a:latin typeface="Arial" panose="020B0604020202020204" pitchFamily="34" charset="0"/>
-                <a:ea typeface="MS PGothic" panose="020B0600070205080204" pitchFamily="34" charset="-128"/>
-              </a:defRPr>
-            </a:lvl9pPr>
-          </a:lstStyle>
-          <a:p>
-            <a:r>
-              <a:rPr lang="en-US" sz="1600" b="1" dirty="0">
-                <a:solidFill>
-                  <a:schemeClr val="tx1"/>
-                </a:solidFill>
-                <a:latin typeface="Courier New"/>
-                <a:cs typeface="Courier New"/>
-              </a:rPr>
-              <a:t>print (</a:t>
-            </a:r>
-            <a:r>
-              <a:rPr lang="mr-IN" sz="1600" b="1" dirty="0" err="1">
-                <a:solidFill>
-                  <a:schemeClr val="tx1"/>
-                </a:solidFill>
-                <a:latin typeface="Courier New"/>
-                <a:cs typeface="Courier New"/>
-              </a:rPr>
-              <a:t>data</a:t>
-            </a:r>
-            <a:r>
-              <a:rPr lang="mr-IN" sz="1600" b="1" dirty="0">
-                <a:solidFill>
-                  <a:schemeClr val="tx1"/>
-                </a:solidFill>
-                <a:latin typeface="Courier New"/>
-                <a:cs typeface="Courier New"/>
-              </a:rPr>
-              <a:t>['</a:t>
-            </a:r>
-            <a:r>
-              <a:rPr lang="mr-IN" sz="1600" b="1" dirty="0" err="1">
-                <a:solidFill>
-                  <a:schemeClr val="tx1"/>
-                </a:solidFill>
-                <a:latin typeface="Courier New"/>
-                <a:cs typeface="Courier New"/>
-              </a:rPr>
-              <a:t>A</a:t>
-            </a:r>
-            <a:r>
-              <a:rPr lang="mr-IN" sz="1600" b="1" dirty="0">
-                <a:solidFill>
-                  <a:schemeClr val="tx1"/>
-                </a:solidFill>
-                <a:latin typeface="Courier New"/>
-                <a:cs typeface="Courier New"/>
-              </a:rPr>
-              <a:t>']</a:t>
-            </a:r>
-            <a:r>
-              <a:rPr lang="en-US" sz="1600" b="1" dirty="0">
-                <a:solidFill>
-                  <a:schemeClr val="tx1"/>
-                </a:solidFill>
-                <a:latin typeface="Courier New"/>
-                <a:cs typeface="Courier New"/>
-              </a:rPr>
-              <a:t>)</a:t>
-            </a:r>
-            <a:endParaRPr lang="mr-IN" sz="1600" b="1" dirty="0">
-              <a:solidFill>
-                <a:schemeClr val="tx1"/>
-              </a:solidFill>
-              <a:latin typeface="Courier New"/>
-              <a:cs typeface="Courier New"/>
-            </a:endParaRPr>
-          </a:p>
-          <a:p>
-            <a:r>
-              <a:rPr lang="mr-IN" sz="1600" dirty="0">
-                <a:solidFill>
-                  <a:schemeClr val="tx1"/>
-                </a:solidFill>
-                <a:latin typeface="Courier New"/>
-                <a:cs typeface="Courier New"/>
-              </a:rPr>
-              <a:t> </a:t>
-            </a:r>
-          </a:p>
-          <a:p>
-            <a:r>
-              <a:rPr lang="de-DE" sz="1600" dirty="0">
-                <a:solidFill>
-                  <a:schemeClr val="tx1"/>
-                </a:solidFill>
-                <a:latin typeface="Courier New"/>
-                <a:cs typeface="Courier New"/>
-              </a:rPr>
-              <a:t>1    0.498512</a:t>
-            </a:r>
-          </a:p>
-          <a:p>
-            <a:r>
-              <a:rPr lang="de-DE" sz="1600" dirty="0">
-                <a:solidFill>
-                  <a:schemeClr val="tx1"/>
-                </a:solidFill>
-                <a:latin typeface="Courier New"/>
-                <a:cs typeface="Courier New"/>
-              </a:rPr>
-              <a:t>2    0.504765</a:t>
-            </a:r>
-          </a:p>
-          <a:p>
-            <a:r>
-              <a:rPr lang="mr-IN" sz="1600" dirty="0">
-                <a:solidFill>
-                  <a:schemeClr val="tx1"/>
-                </a:solidFill>
-                <a:latin typeface="Courier New"/>
-                <a:cs typeface="Courier New"/>
-              </a:rPr>
-              <a:t>3    1.173850</a:t>
-            </a:r>
-          </a:p>
-          <a:p>
-            <a:r>
-              <a:rPr lang="mr-IN" sz="1600" dirty="0">
-                <a:solidFill>
-                  <a:schemeClr val="tx1"/>
-                </a:solidFill>
-                <a:latin typeface="Courier New"/>
-                <a:cs typeface="Courier New"/>
-              </a:rPr>
-              <a:t>4   -1.336820</a:t>
-            </a:r>
-          </a:p>
-          <a:p>
-            <a:r>
-              <a:rPr lang="en-US" sz="1600" dirty="0">
-                <a:solidFill>
-                  <a:schemeClr val="tx1"/>
-                </a:solidFill>
-                <a:latin typeface="Courier New"/>
-                <a:cs typeface="Courier New"/>
-              </a:rPr>
-              <a:t>dtype: float64</a:t>
-            </a:r>
-            <a:endParaRPr lang="mr-IN" sz="1600" dirty="0">
-              <a:solidFill>
-                <a:schemeClr val="tx1"/>
-              </a:solidFill>
-              <a:latin typeface="Courier New"/>
-              <a:cs typeface="Courier New"/>
-            </a:endParaRPr>
-          </a:p>
-        </p:txBody>
-      </p:sp>
-      <p:sp>
-        <p:nvSpPr>
-          <p:cNvPr id="7" name="TextBox 6"/>
-          <p:cNvSpPr txBox="1">
-            <a:spLocks noChangeArrowheads="1"/>
-          </p:cNvSpPr>
-          <p:nvPr/>
-        </p:nvSpPr>
-        <p:spPr bwMode="auto">
-          <a:xfrm>
-            <a:off x="6001269" y="2458199"/>
-            <a:ext cx="2750846" cy="3785652"/>
-          </a:xfrm>
-          <a:prstGeom prst="rect">
-            <a:avLst/>
-          </a:prstGeom>
-          <a:noFill/>
-          <a:ln w="28575">
-            <a:solidFill>
-              <a:schemeClr val="accent2">
-                <a:lumMod val="20000"/>
-                <a:lumOff val="80000"/>
-              </a:schemeClr>
-            </a:solidFill>
-            <a:miter lim="800000"/>
-            <a:headEnd/>
-            <a:tailEnd/>
-          </a:ln>
-          <a:effectLst/>
-        </p:spPr>
-        <p:txBody>
-          <a:bodyPr wrap="square">
-            <a:spAutoFit/>
-          </a:bodyPr>
-          <a:lstStyle>
-            <a:lvl1pPr eaLnBrk="0" hangingPunct="0">
-              <a:defRPr sz="2400">
-                <a:solidFill>
-                  <a:schemeClr val="bg1"/>
-                </a:solidFill>
-                <a:latin typeface="Arial" panose="020B0604020202020204" pitchFamily="34" charset="0"/>
-                <a:ea typeface="MS PGothic" panose="020B0600070205080204" pitchFamily="34" charset="-128"/>
-              </a:defRPr>
-            </a:lvl1pPr>
-            <a:lvl2pPr marL="742950" indent="-285750" eaLnBrk="0" hangingPunct="0">
-              <a:defRPr sz="2400">
-                <a:solidFill>
-                  <a:schemeClr val="bg1"/>
-                </a:solidFill>
-                <a:latin typeface="Arial" panose="020B0604020202020204" pitchFamily="34" charset="0"/>
-                <a:ea typeface="MS PGothic" panose="020B0600070205080204" pitchFamily="34" charset="-128"/>
-              </a:defRPr>
-            </a:lvl2pPr>
-            <a:lvl3pPr marL="1143000" indent="-228600" eaLnBrk="0" hangingPunct="0">
-              <a:defRPr sz="2400">
-                <a:solidFill>
-                  <a:schemeClr val="bg1"/>
-                </a:solidFill>
-                <a:latin typeface="Arial" panose="020B0604020202020204" pitchFamily="34" charset="0"/>
-                <a:ea typeface="MS PGothic" panose="020B0600070205080204" pitchFamily="34" charset="-128"/>
-              </a:defRPr>
-            </a:lvl3pPr>
-            <a:lvl4pPr marL="1600200" indent="-228600" eaLnBrk="0" hangingPunct="0">
-              <a:defRPr sz="2400">
-                <a:solidFill>
-                  <a:schemeClr val="bg1"/>
-                </a:solidFill>
-                <a:latin typeface="Arial" panose="020B0604020202020204" pitchFamily="34" charset="0"/>
-                <a:ea typeface="MS PGothic" panose="020B0600070205080204" pitchFamily="34" charset="-128"/>
-              </a:defRPr>
-            </a:lvl4pPr>
-            <a:lvl5pPr marL="2057400" indent="-228600" eaLnBrk="0" hangingPunct="0">
-              <a:defRPr sz="2400">
-                <a:solidFill>
-                  <a:schemeClr val="bg1"/>
-                </a:solidFill>
-                <a:latin typeface="Arial" panose="020B0604020202020204" pitchFamily="34" charset="0"/>
-                <a:ea typeface="MS PGothic" panose="020B0600070205080204" pitchFamily="34" charset="-128"/>
-              </a:defRPr>
-            </a:lvl5pPr>
-            <a:lvl6pPr marL="2514600" indent="-228600" eaLnBrk="0" fontAlgn="base" hangingPunct="0">
-              <a:spcBef>
-                <a:spcPct val="0"/>
-              </a:spcBef>
-              <a:spcAft>
-                <a:spcPct val="0"/>
-              </a:spcAft>
-              <a:defRPr sz="2400">
-                <a:solidFill>
-                  <a:schemeClr val="bg1"/>
-                </a:solidFill>
-                <a:latin typeface="Arial" panose="020B0604020202020204" pitchFamily="34" charset="0"/>
-                <a:ea typeface="MS PGothic" panose="020B0600070205080204" pitchFamily="34" charset="-128"/>
-              </a:defRPr>
-            </a:lvl6pPr>
-            <a:lvl7pPr marL="2971800" indent="-228600" eaLnBrk="0" fontAlgn="base" hangingPunct="0">
-              <a:spcBef>
-                <a:spcPct val="0"/>
-              </a:spcBef>
-              <a:spcAft>
-                <a:spcPct val="0"/>
-              </a:spcAft>
-              <a:defRPr sz="2400">
-                <a:solidFill>
-                  <a:schemeClr val="bg1"/>
-                </a:solidFill>
-                <a:latin typeface="Arial" panose="020B0604020202020204" pitchFamily="34" charset="0"/>
-                <a:ea typeface="MS PGothic" panose="020B0600070205080204" pitchFamily="34" charset="-128"/>
-              </a:defRPr>
-            </a:lvl7pPr>
-            <a:lvl8pPr marL="3429000" indent="-228600" eaLnBrk="0" fontAlgn="base" hangingPunct="0">
-              <a:spcBef>
-                <a:spcPct val="0"/>
-              </a:spcBef>
-              <a:spcAft>
-                <a:spcPct val="0"/>
-              </a:spcAft>
-              <a:defRPr sz="2400">
-                <a:solidFill>
-                  <a:schemeClr val="bg1"/>
-                </a:solidFill>
-                <a:latin typeface="Arial" panose="020B0604020202020204" pitchFamily="34" charset="0"/>
-                <a:ea typeface="MS PGothic" panose="020B0600070205080204" pitchFamily="34" charset="-128"/>
-              </a:defRPr>
-            </a:lvl8pPr>
-            <a:lvl9pPr marL="3886200" indent="-228600" eaLnBrk="0" fontAlgn="base" hangingPunct="0">
-              <a:spcBef>
-                <a:spcPct val="0"/>
-              </a:spcBef>
-              <a:spcAft>
-                <a:spcPct val="0"/>
-              </a:spcAft>
-              <a:defRPr sz="2400">
-                <a:solidFill>
-                  <a:schemeClr val="bg1"/>
-                </a:solidFill>
-                <a:latin typeface="Arial" panose="020B0604020202020204" pitchFamily="34" charset="0"/>
-                <a:ea typeface="MS PGothic" panose="020B0600070205080204" pitchFamily="34" charset="-128"/>
-              </a:defRPr>
-            </a:lvl9pPr>
-          </a:lstStyle>
-          <a:p>
-            <a:r>
-              <a:rPr lang="en-US" sz="1600" b="1" dirty="0">
-                <a:solidFill>
-                  <a:schemeClr val="tx1"/>
-                </a:solidFill>
-                <a:latin typeface="Courier New"/>
-                <a:cs typeface="Courier New"/>
-              </a:rPr>
-              <a:t>print (</a:t>
-            </a:r>
-            <a:r>
-              <a:rPr lang="mr-IN" sz="1600" b="1" dirty="0" err="1">
-                <a:solidFill>
-                  <a:schemeClr val="tx1"/>
-                </a:solidFill>
-                <a:latin typeface="Courier New"/>
-                <a:cs typeface="Courier New"/>
-              </a:rPr>
-              <a:t>data</a:t>
-            </a:r>
-            <a:r>
-              <a:rPr lang="mr-IN" sz="1600" b="1" dirty="0">
-                <a:solidFill>
-                  <a:schemeClr val="tx1"/>
-                </a:solidFill>
-                <a:latin typeface="Courier New"/>
-                <a:cs typeface="Courier New"/>
-              </a:rPr>
-              <a:t>['A':'C']</a:t>
-            </a:r>
-            <a:r>
-              <a:rPr lang="en-US" sz="1600" b="1" dirty="0">
-                <a:solidFill>
-                  <a:schemeClr val="tx1"/>
-                </a:solidFill>
-                <a:latin typeface="Courier New"/>
-                <a:cs typeface="Courier New"/>
-              </a:rPr>
-              <a:t>)</a:t>
-            </a:r>
-            <a:endParaRPr lang="mr-IN" sz="1600" b="1" dirty="0">
-              <a:solidFill>
-                <a:schemeClr val="tx1"/>
-              </a:solidFill>
-              <a:latin typeface="Courier New"/>
-              <a:cs typeface="Courier New"/>
-            </a:endParaRPr>
-          </a:p>
-          <a:p>
-            <a:endParaRPr lang="mr-IN" sz="1600" dirty="0">
-              <a:solidFill>
-                <a:schemeClr val="tx1"/>
-              </a:solidFill>
-              <a:latin typeface="Courier New"/>
-              <a:cs typeface="Courier New"/>
-            </a:endParaRPr>
-          </a:p>
-          <a:p>
-            <a:r>
-              <a:rPr lang="de-DE" sz="1600" dirty="0">
-                <a:solidFill>
-                  <a:schemeClr val="tx1"/>
-                </a:solidFill>
-                <a:latin typeface="Courier New"/>
-                <a:cs typeface="Courier New"/>
-              </a:rPr>
-              <a:t>A  1    0.498512</a:t>
-            </a:r>
-          </a:p>
-          <a:p>
-            <a:r>
-              <a:rPr lang="de-DE" sz="1600" dirty="0">
-                <a:solidFill>
-                  <a:schemeClr val="tx1"/>
-                </a:solidFill>
-                <a:latin typeface="Courier New"/>
-                <a:cs typeface="Courier New"/>
-              </a:rPr>
-              <a:t>   2    0.504765</a:t>
-            </a:r>
-          </a:p>
-          <a:p>
-            <a:r>
-              <a:rPr lang="de-DE" sz="1600" dirty="0">
-                <a:solidFill>
-                  <a:schemeClr val="tx1"/>
-                </a:solidFill>
-                <a:latin typeface="Courier New"/>
-                <a:cs typeface="Courier New"/>
-              </a:rPr>
-              <a:t>   3    1.173850</a:t>
-            </a:r>
-          </a:p>
-          <a:p>
-            <a:r>
-              <a:rPr lang="de-DE" sz="1600" dirty="0">
-                <a:solidFill>
-                  <a:schemeClr val="tx1"/>
-                </a:solidFill>
-                <a:latin typeface="Courier New"/>
-                <a:cs typeface="Courier New"/>
-              </a:rPr>
-              <a:t>   4   -1.336820</a:t>
-            </a:r>
-          </a:p>
-          <a:p>
-            <a:r>
-              <a:rPr lang="de-DE" sz="1600" dirty="0">
-                <a:solidFill>
-                  <a:schemeClr val="tx1"/>
-                </a:solidFill>
-                <a:latin typeface="Courier New"/>
-                <a:cs typeface="Courier New"/>
-              </a:rPr>
-              <a:t>B  1   -1.262746</a:t>
-            </a:r>
-          </a:p>
-          <a:p>
-            <a:r>
-              <a:rPr lang="de-DE" sz="1600" dirty="0">
-                <a:solidFill>
-                  <a:schemeClr val="tx1"/>
-                </a:solidFill>
-                <a:latin typeface="Courier New"/>
-                <a:cs typeface="Courier New"/>
-              </a:rPr>
-              <a:t>   2   -0.164154</a:t>
-            </a:r>
-          </a:p>
-          <a:p>
-            <a:r>
-              <a:rPr lang="de-DE" sz="1600" dirty="0">
-                <a:solidFill>
-                  <a:schemeClr val="tx1"/>
-                </a:solidFill>
-                <a:latin typeface="Courier New"/>
-                <a:cs typeface="Courier New"/>
-              </a:rPr>
-              <a:t>   3   -1.105161</a:t>
-            </a:r>
-          </a:p>
-          <a:p>
-            <a:r>
-              <a:rPr lang="de-DE" sz="1600" dirty="0">
-                <a:solidFill>
-                  <a:schemeClr val="tx1"/>
-                </a:solidFill>
-                <a:latin typeface="Courier New"/>
-                <a:cs typeface="Courier New"/>
-              </a:rPr>
-              <a:t>   4   -0.781278</a:t>
-            </a:r>
-          </a:p>
-          <a:p>
-            <a:r>
-              <a:rPr lang="de-DE" sz="1600" dirty="0">
-                <a:solidFill>
-                  <a:schemeClr val="tx1"/>
-                </a:solidFill>
-                <a:latin typeface="Courier New"/>
-                <a:cs typeface="Courier New"/>
-              </a:rPr>
-              <a:t>C  1   -1.309080</a:t>
-            </a:r>
-          </a:p>
-          <a:p>
-            <a:r>
-              <a:rPr lang="de-DE" sz="1600" dirty="0">
-                <a:solidFill>
-                  <a:schemeClr val="tx1"/>
-                </a:solidFill>
-                <a:latin typeface="Courier New"/>
-                <a:cs typeface="Courier New"/>
-              </a:rPr>
-              <a:t>   2   -1.078479</a:t>
-            </a:r>
-          </a:p>
-          <a:p>
-            <a:r>
-              <a:rPr lang="de-DE" sz="1600" dirty="0">
-                <a:solidFill>
-                  <a:schemeClr val="tx1"/>
-                </a:solidFill>
-                <a:latin typeface="Courier New"/>
-                <a:cs typeface="Courier New"/>
-              </a:rPr>
-              <a:t>   3    0.515532</a:t>
-            </a:r>
-          </a:p>
-          <a:p>
-            <a:r>
-              <a:rPr lang="de-DE" sz="1600" dirty="0">
-                <a:solidFill>
-                  <a:schemeClr val="tx1"/>
-                </a:solidFill>
-                <a:latin typeface="Courier New"/>
-                <a:cs typeface="Courier New"/>
-              </a:rPr>
-              <a:t>   4    0.052269</a:t>
-            </a:r>
-          </a:p>
-          <a:p>
-            <a:r>
-              <a:rPr lang="de-DE" sz="1600" dirty="0" err="1">
-                <a:solidFill>
-                  <a:schemeClr val="tx1"/>
-                </a:solidFill>
-                <a:latin typeface="Courier New"/>
-                <a:cs typeface="Courier New"/>
-              </a:rPr>
-              <a:t>dtype</a:t>
-            </a:r>
-            <a:r>
-              <a:rPr lang="de-DE" sz="1600" dirty="0">
-                <a:solidFill>
-                  <a:schemeClr val="tx1"/>
-                </a:solidFill>
-                <a:latin typeface="Courier New"/>
-                <a:cs typeface="Courier New"/>
-              </a:rPr>
-              <a:t>: float64</a:t>
-            </a:r>
-            <a:endParaRPr lang="mr-IN" sz="1600" dirty="0">
-              <a:solidFill>
-                <a:schemeClr val="tx1"/>
-              </a:solidFill>
-              <a:latin typeface="Courier New"/>
-              <a:cs typeface="Courier New"/>
-            </a:endParaRPr>
-          </a:p>
-        </p:txBody>
-      </p:sp>
-      <p:sp>
-        <p:nvSpPr>
-          <p:cNvPr id="8" name="Rectangular Callout 7"/>
-          <p:cNvSpPr>
-            <a:spLocks noChangeArrowheads="1"/>
-          </p:cNvSpPr>
-          <p:nvPr/>
-        </p:nvSpPr>
-        <p:spPr bwMode="auto">
-          <a:xfrm>
-            <a:off x="6477062" y="970554"/>
-            <a:ext cx="2413438" cy="338554"/>
-          </a:xfrm>
-          <a:prstGeom prst="wedgeRectCallout">
-            <a:avLst>
-              <a:gd name="adj1" fmla="val -53096"/>
-              <a:gd name="adj2" fmla="val 212432"/>
-            </a:avLst>
-          </a:prstGeom>
-          <a:solidFill>
-            <a:schemeClr val="accent2">
-              <a:lumMod val="20000"/>
-              <a:lumOff val="80000"/>
-            </a:schemeClr>
-          </a:solidFill>
-          <a:ln w="9525">
-            <a:noFill/>
-            <a:round/>
-            <a:headEnd/>
-            <a:tailEnd/>
-          </a:ln>
-          <a:effectLst/>
-        </p:spPr>
-        <p:txBody>
-          <a:bodyPr wrap="square" anchor="ctr">
-            <a:spAutoFit/>
-          </a:bodyPr>
-          <a:lstStyle/>
-          <a:p>
-            <a:pPr algn="ctr" eaLnBrk="1" hangingPunct="1">
-              <a:defRPr/>
-            </a:pPr>
-            <a:r>
-              <a:rPr lang="en-GB" sz="1600" dirty="0">
-                <a:solidFill>
-                  <a:schemeClr val="tx1"/>
-                </a:solidFill>
-                <a:latin typeface="+mn-lt"/>
-                <a:ea typeface="ＭＳ Ｐゴシック" charset="0"/>
-                <a:cs typeface="Arial"/>
-              </a:rPr>
-              <a:t>Two-level index supplied</a:t>
-            </a:r>
-            <a:endParaRPr lang="en-US" sz="1600" dirty="0">
-              <a:solidFill>
-                <a:schemeClr val="tx1"/>
-              </a:solidFill>
-              <a:latin typeface="+mn-lt"/>
-              <a:ea typeface="ＭＳ Ｐゴシック" charset="0"/>
-              <a:cs typeface="Courier New"/>
-            </a:endParaRPr>
-          </a:p>
-        </p:txBody>
-      </p:sp>
-    </p:spTree>
-    <p:extLst>
-      <p:ext uri="{BB962C8B-B14F-4D97-AF65-F5344CB8AC3E}">
-        <p14:creationId xmlns:p14="http://schemas.microsoft.com/office/powerpoint/2010/main" val="3804332553"/>
-      </p:ext>
-    </p:extLst>
-  </p:cSld>
-  <p:clrMapOvr>
-    <a:masterClrMapping/>
-  </p:clrMapOvr>
-</p:sld>
-</file>
-
-<file path=ppt/slides/slide49.xml><?xml version="1.0" encoding="utf-8"?>
-<p:sld xmlns:a="http://schemas.openxmlformats.org/drawingml/2006/main" xmlns:r="http://schemas.openxmlformats.org/officeDocument/2006/relationships" xmlns:p="http://schemas.openxmlformats.org/presentationml/2006/main">
-  <p:cSld>
-    <p:spTree>
-      <p:nvGrpSpPr>
-        <p:cNvPr id="1" name=""/>
-        <p:cNvGrpSpPr/>
-        <p:nvPr/>
-      </p:nvGrpSpPr>
-      <p:grpSpPr>
-        <a:xfrm>
-          <a:off x="0" y="0"/>
-          <a:ext cx="0" cy="0"/>
-          <a:chOff x="0" y="0"/>
-          <a:chExt cx="0" cy="0"/>
-        </a:xfrm>
-      </p:grpSpPr>
-      <p:sp>
-        <p:nvSpPr>
-          <p:cNvPr id="2" name="Title 1"/>
-          <p:cNvSpPr>
-            <a:spLocks noGrp="1"/>
-          </p:cNvSpPr>
-          <p:nvPr>
-            <p:ph type="title"/>
-          </p:nvPr>
-        </p:nvSpPr>
-        <p:spPr/>
-        <p:txBody>
-          <a:bodyPr/>
-          <a:lstStyle/>
-          <a:p>
-            <a:r>
-              <a:rPr lang="en-US" dirty="0"/>
-              <a:t>Stacking and Unstacking</a:t>
-            </a:r>
-          </a:p>
-        </p:txBody>
-      </p:sp>
-      <p:sp>
-        <p:nvSpPr>
-          <p:cNvPr id="3" name="Content Placeholder 2"/>
-          <p:cNvSpPr>
-            <a:spLocks noGrp="1"/>
-          </p:cNvSpPr>
-          <p:nvPr>
-            <p:ph idx="1"/>
-          </p:nvPr>
-        </p:nvSpPr>
-        <p:spPr/>
-        <p:txBody>
-          <a:bodyPr/>
-          <a:lstStyle/>
-          <a:p>
-            <a:r>
-              <a:rPr lang="en-US" dirty="0"/>
-              <a:t>Reshaping can be performed </a:t>
-            </a:r>
-          </a:p>
-          <a:p>
-            <a:pPr lvl="1"/>
-            <a:r>
-              <a:rPr lang="en-US" dirty="0">
-                <a:latin typeface="Courier New" panose="02070309020205020404" pitchFamily="49" charset="0"/>
-                <a:cs typeface="Courier New" panose="02070309020205020404" pitchFamily="49" charset="0"/>
-              </a:rPr>
-              <a:t>Series</a:t>
-            </a:r>
-            <a:r>
-              <a:rPr lang="en-US" dirty="0"/>
-              <a:t>: converts to </a:t>
-            </a:r>
-            <a:r>
-              <a:rPr lang="en-US" dirty="0">
-                <a:latin typeface="Courier New"/>
-                <a:cs typeface="Courier New"/>
-              </a:rPr>
-              <a:t>DataFrame</a:t>
-            </a:r>
-            <a:r>
-              <a:rPr lang="en-US" dirty="0"/>
-              <a:t> using </a:t>
-            </a:r>
-            <a:r>
-              <a:rPr lang="en-US" dirty="0">
-                <a:latin typeface="Courier New"/>
-                <a:cs typeface="Courier New"/>
-              </a:rPr>
-              <a:t>unstack()</a:t>
-            </a:r>
-          </a:p>
-          <a:p>
-            <a:pPr lvl="1"/>
-            <a:r>
-              <a:rPr lang="en-US" dirty="0">
-                <a:latin typeface="Courier New"/>
-                <a:cs typeface="Courier New"/>
-              </a:rPr>
-              <a:t>DataFrame</a:t>
-            </a:r>
-            <a:r>
-              <a:rPr lang="en-US" dirty="0"/>
-              <a:t> to a </a:t>
-            </a:r>
-            <a:r>
-              <a:rPr lang="en-US" dirty="0">
-                <a:latin typeface="Courier New" panose="02070309020205020404" pitchFamily="49" charset="0"/>
-                <a:cs typeface="Courier New" panose="02070309020205020404" pitchFamily="49" charset="0"/>
-              </a:rPr>
-              <a:t>Series</a:t>
-            </a:r>
-            <a:r>
-              <a:rPr lang="en-US" dirty="0"/>
-              <a:t> using </a:t>
-            </a:r>
-            <a:r>
-              <a:rPr lang="en-US" dirty="0">
-                <a:latin typeface="Courier New"/>
-                <a:cs typeface="Courier New"/>
-              </a:rPr>
-              <a:t>stack()</a:t>
-            </a:r>
-          </a:p>
-        </p:txBody>
-      </p:sp>
-      <p:sp>
-        <p:nvSpPr>
-          <p:cNvPr id="4" name="TextBox 3"/>
-          <p:cNvSpPr txBox="1">
-            <a:spLocks noChangeArrowheads="1"/>
-          </p:cNvSpPr>
-          <p:nvPr/>
-        </p:nvSpPr>
-        <p:spPr bwMode="auto">
-          <a:xfrm>
-            <a:off x="762000" y="2172713"/>
-            <a:ext cx="2510907" cy="3908762"/>
-          </a:xfrm>
-          <a:prstGeom prst="rect">
-            <a:avLst/>
-          </a:prstGeom>
-          <a:noFill/>
-          <a:ln w="28575">
-            <a:solidFill>
-              <a:schemeClr val="accent2">
-                <a:lumMod val="20000"/>
-                <a:lumOff val="80000"/>
-              </a:schemeClr>
-            </a:solidFill>
-            <a:miter lim="800000"/>
-            <a:headEnd/>
-            <a:tailEnd/>
-          </a:ln>
-          <a:effectLst/>
-        </p:spPr>
-        <p:txBody>
-          <a:bodyPr wrap="square">
-            <a:spAutoFit/>
-          </a:bodyPr>
-          <a:lstStyle>
-            <a:lvl1pPr eaLnBrk="0" hangingPunct="0">
-              <a:defRPr sz="2400">
-                <a:solidFill>
-                  <a:schemeClr val="bg1"/>
-                </a:solidFill>
-                <a:latin typeface="Arial" panose="020B0604020202020204" pitchFamily="34" charset="0"/>
-                <a:ea typeface="MS PGothic" panose="020B0600070205080204" pitchFamily="34" charset="-128"/>
-              </a:defRPr>
-            </a:lvl1pPr>
-            <a:lvl2pPr marL="742950" indent="-285750" eaLnBrk="0" hangingPunct="0">
-              <a:defRPr sz="2400">
-                <a:solidFill>
-                  <a:schemeClr val="bg1"/>
-                </a:solidFill>
-                <a:latin typeface="Arial" panose="020B0604020202020204" pitchFamily="34" charset="0"/>
-                <a:ea typeface="MS PGothic" panose="020B0600070205080204" pitchFamily="34" charset="-128"/>
-              </a:defRPr>
-            </a:lvl2pPr>
-            <a:lvl3pPr marL="1143000" indent="-228600" eaLnBrk="0" hangingPunct="0">
-              <a:defRPr sz="2400">
-                <a:solidFill>
-                  <a:schemeClr val="bg1"/>
-                </a:solidFill>
-                <a:latin typeface="Arial" panose="020B0604020202020204" pitchFamily="34" charset="0"/>
-                <a:ea typeface="MS PGothic" panose="020B0600070205080204" pitchFamily="34" charset="-128"/>
-              </a:defRPr>
-            </a:lvl3pPr>
-            <a:lvl4pPr marL="1600200" indent="-228600" eaLnBrk="0" hangingPunct="0">
-              <a:defRPr sz="2400">
-                <a:solidFill>
-                  <a:schemeClr val="bg1"/>
-                </a:solidFill>
-                <a:latin typeface="Arial" panose="020B0604020202020204" pitchFamily="34" charset="0"/>
-                <a:ea typeface="MS PGothic" panose="020B0600070205080204" pitchFamily="34" charset="-128"/>
-              </a:defRPr>
-            </a:lvl4pPr>
-            <a:lvl5pPr marL="2057400" indent="-228600" eaLnBrk="0" hangingPunct="0">
-              <a:defRPr sz="2400">
-                <a:solidFill>
-                  <a:schemeClr val="bg1"/>
-                </a:solidFill>
-                <a:latin typeface="Arial" panose="020B0604020202020204" pitchFamily="34" charset="0"/>
-                <a:ea typeface="MS PGothic" panose="020B0600070205080204" pitchFamily="34" charset="-128"/>
-              </a:defRPr>
-            </a:lvl5pPr>
-            <a:lvl6pPr marL="2514600" indent="-228600" eaLnBrk="0" fontAlgn="base" hangingPunct="0">
-              <a:spcBef>
-                <a:spcPct val="0"/>
-              </a:spcBef>
-              <a:spcAft>
-                <a:spcPct val="0"/>
-              </a:spcAft>
-              <a:defRPr sz="2400">
-                <a:solidFill>
-                  <a:schemeClr val="bg1"/>
-                </a:solidFill>
-                <a:latin typeface="Arial" panose="020B0604020202020204" pitchFamily="34" charset="0"/>
-                <a:ea typeface="MS PGothic" panose="020B0600070205080204" pitchFamily="34" charset="-128"/>
-              </a:defRPr>
-            </a:lvl6pPr>
-            <a:lvl7pPr marL="2971800" indent="-228600" eaLnBrk="0" fontAlgn="base" hangingPunct="0">
-              <a:spcBef>
-                <a:spcPct val="0"/>
-              </a:spcBef>
-              <a:spcAft>
-                <a:spcPct val="0"/>
-              </a:spcAft>
-              <a:defRPr sz="2400">
-                <a:solidFill>
-                  <a:schemeClr val="bg1"/>
-                </a:solidFill>
-                <a:latin typeface="Arial" panose="020B0604020202020204" pitchFamily="34" charset="0"/>
-                <a:ea typeface="MS PGothic" panose="020B0600070205080204" pitchFamily="34" charset="-128"/>
-              </a:defRPr>
-            </a:lvl7pPr>
-            <a:lvl8pPr marL="3429000" indent="-228600" eaLnBrk="0" fontAlgn="base" hangingPunct="0">
-              <a:spcBef>
-                <a:spcPct val="0"/>
-              </a:spcBef>
-              <a:spcAft>
-                <a:spcPct val="0"/>
-              </a:spcAft>
-              <a:defRPr sz="2400">
-                <a:solidFill>
-                  <a:schemeClr val="bg1"/>
-                </a:solidFill>
-                <a:latin typeface="Arial" panose="020B0604020202020204" pitchFamily="34" charset="0"/>
-                <a:ea typeface="MS PGothic" panose="020B0600070205080204" pitchFamily="34" charset="-128"/>
-              </a:defRPr>
-            </a:lvl8pPr>
-            <a:lvl9pPr marL="3886200" indent="-228600" eaLnBrk="0" fontAlgn="base" hangingPunct="0">
-              <a:spcBef>
-                <a:spcPct val="0"/>
-              </a:spcBef>
-              <a:spcAft>
-                <a:spcPct val="0"/>
-              </a:spcAft>
-              <a:defRPr sz="2400">
-                <a:solidFill>
-                  <a:schemeClr val="bg1"/>
-                </a:solidFill>
-                <a:latin typeface="Arial" panose="020B0604020202020204" pitchFamily="34" charset="0"/>
-                <a:ea typeface="MS PGothic" panose="020B0600070205080204" pitchFamily="34" charset="-128"/>
-              </a:defRPr>
-            </a:lvl9pPr>
-          </a:lstStyle>
-          <a:p>
-            <a:r>
-              <a:rPr lang="pt-BR" sz="1600" b="1" dirty="0">
-                <a:solidFill>
-                  <a:schemeClr val="tx1"/>
-                </a:solidFill>
-                <a:latin typeface="Courier New"/>
-                <a:cs typeface="Courier New"/>
-              </a:rPr>
-              <a:t>print (data)</a:t>
-            </a:r>
-          </a:p>
-          <a:p>
-            <a:r>
-              <a:rPr lang="mr-IN" sz="1600" dirty="0">
-                <a:solidFill>
-                  <a:schemeClr val="tx1"/>
-                </a:solidFill>
-                <a:latin typeface="Courier New"/>
-                <a:cs typeface="Courier New"/>
-              </a:rPr>
-              <a:t> </a:t>
-            </a:r>
-          </a:p>
-          <a:p>
-            <a:r>
-              <a:rPr lang="de-DE" sz="1600" dirty="0">
-                <a:solidFill>
-                  <a:schemeClr val="tx1"/>
-                </a:solidFill>
-                <a:latin typeface="Courier New"/>
-                <a:cs typeface="Courier New"/>
-              </a:rPr>
-              <a:t>A  1    0.498512</a:t>
-            </a:r>
-          </a:p>
-          <a:p>
-            <a:r>
-              <a:rPr lang="de-DE" sz="1600" dirty="0">
-                <a:solidFill>
-                  <a:schemeClr val="tx1"/>
-                </a:solidFill>
-                <a:latin typeface="Courier New"/>
-                <a:cs typeface="Courier New"/>
-              </a:rPr>
-              <a:t>   2    0.504765</a:t>
-            </a:r>
-          </a:p>
-          <a:p>
-            <a:r>
-              <a:rPr lang="de-DE" sz="1600" dirty="0">
-                <a:solidFill>
-                  <a:schemeClr val="tx1"/>
-                </a:solidFill>
-                <a:latin typeface="Courier New"/>
-                <a:cs typeface="Courier New"/>
-              </a:rPr>
-              <a:t>   3    1.173850</a:t>
-            </a:r>
-          </a:p>
-          <a:p>
-            <a:r>
-              <a:rPr lang="de-DE" sz="1600" dirty="0">
-                <a:solidFill>
-                  <a:schemeClr val="tx1"/>
-                </a:solidFill>
-                <a:latin typeface="Courier New"/>
-                <a:cs typeface="Courier New"/>
-              </a:rPr>
-              <a:t>   4   -1.336820</a:t>
-            </a:r>
-          </a:p>
-          <a:p>
-            <a:r>
-              <a:rPr lang="de-DE" sz="1600" dirty="0">
-                <a:solidFill>
-                  <a:schemeClr val="tx1"/>
-                </a:solidFill>
-                <a:latin typeface="Courier New"/>
-                <a:cs typeface="Courier New"/>
-              </a:rPr>
-              <a:t>B  1   -1.262746</a:t>
-            </a:r>
-          </a:p>
-          <a:p>
-            <a:r>
-              <a:rPr lang="de-DE" sz="1600" dirty="0">
-                <a:solidFill>
-                  <a:schemeClr val="tx1"/>
-                </a:solidFill>
-                <a:latin typeface="Courier New"/>
-                <a:cs typeface="Courier New"/>
-              </a:rPr>
-              <a:t>   2   -0.164154</a:t>
-            </a:r>
-          </a:p>
-          <a:p>
-            <a:r>
-              <a:rPr lang="de-DE" sz="1600" dirty="0">
-                <a:solidFill>
-                  <a:schemeClr val="tx1"/>
-                </a:solidFill>
-                <a:latin typeface="Courier New"/>
-                <a:cs typeface="Courier New"/>
-              </a:rPr>
-              <a:t>   3   -1.105161</a:t>
-            </a:r>
-          </a:p>
-          <a:p>
-            <a:r>
-              <a:rPr lang="de-DE" sz="1600" dirty="0">
-                <a:solidFill>
-                  <a:schemeClr val="tx1"/>
-                </a:solidFill>
-                <a:latin typeface="Courier New"/>
-                <a:cs typeface="Courier New"/>
-              </a:rPr>
-              <a:t>   4   -0.781278</a:t>
-            </a:r>
-          </a:p>
-          <a:p>
-            <a:r>
-              <a:rPr lang="de-DE" sz="1600" dirty="0">
-                <a:solidFill>
-                  <a:schemeClr val="tx1"/>
-                </a:solidFill>
-                <a:latin typeface="Courier New"/>
-                <a:cs typeface="Courier New"/>
-              </a:rPr>
-              <a:t>C  1   -1.309080</a:t>
-            </a:r>
-          </a:p>
-          <a:p>
-            <a:r>
-              <a:rPr lang="de-DE" sz="1600" dirty="0">
-                <a:solidFill>
-                  <a:schemeClr val="tx1"/>
-                </a:solidFill>
-                <a:latin typeface="Courier New"/>
-                <a:cs typeface="Courier New"/>
-              </a:rPr>
-              <a:t>   2   -1.078479</a:t>
-            </a:r>
-          </a:p>
-          <a:p>
-            <a:r>
-              <a:rPr lang="de-DE" sz="1600" dirty="0">
-                <a:solidFill>
-                  <a:schemeClr val="tx1"/>
-                </a:solidFill>
-                <a:latin typeface="Courier New"/>
-                <a:cs typeface="Courier New"/>
-              </a:rPr>
-              <a:t>   3    0.515532</a:t>
-            </a:r>
-          </a:p>
-          <a:p>
-            <a:r>
-              <a:rPr lang="de-DE" sz="1600" dirty="0">
-                <a:solidFill>
-                  <a:schemeClr val="tx1"/>
-                </a:solidFill>
-                <a:latin typeface="Courier New"/>
-                <a:cs typeface="Courier New"/>
-              </a:rPr>
-              <a:t>   4    0.052269</a:t>
-            </a:r>
-          </a:p>
-          <a:p>
-            <a:r>
-              <a:rPr lang="de-DE" sz="1600" dirty="0" err="1">
-                <a:solidFill>
-                  <a:schemeClr val="tx1"/>
-                </a:solidFill>
-                <a:latin typeface="Courier New"/>
-                <a:cs typeface="Courier New"/>
-              </a:rPr>
-              <a:t>dtype</a:t>
-            </a:r>
-            <a:r>
-              <a:rPr lang="de-DE" sz="1600" dirty="0">
-                <a:solidFill>
-                  <a:schemeClr val="tx1"/>
-                </a:solidFill>
-                <a:latin typeface="Courier New"/>
-                <a:cs typeface="Courier New"/>
-              </a:rPr>
-              <a:t>: float64</a:t>
-            </a:r>
-            <a:endParaRPr lang="mr-IN" sz="1600" dirty="0">
-              <a:solidFill>
-                <a:schemeClr val="tx1"/>
-              </a:solidFill>
-              <a:latin typeface="Courier New"/>
-              <a:cs typeface="Courier New"/>
-            </a:endParaRPr>
-          </a:p>
-        </p:txBody>
-      </p:sp>
-      <p:sp>
-        <p:nvSpPr>
-          <p:cNvPr id="5" name="TextBox 4"/>
-          <p:cNvSpPr txBox="1">
-            <a:spLocks noChangeArrowheads="1"/>
-          </p:cNvSpPr>
-          <p:nvPr/>
-        </p:nvSpPr>
-        <p:spPr bwMode="auto">
-          <a:xfrm>
-            <a:off x="3430809" y="2178453"/>
-            <a:ext cx="5376697" cy="1569660"/>
-          </a:xfrm>
-          <a:prstGeom prst="rect">
-            <a:avLst/>
-          </a:prstGeom>
-          <a:noFill/>
-          <a:ln w="28575">
-            <a:solidFill>
-              <a:schemeClr val="accent2">
-                <a:lumMod val="20000"/>
-                <a:lumOff val="80000"/>
-              </a:schemeClr>
-            </a:solidFill>
-            <a:miter lim="800000"/>
-            <a:headEnd/>
-            <a:tailEnd/>
-          </a:ln>
-          <a:effectLst/>
-        </p:spPr>
-        <p:txBody>
-          <a:bodyPr wrap="square">
-            <a:spAutoFit/>
-          </a:bodyPr>
-          <a:lstStyle>
-            <a:lvl1pPr eaLnBrk="0" hangingPunct="0">
-              <a:defRPr sz="2400">
-                <a:solidFill>
-                  <a:schemeClr val="bg1"/>
-                </a:solidFill>
-                <a:latin typeface="Arial" panose="020B0604020202020204" pitchFamily="34" charset="0"/>
-                <a:ea typeface="MS PGothic" panose="020B0600070205080204" pitchFamily="34" charset="-128"/>
-              </a:defRPr>
-            </a:lvl1pPr>
-            <a:lvl2pPr marL="742950" indent="-285750" eaLnBrk="0" hangingPunct="0">
-              <a:defRPr sz="2400">
-                <a:solidFill>
-                  <a:schemeClr val="bg1"/>
-                </a:solidFill>
-                <a:latin typeface="Arial" panose="020B0604020202020204" pitchFamily="34" charset="0"/>
-                <a:ea typeface="MS PGothic" panose="020B0600070205080204" pitchFamily="34" charset="-128"/>
-              </a:defRPr>
-            </a:lvl2pPr>
-            <a:lvl3pPr marL="1143000" indent="-228600" eaLnBrk="0" hangingPunct="0">
-              <a:defRPr sz="2400">
-                <a:solidFill>
-                  <a:schemeClr val="bg1"/>
-                </a:solidFill>
-                <a:latin typeface="Arial" panose="020B0604020202020204" pitchFamily="34" charset="0"/>
-                <a:ea typeface="MS PGothic" panose="020B0600070205080204" pitchFamily="34" charset="-128"/>
-              </a:defRPr>
-            </a:lvl3pPr>
-            <a:lvl4pPr marL="1600200" indent="-228600" eaLnBrk="0" hangingPunct="0">
-              <a:defRPr sz="2400">
-                <a:solidFill>
-                  <a:schemeClr val="bg1"/>
-                </a:solidFill>
-                <a:latin typeface="Arial" panose="020B0604020202020204" pitchFamily="34" charset="0"/>
-                <a:ea typeface="MS PGothic" panose="020B0600070205080204" pitchFamily="34" charset="-128"/>
-              </a:defRPr>
-            </a:lvl4pPr>
-            <a:lvl5pPr marL="2057400" indent="-228600" eaLnBrk="0" hangingPunct="0">
-              <a:defRPr sz="2400">
-                <a:solidFill>
-                  <a:schemeClr val="bg1"/>
-                </a:solidFill>
-                <a:latin typeface="Arial" panose="020B0604020202020204" pitchFamily="34" charset="0"/>
-                <a:ea typeface="MS PGothic" panose="020B0600070205080204" pitchFamily="34" charset="-128"/>
-              </a:defRPr>
-            </a:lvl5pPr>
-            <a:lvl6pPr marL="2514600" indent="-228600" eaLnBrk="0" fontAlgn="base" hangingPunct="0">
-              <a:spcBef>
-                <a:spcPct val="0"/>
-              </a:spcBef>
-              <a:spcAft>
-                <a:spcPct val="0"/>
-              </a:spcAft>
-              <a:defRPr sz="2400">
-                <a:solidFill>
-                  <a:schemeClr val="bg1"/>
-                </a:solidFill>
-                <a:latin typeface="Arial" panose="020B0604020202020204" pitchFamily="34" charset="0"/>
-                <a:ea typeface="MS PGothic" panose="020B0600070205080204" pitchFamily="34" charset="-128"/>
-              </a:defRPr>
-            </a:lvl6pPr>
-            <a:lvl7pPr marL="2971800" indent="-228600" eaLnBrk="0" fontAlgn="base" hangingPunct="0">
-              <a:spcBef>
-                <a:spcPct val="0"/>
-              </a:spcBef>
-              <a:spcAft>
-                <a:spcPct val="0"/>
-              </a:spcAft>
-              <a:defRPr sz="2400">
-                <a:solidFill>
-                  <a:schemeClr val="bg1"/>
-                </a:solidFill>
-                <a:latin typeface="Arial" panose="020B0604020202020204" pitchFamily="34" charset="0"/>
-                <a:ea typeface="MS PGothic" panose="020B0600070205080204" pitchFamily="34" charset="-128"/>
-              </a:defRPr>
-            </a:lvl7pPr>
-            <a:lvl8pPr marL="3429000" indent="-228600" eaLnBrk="0" fontAlgn="base" hangingPunct="0">
-              <a:spcBef>
-                <a:spcPct val="0"/>
-              </a:spcBef>
-              <a:spcAft>
-                <a:spcPct val="0"/>
-              </a:spcAft>
-              <a:defRPr sz="2400">
-                <a:solidFill>
-                  <a:schemeClr val="bg1"/>
-                </a:solidFill>
-                <a:latin typeface="Arial" panose="020B0604020202020204" pitchFamily="34" charset="0"/>
-                <a:ea typeface="MS PGothic" panose="020B0600070205080204" pitchFamily="34" charset="-128"/>
-              </a:defRPr>
-            </a:lvl8pPr>
-            <a:lvl9pPr marL="3886200" indent="-228600" eaLnBrk="0" fontAlgn="base" hangingPunct="0">
-              <a:spcBef>
-                <a:spcPct val="0"/>
-              </a:spcBef>
-              <a:spcAft>
-                <a:spcPct val="0"/>
-              </a:spcAft>
-              <a:defRPr sz="2400">
-                <a:solidFill>
-                  <a:schemeClr val="bg1"/>
-                </a:solidFill>
-                <a:latin typeface="Arial" panose="020B0604020202020204" pitchFamily="34" charset="0"/>
-                <a:ea typeface="MS PGothic" panose="020B0600070205080204" pitchFamily="34" charset="-128"/>
-              </a:defRPr>
-            </a:lvl9pPr>
-          </a:lstStyle>
-          <a:p>
-            <a:r>
-              <a:rPr lang="en-US" sz="1600" b="1" dirty="0">
-                <a:solidFill>
-                  <a:schemeClr val="tx1"/>
-                </a:solidFill>
-                <a:latin typeface="Courier New"/>
-                <a:cs typeface="Courier New"/>
-              </a:rPr>
-              <a:t>print (data.unstack())</a:t>
-            </a:r>
-          </a:p>
-          <a:p>
-            <a:endParaRPr lang="pt-BR" sz="1600" dirty="0">
-              <a:solidFill>
-                <a:schemeClr val="tx1"/>
-              </a:solidFill>
-              <a:latin typeface="Courier New"/>
-              <a:cs typeface="Courier New"/>
-            </a:endParaRPr>
-          </a:p>
-          <a:p>
-            <a:r>
-              <a:rPr lang="de-DE" sz="1600" dirty="0">
-                <a:solidFill>
-                  <a:schemeClr val="tx1"/>
-                </a:solidFill>
-                <a:latin typeface="Courier New"/>
-                <a:cs typeface="Courier New"/>
-              </a:rPr>
-              <a:t>          1         2         3         4</a:t>
-            </a:r>
-          </a:p>
-          <a:p>
-            <a:r>
-              <a:rPr lang="mr-IN" sz="1600" dirty="0">
-                <a:solidFill>
-                  <a:schemeClr val="tx1"/>
-                </a:solidFill>
-                <a:latin typeface="Courier New"/>
-                <a:cs typeface="Courier New"/>
-              </a:rPr>
-              <a:t>A  0.498512  0.504765  1.173850 -1.336820</a:t>
-            </a:r>
-          </a:p>
-          <a:p>
-            <a:r>
-              <a:rPr lang="is-IS" sz="1600" dirty="0">
-                <a:solidFill>
-                  <a:schemeClr val="tx1"/>
-                </a:solidFill>
-                <a:latin typeface="Courier New"/>
-                <a:cs typeface="Courier New"/>
-              </a:rPr>
-              <a:t>B -1.262746 -0.164154 -1.105161 -0.781278</a:t>
-            </a:r>
-          </a:p>
-          <a:p>
-            <a:r>
-              <a:rPr lang="de-DE" sz="1600" dirty="0">
-                <a:solidFill>
-                  <a:schemeClr val="tx1"/>
-                </a:solidFill>
-                <a:latin typeface="Courier New"/>
-                <a:cs typeface="Courier New"/>
-              </a:rPr>
-              <a:t>C -1.309080 -1.078479  0.515532  0.052269</a:t>
-            </a:r>
-            <a:endParaRPr lang="mr-IN" sz="1600" dirty="0">
-              <a:solidFill>
-                <a:schemeClr val="tx1"/>
-              </a:solidFill>
-              <a:latin typeface="Courier New"/>
-              <a:cs typeface="Courier New"/>
-            </a:endParaRPr>
-          </a:p>
-        </p:txBody>
-      </p:sp>
-      <p:sp>
-        <p:nvSpPr>
-          <p:cNvPr id="7" name="Rectangular Callout 6"/>
-          <p:cNvSpPr>
-            <a:spLocks noChangeArrowheads="1"/>
-          </p:cNvSpPr>
-          <p:nvPr/>
-        </p:nvSpPr>
-        <p:spPr bwMode="auto">
-          <a:xfrm>
-            <a:off x="5306796" y="4589015"/>
-            <a:ext cx="2832269" cy="584775"/>
-          </a:xfrm>
-          <a:prstGeom prst="wedgeRectCallout">
-            <a:avLst>
-              <a:gd name="adj1" fmla="val -18536"/>
-              <a:gd name="adj2" fmla="val -219799"/>
-            </a:avLst>
-          </a:prstGeom>
-          <a:solidFill>
-            <a:schemeClr val="accent2">
-              <a:lumMod val="20000"/>
-              <a:lumOff val="80000"/>
-            </a:schemeClr>
-          </a:solidFill>
-          <a:ln w="9525">
-            <a:noFill/>
-            <a:round/>
-            <a:headEnd/>
-            <a:tailEnd/>
-          </a:ln>
-          <a:effectLst/>
-        </p:spPr>
-        <p:txBody>
-          <a:bodyPr wrap="square" anchor="ctr">
-            <a:spAutoFit/>
-          </a:bodyPr>
-          <a:lstStyle/>
-          <a:p>
-            <a:pPr algn="ctr" eaLnBrk="1" hangingPunct="1">
-              <a:defRPr/>
-            </a:pPr>
-            <a:r>
-              <a:rPr lang="en-GB" sz="1600" dirty="0">
-                <a:solidFill>
-                  <a:schemeClr val="tx1"/>
-                </a:solidFill>
-                <a:latin typeface="Courier New"/>
-                <a:ea typeface="ＭＳ Ｐゴシック" charset="0"/>
-                <a:cs typeface="Courier New"/>
-              </a:rPr>
-              <a:t>DataFrame</a:t>
-            </a:r>
-            <a:r>
-              <a:rPr lang="en-GB" sz="1600" dirty="0">
-                <a:solidFill>
-                  <a:schemeClr val="tx1"/>
-                </a:solidFill>
-                <a:latin typeface="+mn-lt"/>
-                <a:ea typeface="ＭＳ Ｐゴシック" charset="0"/>
-                <a:cs typeface="Arial"/>
-              </a:rPr>
-              <a:t> from hierarchical indexed </a:t>
-            </a:r>
-            <a:r>
-              <a:rPr lang="en-GB" sz="1600" dirty="0">
-                <a:solidFill>
-                  <a:schemeClr val="tx1"/>
-                </a:solidFill>
-                <a:latin typeface="Courier New"/>
-                <a:ea typeface="ＭＳ Ｐゴシック" charset="0"/>
-                <a:cs typeface="Courier New"/>
-              </a:rPr>
-              <a:t>Series</a:t>
-            </a:r>
-            <a:endParaRPr lang="en-US" sz="1600" dirty="0">
-              <a:solidFill>
-                <a:schemeClr val="tx1"/>
-              </a:solidFill>
-              <a:latin typeface="Courier New"/>
-              <a:ea typeface="ＭＳ Ｐゴシック" charset="0"/>
-              <a:cs typeface="Courier New"/>
-            </a:endParaRPr>
-          </a:p>
-        </p:txBody>
-      </p:sp>
-    </p:spTree>
-    <p:extLst>
-      <p:ext uri="{BB962C8B-B14F-4D97-AF65-F5344CB8AC3E}">
-        <p14:creationId xmlns:p14="http://schemas.microsoft.com/office/powerpoint/2010/main" val="795784978"/>
-      </p:ext>
-    </p:extLst>
-  </p:cSld>
-  <p:clrMapOvr>
-    <a:masterClrMapping/>
-  </p:clrMapOvr>
-</p:sld>
-</file>
-
-<file path=ppt/slides/slide5.xml><?xml version="1.0" encoding="utf-8"?>
-<p:sld xmlns:a="http://schemas.openxmlformats.org/drawingml/2006/main" xmlns:r="http://schemas.openxmlformats.org/officeDocument/2006/relationships" xmlns:p="http://schemas.openxmlformats.org/presentationml/2006/main">
-  <p:cSld>
-    <p:spTree>
-      <p:nvGrpSpPr>
-        <p:cNvPr id="1" name=""/>
-        <p:cNvGrpSpPr/>
-        <p:nvPr/>
-      </p:nvGrpSpPr>
-      <p:grpSpPr>
-        <a:xfrm>
-          <a:off x="0" y="0"/>
-          <a:ext cx="0" cy="0"/>
-          <a:chOff x="0" y="0"/>
-          <a:chExt cx="0" cy="0"/>
-        </a:xfrm>
-      </p:grpSpPr>
-      <p:sp>
-        <p:nvSpPr>
-          <p:cNvPr id="2" name="Title 1"/>
-          <p:cNvSpPr>
-            <a:spLocks noGrp="1"/>
-          </p:cNvSpPr>
-          <p:nvPr>
-            <p:ph type="title"/>
-          </p:nvPr>
-        </p:nvSpPr>
-        <p:spPr/>
-        <p:txBody>
-          <a:bodyPr/>
-          <a:lstStyle/>
-          <a:p>
-            <a:r>
-              <a:rPr lang="en-US" dirty="0"/>
-              <a:t>Pandas </a:t>
-            </a:r>
-            <a:r>
-              <a:rPr lang="en-US" dirty="0">
-                <a:latin typeface="Courier New" panose="02070309020205020404" pitchFamily="49" charset="0"/>
-                <a:cs typeface="Courier New" panose="02070309020205020404" pitchFamily="49" charset="0"/>
-              </a:rPr>
-              <a:t>Series</a:t>
-            </a:r>
-            <a:r>
-              <a:rPr lang="en-US" dirty="0"/>
-              <a:t> Data Structure</a:t>
-            </a:r>
-          </a:p>
-        </p:txBody>
-      </p:sp>
-      <p:sp>
-        <p:nvSpPr>
-          <p:cNvPr id="3" name="Content Placeholder 2"/>
-          <p:cNvSpPr>
-            <a:spLocks noGrp="1"/>
-          </p:cNvSpPr>
-          <p:nvPr>
-            <p:ph idx="1"/>
-          </p:nvPr>
-        </p:nvSpPr>
-        <p:spPr/>
-        <p:txBody>
-          <a:bodyPr/>
-          <a:lstStyle/>
-          <a:p>
-            <a:r>
-              <a:rPr lang="en-US" dirty="0"/>
-              <a:t>Pandas provides the </a:t>
-            </a:r>
-            <a:r>
-              <a:rPr lang="en-US" dirty="0">
-                <a:latin typeface="Courier New"/>
-                <a:cs typeface="Courier New"/>
-              </a:rPr>
-              <a:t>Series</a:t>
-            </a:r>
-            <a:r>
-              <a:rPr lang="en-US" dirty="0"/>
-              <a:t> data structure</a:t>
-            </a:r>
-          </a:p>
-          <a:p>
-            <a:pPr lvl="1"/>
-            <a:r>
-              <a:rPr lang="en-US" dirty="0"/>
-              <a:t>A one-dimensional array-like object</a:t>
-            </a:r>
-          </a:p>
-          <a:p>
-            <a:r>
-              <a:rPr lang="en-US" dirty="0"/>
-              <a:t>Contains:</a:t>
-            </a:r>
-          </a:p>
-          <a:p>
-            <a:pPr lvl="1"/>
-            <a:r>
-              <a:rPr lang="en-US" dirty="0"/>
-              <a:t>Array of data</a:t>
-            </a:r>
-          </a:p>
-          <a:p>
-            <a:pPr lvl="1"/>
-            <a:r>
-              <a:rPr lang="en-US" dirty="0"/>
-              <a:t>Array of data labels known as the index</a:t>
-            </a:r>
-          </a:p>
-          <a:p>
-            <a:r>
-              <a:rPr lang="en-US" dirty="0">
-                <a:latin typeface="Courier New"/>
-                <a:cs typeface="Courier New"/>
-              </a:rPr>
-              <a:t>Series</a:t>
-            </a:r>
-            <a:r>
-              <a:rPr lang="en-US" dirty="0"/>
-              <a:t> object has </a:t>
-            </a:r>
-            <a:r>
-              <a:rPr lang="en-US" dirty="0">
-                <a:latin typeface="Courier New"/>
-                <a:cs typeface="Courier New"/>
-              </a:rPr>
-              <a:t>values</a:t>
-            </a:r>
-            <a:r>
-              <a:rPr lang="en-US" dirty="0"/>
-              <a:t> and </a:t>
-            </a:r>
-            <a:r>
-              <a:rPr lang="en-US" dirty="0">
-                <a:latin typeface="Courier New"/>
-                <a:cs typeface="Courier New"/>
-              </a:rPr>
-              <a:t>index</a:t>
-            </a:r>
-            <a:r>
-              <a:rPr lang="en-US" dirty="0"/>
-              <a:t> properties</a:t>
-            </a:r>
-          </a:p>
-          <a:p>
-            <a:r>
-              <a:rPr lang="en-US" dirty="0"/>
-              <a:t>Can be thought of as a fixed-length dictionary</a:t>
-            </a:r>
-          </a:p>
-        </p:txBody>
-      </p:sp>
-    </p:spTree>
-    <p:extLst>
-      <p:ext uri="{BB962C8B-B14F-4D97-AF65-F5344CB8AC3E}">
-        <p14:creationId xmlns:p14="http://schemas.microsoft.com/office/powerpoint/2010/main" val="2954328898"/>
-      </p:ext>
-    </p:extLst>
-  </p:cSld>
-  <p:clrMapOvr>
-    <a:masterClrMapping/>
-  </p:clrMapOvr>
-</p:sld>
-</file>
-
-<file path=ppt/slides/slide50.xml><?xml version="1.0" encoding="utf-8"?>
-<p:sld xmlns:a="http://schemas.openxmlformats.org/drawingml/2006/main" xmlns:r="http://schemas.openxmlformats.org/officeDocument/2006/relationships" xmlns:p="http://schemas.openxmlformats.org/presentationml/2006/main">
-  <p:cSld>
-    <p:spTree>
-      <p:nvGrpSpPr>
-        <p:cNvPr id="1" name=""/>
-        <p:cNvGrpSpPr/>
-        <p:nvPr/>
-      </p:nvGrpSpPr>
-      <p:grpSpPr>
-        <a:xfrm>
-          <a:off x="0" y="0"/>
-          <a:ext cx="0" cy="0"/>
-          <a:chOff x="0" y="0"/>
-          <a:chExt cx="0" cy="0"/>
-        </a:xfrm>
-      </p:grpSpPr>
-      <p:sp>
-        <p:nvSpPr>
-          <p:cNvPr id="2" name="Title 1"/>
-          <p:cNvSpPr>
-            <a:spLocks noGrp="1"/>
-          </p:cNvSpPr>
-          <p:nvPr>
-            <p:ph type="title"/>
-          </p:nvPr>
-        </p:nvSpPr>
-        <p:spPr/>
-        <p:txBody>
-          <a:bodyPr/>
-          <a:lstStyle/>
-          <a:p>
-            <a:r>
-              <a:rPr lang="en-US" dirty="0"/>
-              <a:t>Stacking and Unstacking (continued)</a:t>
-            </a:r>
-          </a:p>
-        </p:txBody>
-      </p:sp>
-      <p:sp>
-        <p:nvSpPr>
-          <p:cNvPr id="4" name="TextBox 3"/>
-          <p:cNvSpPr txBox="1">
-            <a:spLocks noChangeArrowheads="1"/>
-          </p:cNvSpPr>
-          <p:nvPr/>
-        </p:nvSpPr>
-        <p:spPr bwMode="auto">
-          <a:xfrm>
-            <a:off x="5522344" y="2561378"/>
-            <a:ext cx="3396027" cy="3785652"/>
-          </a:xfrm>
-          <a:prstGeom prst="rect">
-            <a:avLst/>
-          </a:prstGeom>
-          <a:noFill/>
-          <a:ln w="28575">
-            <a:solidFill>
-              <a:schemeClr val="accent2">
-                <a:lumMod val="20000"/>
-                <a:lumOff val="80000"/>
-              </a:schemeClr>
-            </a:solidFill>
-            <a:miter lim="800000"/>
-            <a:headEnd/>
-            <a:tailEnd/>
-          </a:ln>
-          <a:effectLst/>
-        </p:spPr>
-        <p:txBody>
-          <a:bodyPr wrap="square">
-            <a:spAutoFit/>
-          </a:bodyPr>
-          <a:lstStyle>
-            <a:lvl1pPr eaLnBrk="0" hangingPunct="0">
-              <a:defRPr sz="2400">
-                <a:solidFill>
-                  <a:schemeClr val="bg1"/>
-                </a:solidFill>
-                <a:latin typeface="Arial" panose="020B0604020202020204" pitchFamily="34" charset="0"/>
-                <a:ea typeface="MS PGothic" panose="020B0600070205080204" pitchFamily="34" charset="-128"/>
-              </a:defRPr>
-            </a:lvl1pPr>
-            <a:lvl2pPr marL="742950" indent="-285750" eaLnBrk="0" hangingPunct="0">
-              <a:defRPr sz="2400">
-                <a:solidFill>
-                  <a:schemeClr val="bg1"/>
-                </a:solidFill>
-                <a:latin typeface="Arial" panose="020B0604020202020204" pitchFamily="34" charset="0"/>
-                <a:ea typeface="MS PGothic" panose="020B0600070205080204" pitchFamily="34" charset="-128"/>
-              </a:defRPr>
-            </a:lvl2pPr>
-            <a:lvl3pPr marL="1143000" indent="-228600" eaLnBrk="0" hangingPunct="0">
-              <a:defRPr sz="2400">
-                <a:solidFill>
-                  <a:schemeClr val="bg1"/>
-                </a:solidFill>
-                <a:latin typeface="Arial" panose="020B0604020202020204" pitchFamily="34" charset="0"/>
-                <a:ea typeface="MS PGothic" panose="020B0600070205080204" pitchFamily="34" charset="-128"/>
-              </a:defRPr>
-            </a:lvl3pPr>
-            <a:lvl4pPr marL="1600200" indent="-228600" eaLnBrk="0" hangingPunct="0">
-              <a:defRPr sz="2400">
-                <a:solidFill>
-                  <a:schemeClr val="bg1"/>
-                </a:solidFill>
-                <a:latin typeface="Arial" panose="020B0604020202020204" pitchFamily="34" charset="0"/>
-                <a:ea typeface="MS PGothic" panose="020B0600070205080204" pitchFamily="34" charset="-128"/>
-              </a:defRPr>
-            </a:lvl4pPr>
-            <a:lvl5pPr marL="2057400" indent="-228600" eaLnBrk="0" hangingPunct="0">
-              <a:defRPr sz="2400">
-                <a:solidFill>
-                  <a:schemeClr val="bg1"/>
-                </a:solidFill>
-                <a:latin typeface="Arial" panose="020B0604020202020204" pitchFamily="34" charset="0"/>
-                <a:ea typeface="MS PGothic" panose="020B0600070205080204" pitchFamily="34" charset="-128"/>
-              </a:defRPr>
-            </a:lvl5pPr>
-            <a:lvl6pPr marL="2514600" indent="-228600" eaLnBrk="0" fontAlgn="base" hangingPunct="0">
-              <a:spcBef>
-                <a:spcPct val="0"/>
-              </a:spcBef>
-              <a:spcAft>
-                <a:spcPct val="0"/>
-              </a:spcAft>
-              <a:defRPr sz="2400">
-                <a:solidFill>
-                  <a:schemeClr val="bg1"/>
-                </a:solidFill>
-                <a:latin typeface="Arial" panose="020B0604020202020204" pitchFamily="34" charset="0"/>
-                <a:ea typeface="MS PGothic" panose="020B0600070205080204" pitchFamily="34" charset="-128"/>
-              </a:defRPr>
-            </a:lvl6pPr>
-            <a:lvl7pPr marL="2971800" indent="-228600" eaLnBrk="0" fontAlgn="base" hangingPunct="0">
-              <a:spcBef>
-                <a:spcPct val="0"/>
-              </a:spcBef>
-              <a:spcAft>
-                <a:spcPct val="0"/>
-              </a:spcAft>
-              <a:defRPr sz="2400">
-                <a:solidFill>
-                  <a:schemeClr val="bg1"/>
-                </a:solidFill>
-                <a:latin typeface="Arial" panose="020B0604020202020204" pitchFamily="34" charset="0"/>
-                <a:ea typeface="MS PGothic" panose="020B0600070205080204" pitchFamily="34" charset="-128"/>
-              </a:defRPr>
-            </a:lvl7pPr>
-            <a:lvl8pPr marL="3429000" indent="-228600" eaLnBrk="0" fontAlgn="base" hangingPunct="0">
-              <a:spcBef>
-                <a:spcPct val="0"/>
-              </a:spcBef>
-              <a:spcAft>
-                <a:spcPct val="0"/>
-              </a:spcAft>
-              <a:defRPr sz="2400">
-                <a:solidFill>
-                  <a:schemeClr val="bg1"/>
-                </a:solidFill>
-                <a:latin typeface="Arial" panose="020B0604020202020204" pitchFamily="34" charset="0"/>
-                <a:ea typeface="MS PGothic" panose="020B0600070205080204" pitchFamily="34" charset="-128"/>
-              </a:defRPr>
-            </a:lvl8pPr>
-            <a:lvl9pPr marL="3886200" indent="-228600" eaLnBrk="0" fontAlgn="base" hangingPunct="0">
-              <a:spcBef>
-                <a:spcPct val="0"/>
-              </a:spcBef>
-              <a:spcAft>
-                <a:spcPct val="0"/>
-              </a:spcAft>
-              <a:defRPr sz="2400">
-                <a:solidFill>
-                  <a:schemeClr val="bg1"/>
-                </a:solidFill>
-                <a:latin typeface="Arial" panose="020B0604020202020204" pitchFamily="34" charset="0"/>
-                <a:ea typeface="MS PGothic" panose="020B0600070205080204" pitchFamily="34" charset="-128"/>
-              </a:defRPr>
-            </a:lvl9pPr>
-          </a:lstStyle>
-          <a:p>
-            <a:r>
-              <a:rPr lang="pt-BR" sz="1600" b="1" dirty="0">
-                <a:solidFill>
-                  <a:schemeClr val="tx1"/>
-                </a:solidFill>
-                <a:latin typeface="Courier New"/>
-                <a:cs typeface="Courier New"/>
-              </a:rPr>
-              <a:t>print (data_frame.stack())</a:t>
-            </a:r>
-          </a:p>
-          <a:p>
-            <a:r>
-              <a:rPr lang="mr-IN" sz="1600" dirty="0">
-                <a:solidFill>
-                  <a:schemeClr val="tx1"/>
-                </a:solidFill>
-                <a:latin typeface="Courier New"/>
-                <a:cs typeface="Courier New"/>
-              </a:rPr>
-              <a:t> </a:t>
-            </a:r>
-          </a:p>
-          <a:p>
-            <a:r>
-              <a:rPr lang="de-DE" sz="1600" dirty="0">
-                <a:solidFill>
-                  <a:schemeClr val="tx1"/>
-                </a:solidFill>
-                <a:latin typeface="Courier New"/>
-                <a:cs typeface="Courier New"/>
-              </a:rPr>
-              <a:t>A  1    0.498512</a:t>
-            </a:r>
-          </a:p>
-          <a:p>
-            <a:r>
-              <a:rPr lang="de-DE" sz="1600" dirty="0">
-                <a:solidFill>
-                  <a:schemeClr val="tx1"/>
-                </a:solidFill>
-                <a:latin typeface="Courier New"/>
-                <a:cs typeface="Courier New"/>
-              </a:rPr>
-              <a:t>   2    0.504765</a:t>
-            </a:r>
-          </a:p>
-          <a:p>
-            <a:r>
-              <a:rPr lang="de-DE" sz="1600" dirty="0">
-                <a:solidFill>
-                  <a:schemeClr val="tx1"/>
-                </a:solidFill>
-                <a:latin typeface="Courier New"/>
-                <a:cs typeface="Courier New"/>
-              </a:rPr>
-              <a:t>   3    1.173850</a:t>
-            </a:r>
-          </a:p>
-          <a:p>
-            <a:r>
-              <a:rPr lang="de-DE" sz="1600" dirty="0">
-                <a:solidFill>
-                  <a:schemeClr val="tx1"/>
-                </a:solidFill>
-                <a:latin typeface="Courier New"/>
-                <a:cs typeface="Courier New"/>
-              </a:rPr>
-              <a:t>   4   -1.336820</a:t>
-            </a:r>
-          </a:p>
-          <a:p>
-            <a:r>
-              <a:rPr lang="de-DE" sz="1600" dirty="0">
-                <a:solidFill>
-                  <a:schemeClr val="tx1"/>
-                </a:solidFill>
-                <a:latin typeface="Courier New"/>
-                <a:cs typeface="Courier New"/>
-              </a:rPr>
-              <a:t>B  1   -1.262746</a:t>
-            </a:r>
-          </a:p>
-          <a:p>
-            <a:r>
-              <a:rPr lang="de-DE" sz="1600" dirty="0">
-                <a:solidFill>
-                  <a:schemeClr val="tx1"/>
-                </a:solidFill>
-                <a:latin typeface="Courier New"/>
-                <a:cs typeface="Courier New"/>
-              </a:rPr>
-              <a:t>   2   -0.164154</a:t>
-            </a:r>
-          </a:p>
-          <a:p>
-            <a:r>
-              <a:rPr lang="de-DE" sz="1600" dirty="0">
-                <a:solidFill>
-                  <a:schemeClr val="tx1"/>
-                </a:solidFill>
-                <a:latin typeface="Courier New"/>
-                <a:cs typeface="Courier New"/>
-              </a:rPr>
-              <a:t>   3   -1.105161</a:t>
-            </a:r>
-          </a:p>
-          <a:p>
-            <a:r>
-              <a:rPr lang="de-DE" sz="1600" dirty="0">
-                <a:solidFill>
-                  <a:schemeClr val="tx1"/>
-                </a:solidFill>
-                <a:latin typeface="Courier New"/>
-                <a:cs typeface="Courier New"/>
-              </a:rPr>
-              <a:t>   4   -0.781278</a:t>
-            </a:r>
-          </a:p>
-          <a:p>
-            <a:r>
-              <a:rPr lang="de-DE" sz="1600" dirty="0">
-                <a:solidFill>
-                  <a:schemeClr val="tx1"/>
-                </a:solidFill>
-                <a:latin typeface="Courier New"/>
-                <a:cs typeface="Courier New"/>
-              </a:rPr>
-              <a:t>C  1   -1.309080</a:t>
-            </a:r>
-          </a:p>
-          <a:p>
-            <a:r>
-              <a:rPr lang="de-DE" sz="1600" dirty="0">
-                <a:solidFill>
-                  <a:schemeClr val="tx1"/>
-                </a:solidFill>
-                <a:latin typeface="Courier New"/>
-                <a:cs typeface="Courier New"/>
-              </a:rPr>
-              <a:t>   2   -1.078479</a:t>
-            </a:r>
-          </a:p>
-          <a:p>
-            <a:r>
-              <a:rPr lang="de-DE" sz="1600" dirty="0">
-                <a:solidFill>
-                  <a:schemeClr val="tx1"/>
-                </a:solidFill>
-                <a:latin typeface="Courier New"/>
-                <a:cs typeface="Courier New"/>
-              </a:rPr>
-              <a:t>   3    0.515532</a:t>
-            </a:r>
-          </a:p>
-          <a:p>
-            <a:r>
-              <a:rPr lang="de-DE" sz="1600" dirty="0">
-                <a:solidFill>
-                  <a:schemeClr val="tx1"/>
-                </a:solidFill>
-                <a:latin typeface="Courier New"/>
-                <a:cs typeface="Courier New"/>
-              </a:rPr>
-              <a:t>   4    0.052269</a:t>
-            </a:r>
-          </a:p>
-          <a:p>
-            <a:r>
-              <a:rPr lang="de-DE" sz="1600" dirty="0" err="1">
-                <a:solidFill>
-                  <a:schemeClr val="tx1"/>
-                </a:solidFill>
-                <a:latin typeface="Courier New"/>
-                <a:cs typeface="Courier New"/>
-              </a:rPr>
-              <a:t>dtype</a:t>
-            </a:r>
-            <a:r>
-              <a:rPr lang="de-DE" sz="1600" dirty="0">
-                <a:solidFill>
-                  <a:schemeClr val="tx1"/>
-                </a:solidFill>
-                <a:latin typeface="Courier New"/>
-                <a:cs typeface="Courier New"/>
-              </a:rPr>
-              <a:t>: float64</a:t>
-            </a:r>
-            <a:endParaRPr lang="mr-IN" sz="1600" dirty="0">
-              <a:solidFill>
-                <a:schemeClr val="tx1"/>
-              </a:solidFill>
-              <a:latin typeface="Courier New"/>
-              <a:cs typeface="Courier New"/>
-            </a:endParaRPr>
-          </a:p>
-        </p:txBody>
-      </p:sp>
-      <p:sp>
-        <p:nvSpPr>
-          <p:cNvPr id="5" name="TextBox 4"/>
-          <p:cNvSpPr txBox="1">
-            <a:spLocks noChangeArrowheads="1"/>
-          </p:cNvSpPr>
-          <p:nvPr/>
-        </p:nvSpPr>
-        <p:spPr bwMode="auto">
-          <a:xfrm>
-            <a:off x="228773" y="1238464"/>
-            <a:ext cx="5223588" cy="1815882"/>
-          </a:xfrm>
-          <a:prstGeom prst="rect">
-            <a:avLst/>
-          </a:prstGeom>
-          <a:noFill/>
-          <a:ln w="28575">
-            <a:solidFill>
-              <a:schemeClr val="accent2">
-                <a:lumMod val="20000"/>
-                <a:lumOff val="80000"/>
-              </a:schemeClr>
-            </a:solidFill>
-            <a:miter lim="800000"/>
-            <a:headEnd/>
-            <a:tailEnd/>
-          </a:ln>
-          <a:effectLst/>
-        </p:spPr>
-        <p:txBody>
-          <a:bodyPr wrap="square">
-            <a:spAutoFit/>
-          </a:bodyPr>
-          <a:lstStyle>
-            <a:lvl1pPr eaLnBrk="0" hangingPunct="0">
-              <a:defRPr sz="2400">
-                <a:solidFill>
-                  <a:schemeClr val="bg1"/>
-                </a:solidFill>
-                <a:latin typeface="Arial" panose="020B0604020202020204" pitchFamily="34" charset="0"/>
-                <a:ea typeface="MS PGothic" panose="020B0600070205080204" pitchFamily="34" charset="-128"/>
-              </a:defRPr>
-            </a:lvl1pPr>
-            <a:lvl2pPr marL="742950" indent="-285750" eaLnBrk="0" hangingPunct="0">
-              <a:defRPr sz="2400">
-                <a:solidFill>
-                  <a:schemeClr val="bg1"/>
-                </a:solidFill>
-                <a:latin typeface="Arial" panose="020B0604020202020204" pitchFamily="34" charset="0"/>
-                <a:ea typeface="MS PGothic" panose="020B0600070205080204" pitchFamily="34" charset="-128"/>
-              </a:defRPr>
-            </a:lvl2pPr>
-            <a:lvl3pPr marL="1143000" indent="-228600" eaLnBrk="0" hangingPunct="0">
-              <a:defRPr sz="2400">
-                <a:solidFill>
-                  <a:schemeClr val="bg1"/>
-                </a:solidFill>
-                <a:latin typeface="Arial" panose="020B0604020202020204" pitchFamily="34" charset="0"/>
-                <a:ea typeface="MS PGothic" panose="020B0600070205080204" pitchFamily="34" charset="-128"/>
-              </a:defRPr>
-            </a:lvl3pPr>
-            <a:lvl4pPr marL="1600200" indent="-228600" eaLnBrk="0" hangingPunct="0">
-              <a:defRPr sz="2400">
-                <a:solidFill>
-                  <a:schemeClr val="bg1"/>
-                </a:solidFill>
-                <a:latin typeface="Arial" panose="020B0604020202020204" pitchFamily="34" charset="0"/>
-                <a:ea typeface="MS PGothic" panose="020B0600070205080204" pitchFamily="34" charset="-128"/>
-              </a:defRPr>
-            </a:lvl4pPr>
-            <a:lvl5pPr marL="2057400" indent="-228600" eaLnBrk="0" hangingPunct="0">
-              <a:defRPr sz="2400">
-                <a:solidFill>
-                  <a:schemeClr val="bg1"/>
-                </a:solidFill>
-                <a:latin typeface="Arial" panose="020B0604020202020204" pitchFamily="34" charset="0"/>
-                <a:ea typeface="MS PGothic" panose="020B0600070205080204" pitchFamily="34" charset="-128"/>
-              </a:defRPr>
-            </a:lvl5pPr>
-            <a:lvl6pPr marL="2514600" indent="-228600" eaLnBrk="0" fontAlgn="base" hangingPunct="0">
-              <a:spcBef>
-                <a:spcPct val="0"/>
-              </a:spcBef>
-              <a:spcAft>
-                <a:spcPct val="0"/>
-              </a:spcAft>
-              <a:defRPr sz="2400">
-                <a:solidFill>
-                  <a:schemeClr val="bg1"/>
-                </a:solidFill>
-                <a:latin typeface="Arial" panose="020B0604020202020204" pitchFamily="34" charset="0"/>
-                <a:ea typeface="MS PGothic" panose="020B0600070205080204" pitchFamily="34" charset="-128"/>
-              </a:defRPr>
-            </a:lvl6pPr>
-            <a:lvl7pPr marL="2971800" indent="-228600" eaLnBrk="0" fontAlgn="base" hangingPunct="0">
-              <a:spcBef>
-                <a:spcPct val="0"/>
-              </a:spcBef>
-              <a:spcAft>
-                <a:spcPct val="0"/>
-              </a:spcAft>
-              <a:defRPr sz="2400">
-                <a:solidFill>
-                  <a:schemeClr val="bg1"/>
-                </a:solidFill>
-                <a:latin typeface="Arial" panose="020B0604020202020204" pitchFamily="34" charset="0"/>
-                <a:ea typeface="MS PGothic" panose="020B0600070205080204" pitchFamily="34" charset="-128"/>
-              </a:defRPr>
-            </a:lvl7pPr>
-            <a:lvl8pPr marL="3429000" indent="-228600" eaLnBrk="0" fontAlgn="base" hangingPunct="0">
-              <a:spcBef>
-                <a:spcPct val="0"/>
-              </a:spcBef>
-              <a:spcAft>
-                <a:spcPct val="0"/>
-              </a:spcAft>
-              <a:defRPr sz="2400">
-                <a:solidFill>
-                  <a:schemeClr val="bg1"/>
-                </a:solidFill>
-                <a:latin typeface="Arial" panose="020B0604020202020204" pitchFamily="34" charset="0"/>
-                <a:ea typeface="MS PGothic" panose="020B0600070205080204" pitchFamily="34" charset="-128"/>
-              </a:defRPr>
-            </a:lvl8pPr>
-            <a:lvl9pPr marL="3886200" indent="-228600" eaLnBrk="0" fontAlgn="base" hangingPunct="0">
-              <a:spcBef>
-                <a:spcPct val="0"/>
-              </a:spcBef>
-              <a:spcAft>
-                <a:spcPct val="0"/>
-              </a:spcAft>
-              <a:defRPr sz="2400">
-                <a:solidFill>
-                  <a:schemeClr val="bg1"/>
-                </a:solidFill>
-                <a:latin typeface="Arial" panose="020B0604020202020204" pitchFamily="34" charset="0"/>
-                <a:ea typeface="MS PGothic" panose="020B0600070205080204" pitchFamily="34" charset="-128"/>
-              </a:defRPr>
-            </a:lvl9pPr>
-          </a:lstStyle>
-          <a:p>
-            <a:r>
-              <a:rPr lang="en-US" sz="1600" b="1" dirty="0">
-                <a:solidFill>
-                  <a:schemeClr val="tx1"/>
-                </a:solidFill>
-                <a:latin typeface="Courier New"/>
-                <a:cs typeface="Courier New"/>
-              </a:rPr>
-              <a:t>data_frame = data.unstack()</a:t>
-            </a:r>
-          </a:p>
-          <a:p>
-            <a:r>
-              <a:rPr lang="pt-BR" sz="1600" b="1" dirty="0">
-                <a:solidFill>
-                  <a:schemeClr val="tx1"/>
-                </a:solidFill>
-                <a:latin typeface="Courier New"/>
-                <a:cs typeface="Courier New"/>
-              </a:rPr>
-              <a:t>print (data_frame)</a:t>
-            </a:r>
-          </a:p>
-          <a:p>
-            <a:endParaRPr lang="pt-BR" sz="1600" dirty="0">
-              <a:solidFill>
-                <a:schemeClr val="tx1"/>
-              </a:solidFill>
-              <a:latin typeface="Courier New"/>
-              <a:cs typeface="Courier New"/>
-            </a:endParaRPr>
-          </a:p>
-          <a:p>
-            <a:r>
-              <a:rPr lang="de-DE" sz="1600" dirty="0">
-                <a:solidFill>
-                  <a:schemeClr val="tx1"/>
-                </a:solidFill>
-                <a:latin typeface="Courier New"/>
-                <a:cs typeface="Courier New"/>
-              </a:rPr>
-              <a:t>          1         2         3         4</a:t>
-            </a:r>
-          </a:p>
-          <a:p>
-            <a:r>
-              <a:rPr lang="mr-IN" sz="1600" dirty="0">
-                <a:solidFill>
-                  <a:schemeClr val="tx1"/>
-                </a:solidFill>
-                <a:latin typeface="Courier New"/>
-                <a:cs typeface="Courier New"/>
-              </a:rPr>
-              <a:t>A  0.498512  0.504765  1.173850 -1.336820</a:t>
-            </a:r>
-          </a:p>
-          <a:p>
-            <a:r>
-              <a:rPr lang="is-IS" sz="1600" dirty="0">
-                <a:solidFill>
-                  <a:schemeClr val="tx1"/>
-                </a:solidFill>
-                <a:latin typeface="Courier New"/>
-                <a:cs typeface="Courier New"/>
-              </a:rPr>
-              <a:t>B -1.262746 -0.164154 -1.105161 -0.781278</a:t>
-            </a:r>
-          </a:p>
-          <a:p>
-            <a:r>
-              <a:rPr lang="de-DE" sz="1600" dirty="0">
-                <a:solidFill>
-                  <a:schemeClr val="tx1"/>
-                </a:solidFill>
-                <a:latin typeface="Courier New"/>
-                <a:cs typeface="Courier New"/>
-              </a:rPr>
-              <a:t>C -1.309080 -1.078479  0.515532  0.052269</a:t>
-            </a:r>
-            <a:endParaRPr lang="mr-IN" sz="1600" dirty="0">
-              <a:solidFill>
-                <a:schemeClr val="tx1"/>
-              </a:solidFill>
-              <a:latin typeface="Courier New"/>
-              <a:cs typeface="Courier New"/>
-            </a:endParaRPr>
-          </a:p>
-        </p:txBody>
-      </p:sp>
-      <p:sp>
-        <p:nvSpPr>
-          <p:cNvPr id="7" name="Rectangular Callout 6"/>
-          <p:cNvSpPr>
-            <a:spLocks noChangeArrowheads="1"/>
-          </p:cNvSpPr>
-          <p:nvPr/>
-        </p:nvSpPr>
-        <p:spPr bwMode="auto">
-          <a:xfrm>
-            <a:off x="2005926" y="4646095"/>
-            <a:ext cx="2677595" cy="584776"/>
-          </a:xfrm>
-          <a:prstGeom prst="wedgeRectCallout">
-            <a:avLst>
-              <a:gd name="adj1" fmla="val 90613"/>
-              <a:gd name="adj2" fmla="val -353599"/>
-            </a:avLst>
-          </a:prstGeom>
-          <a:solidFill>
-            <a:schemeClr val="accent2">
-              <a:lumMod val="20000"/>
-              <a:lumOff val="80000"/>
-            </a:schemeClr>
-          </a:solidFill>
-          <a:ln w="9525">
-            <a:noFill/>
-            <a:round/>
-            <a:headEnd/>
-            <a:tailEnd/>
-          </a:ln>
-          <a:effectLst/>
-        </p:spPr>
-        <p:txBody>
-          <a:bodyPr wrap="square" anchor="ctr">
-            <a:spAutoFit/>
-          </a:bodyPr>
-          <a:lstStyle/>
-          <a:p>
-            <a:pPr algn="ctr" eaLnBrk="1" hangingPunct="1">
-              <a:defRPr/>
-            </a:pPr>
-            <a:r>
-              <a:rPr lang="en-GB" sz="1600" dirty="0">
-                <a:solidFill>
-                  <a:schemeClr val="tx1"/>
-                </a:solidFill>
-                <a:latin typeface="+mn-lt"/>
-                <a:ea typeface="ＭＳ Ｐゴシック" charset="0"/>
-                <a:cs typeface="Arial"/>
-              </a:rPr>
-              <a:t>Hierarchical indexed </a:t>
-            </a:r>
-            <a:r>
-              <a:rPr lang="en-GB" sz="1600" dirty="0">
-                <a:solidFill>
-                  <a:schemeClr val="tx1"/>
-                </a:solidFill>
-                <a:latin typeface="Courier New"/>
-                <a:ea typeface="ＭＳ Ｐゴシック" charset="0"/>
-                <a:cs typeface="Courier New"/>
-              </a:rPr>
-              <a:t>Series</a:t>
-            </a:r>
-            <a:r>
-              <a:rPr lang="en-GB" sz="1600" dirty="0">
-                <a:solidFill>
-                  <a:schemeClr val="tx1"/>
-                </a:solidFill>
-                <a:latin typeface="+mn-lt"/>
-                <a:ea typeface="ＭＳ Ｐゴシック" charset="0"/>
-                <a:cs typeface="Courier New"/>
-              </a:rPr>
-              <a:t> </a:t>
-            </a:r>
-            <a:r>
-              <a:rPr lang="en-GB" sz="1600" dirty="0">
-                <a:solidFill>
-                  <a:schemeClr val="tx1"/>
-                </a:solidFill>
-                <a:latin typeface="+mn-lt"/>
-                <a:ea typeface="ＭＳ Ｐゴシック" charset="0"/>
-                <a:cs typeface="Arial"/>
-              </a:rPr>
-              <a:t>from </a:t>
-            </a:r>
-            <a:r>
-              <a:rPr lang="en-GB" sz="1600" dirty="0">
-                <a:solidFill>
-                  <a:schemeClr val="tx1"/>
-                </a:solidFill>
-                <a:latin typeface="Courier New"/>
-                <a:ea typeface="ＭＳ Ｐゴシック" charset="0"/>
-                <a:cs typeface="Courier New"/>
-              </a:rPr>
-              <a:t>DataFrame</a:t>
-            </a:r>
-            <a:endParaRPr lang="en-US" sz="1600" dirty="0">
-              <a:solidFill>
-                <a:schemeClr val="tx1"/>
-              </a:solidFill>
-              <a:latin typeface="Courier New"/>
-              <a:ea typeface="ＭＳ Ｐゴシック" charset="0"/>
-              <a:cs typeface="Courier New"/>
-            </a:endParaRPr>
-          </a:p>
-        </p:txBody>
-      </p:sp>
-    </p:spTree>
-    <p:extLst>
-      <p:ext uri="{BB962C8B-B14F-4D97-AF65-F5344CB8AC3E}">
-        <p14:creationId xmlns:p14="http://schemas.microsoft.com/office/powerpoint/2010/main" val="2017787100"/>
-      </p:ext>
-    </p:extLst>
-  </p:cSld>
-  <p:clrMapOvr>
-    <a:masterClrMapping/>
-  </p:clrMapOvr>
-</p:sld>
-</file>
-
-<file path=ppt/slides/slide51.xml><?xml version="1.0" encoding="utf-8"?>
-<p:sld xmlns:a="http://schemas.openxmlformats.org/drawingml/2006/main" xmlns:r="http://schemas.openxmlformats.org/officeDocument/2006/relationships" xmlns:p="http://schemas.openxmlformats.org/presentationml/2006/main">
-  <p:cSld>
-    <p:spTree>
-      <p:nvGrpSpPr>
-        <p:cNvPr id="1" name=""/>
-        <p:cNvGrpSpPr/>
-        <p:nvPr/>
-      </p:nvGrpSpPr>
-      <p:grpSpPr>
-        <a:xfrm>
-          <a:off x="0" y="0"/>
-          <a:ext cx="0" cy="0"/>
-          <a:chOff x="0" y="0"/>
-          <a:chExt cx="0" cy="0"/>
-        </a:xfrm>
-      </p:grpSpPr>
-      <p:sp>
-        <p:nvSpPr>
-          <p:cNvPr id="2" name="Title 1"/>
-          <p:cNvSpPr>
-            <a:spLocks noGrp="1"/>
-          </p:cNvSpPr>
-          <p:nvPr>
-            <p:ph type="title"/>
-          </p:nvPr>
-        </p:nvSpPr>
-        <p:spPr/>
-        <p:txBody>
-          <a:bodyPr/>
-          <a:lstStyle/>
-          <a:p>
-            <a:r>
-              <a:rPr lang="en-US" dirty="0"/>
-              <a:t>Summary Statistics by Level</a:t>
-            </a:r>
-          </a:p>
-        </p:txBody>
-      </p:sp>
-      <p:sp>
-        <p:nvSpPr>
-          <p:cNvPr id="3" name="Content Placeholder 2"/>
-          <p:cNvSpPr>
-            <a:spLocks noGrp="1"/>
-          </p:cNvSpPr>
-          <p:nvPr>
-            <p:ph idx="1"/>
-          </p:nvPr>
-        </p:nvSpPr>
-        <p:spPr/>
-        <p:txBody>
-          <a:bodyPr/>
-          <a:lstStyle/>
-          <a:p>
-            <a:r>
-              <a:rPr lang="en-US" dirty="0"/>
-              <a:t>Many statistics methods have a level option allowing you to specify the level to work with</a:t>
-            </a:r>
-          </a:p>
-        </p:txBody>
-      </p:sp>
-      <p:sp>
-        <p:nvSpPr>
-          <p:cNvPr id="4" name="TextBox 3"/>
-          <p:cNvSpPr txBox="1">
-            <a:spLocks noChangeArrowheads="1"/>
-          </p:cNvSpPr>
-          <p:nvPr/>
-        </p:nvSpPr>
-        <p:spPr bwMode="auto">
-          <a:xfrm>
-            <a:off x="893598" y="1964481"/>
-            <a:ext cx="2469258" cy="3785652"/>
-          </a:xfrm>
-          <a:prstGeom prst="rect">
-            <a:avLst/>
-          </a:prstGeom>
-          <a:noFill/>
-          <a:ln w="28575">
-            <a:solidFill>
-              <a:schemeClr val="accent2">
-                <a:lumMod val="20000"/>
-                <a:lumOff val="80000"/>
-              </a:schemeClr>
-            </a:solidFill>
-            <a:miter lim="800000"/>
-            <a:headEnd/>
-            <a:tailEnd/>
-          </a:ln>
-          <a:effectLst/>
-        </p:spPr>
-        <p:txBody>
-          <a:bodyPr wrap="square">
-            <a:spAutoFit/>
-          </a:bodyPr>
-          <a:lstStyle>
-            <a:lvl1pPr eaLnBrk="0" hangingPunct="0">
-              <a:defRPr sz="2400">
-                <a:solidFill>
-                  <a:schemeClr val="bg1"/>
-                </a:solidFill>
-                <a:latin typeface="Arial" panose="020B0604020202020204" pitchFamily="34" charset="0"/>
-                <a:ea typeface="MS PGothic" panose="020B0600070205080204" pitchFamily="34" charset="-128"/>
-              </a:defRPr>
-            </a:lvl1pPr>
-            <a:lvl2pPr marL="742950" indent="-285750" eaLnBrk="0" hangingPunct="0">
-              <a:defRPr sz="2400">
-                <a:solidFill>
-                  <a:schemeClr val="bg1"/>
-                </a:solidFill>
-                <a:latin typeface="Arial" panose="020B0604020202020204" pitchFamily="34" charset="0"/>
-                <a:ea typeface="MS PGothic" panose="020B0600070205080204" pitchFamily="34" charset="-128"/>
-              </a:defRPr>
-            </a:lvl2pPr>
-            <a:lvl3pPr marL="1143000" indent="-228600" eaLnBrk="0" hangingPunct="0">
-              <a:defRPr sz="2400">
-                <a:solidFill>
-                  <a:schemeClr val="bg1"/>
-                </a:solidFill>
-                <a:latin typeface="Arial" panose="020B0604020202020204" pitchFamily="34" charset="0"/>
-                <a:ea typeface="MS PGothic" panose="020B0600070205080204" pitchFamily="34" charset="-128"/>
-              </a:defRPr>
-            </a:lvl3pPr>
-            <a:lvl4pPr marL="1600200" indent="-228600" eaLnBrk="0" hangingPunct="0">
-              <a:defRPr sz="2400">
-                <a:solidFill>
-                  <a:schemeClr val="bg1"/>
-                </a:solidFill>
-                <a:latin typeface="Arial" panose="020B0604020202020204" pitchFamily="34" charset="0"/>
-                <a:ea typeface="MS PGothic" panose="020B0600070205080204" pitchFamily="34" charset="-128"/>
-              </a:defRPr>
-            </a:lvl4pPr>
-            <a:lvl5pPr marL="2057400" indent="-228600" eaLnBrk="0" hangingPunct="0">
-              <a:defRPr sz="2400">
-                <a:solidFill>
-                  <a:schemeClr val="bg1"/>
-                </a:solidFill>
-                <a:latin typeface="Arial" panose="020B0604020202020204" pitchFamily="34" charset="0"/>
-                <a:ea typeface="MS PGothic" panose="020B0600070205080204" pitchFamily="34" charset="-128"/>
-              </a:defRPr>
-            </a:lvl5pPr>
-            <a:lvl6pPr marL="2514600" indent="-228600" eaLnBrk="0" fontAlgn="base" hangingPunct="0">
-              <a:spcBef>
-                <a:spcPct val="0"/>
-              </a:spcBef>
-              <a:spcAft>
-                <a:spcPct val="0"/>
-              </a:spcAft>
-              <a:defRPr sz="2400">
-                <a:solidFill>
-                  <a:schemeClr val="bg1"/>
-                </a:solidFill>
-                <a:latin typeface="Arial" panose="020B0604020202020204" pitchFamily="34" charset="0"/>
-                <a:ea typeface="MS PGothic" panose="020B0600070205080204" pitchFamily="34" charset="-128"/>
-              </a:defRPr>
-            </a:lvl6pPr>
-            <a:lvl7pPr marL="2971800" indent="-228600" eaLnBrk="0" fontAlgn="base" hangingPunct="0">
-              <a:spcBef>
-                <a:spcPct val="0"/>
-              </a:spcBef>
-              <a:spcAft>
-                <a:spcPct val="0"/>
-              </a:spcAft>
-              <a:defRPr sz="2400">
-                <a:solidFill>
-                  <a:schemeClr val="bg1"/>
-                </a:solidFill>
-                <a:latin typeface="Arial" panose="020B0604020202020204" pitchFamily="34" charset="0"/>
-                <a:ea typeface="MS PGothic" panose="020B0600070205080204" pitchFamily="34" charset="-128"/>
-              </a:defRPr>
-            </a:lvl7pPr>
-            <a:lvl8pPr marL="3429000" indent="-228600" eaLnBrk="0" fontAlgn="base" hangingPunct="0">
-              <a:spcBef>
-                <a:spcPct val="0"/>
-              </a:spcBef>
-              <a:spcAft>
-                <a:spcPct val="0"/>
-              </a:spcAft>
-              <a:defRPr sz="2400">
-                <a:solidFill>
-                  <a:schemeClr val="bg1"/>
-                </a:solidFill>
-                <a:latin typeface="Arial" panose="020B0604020202020204" pitchFamily="34" charset="0"/>
-                <a:ea typeface="MS PGothic" panose="020B0600070205080204" pitchFamily="34" charset="-128"/>
-              </a:defRPr>
-            </a:lvl8pPr>
-            <a:lvl9pPr marL="3886200" indent="-228600" eaLnBrk="0" fontAlgn="base" hangingPunct="0">
-              <a:spcBef>
-                <a:spcPct val="0"/>
-              </a:spcBef>
-              <a:spcAft>
-                <a:spcPct val="0"/>
-              </a:spcAft>
-              <a:defRPr sz="2400">
-                <a:solidFill>
-                  <a:schemeClr val="bg1"/>
-                </a:solidFill>
-                <a:latin typeface="Arial" panose="020B0604020202020204" pitchFamily="34" charset="0"/>
-                <a:ea typeface="MS PGothic" panose="020B0600070205080204" pitchFamily="34" charset="-128"/>
-              </a:defRPr>
-            </a:lvl9pPr>
-          </a:lstStyle>
-          <a:p>
-            <a:r>
-              <a:rPr lang="pt-BR" sz="1600" b="1" dirty="0">
-                <a:solidFill>
-                  <a:schemeClr val="tx1"/>
-                </a:solidFill>
-                <a:latin typeface="Courier New"/>
-                <a:cs typeface="Courier New"/>
-              </a:rPr>
-              <a:t>print (data)</a:t>
-            </a:r>
-          </a:p>
-          <a:p>
-            <a:endParaRPr lang="de-DE" sz="1600" dirty="0">
-              <a:solidFill>
-                <a:schemeClr val="tx1"/>
-              </a:solidFill>
-              <a:latin typeface="Courier New"/>
-              <a:cs typeface="Courier New"/>
-            </a:endParaRPr>
-          </a:p>
-          <a:p>
-            <a:r>
-              <a:rPr lang="de-DE" sz="1600" dirty="0">
-                <a:solidFill>
-                  <a:schemeClr val="tx1"/>
-                </a:solidFill>
-                <a:latin typeface="Courier New"/>
-                <a:cs typeface="Courier New"/>
-              </a:rPr>
-              <a:t>A  1    0.498512</a:t>
-            </a:r>
-          </a:p>
-          <a:p>
-            <a:r>
-              <a:rPr lang="de-DE" sz="1600" dirty="0">
-                <a:solidFill>
-                  <a:schemeClr val="tx1"/>
-                </a:solidFill>
-                <a:latin typeface="Courier New"/>
-                <a:cs typeface="Courier New"/>
-              </a:rPr>
-              <a:t>   2    0.504765</a:t>
-            </a:r>
-          </a:p>
-          <a:p>
-            <a:r>
-              <a:rPr lang="de-DE" sz="1600" dirty="0">
-                <a:solidFill>
-                  <a:schemeClr val="tx1"/>
-                </a:solidFill>
-                <a:latin typeface="Courier New"/>
-                <a:cs typeface="Courier New"/>
-              </a:rPr>
-              <a:t>   3    1.173850</a:t>
-            </a:r>
-          </a:p>
-          <a:p>
-            <a:r>
-              <a:rPr lang="de-DE" sz="1600" dirty="0">
-                <a:solidFill>
-                  <a:schemeClr val="tx1"/>
-                </a:solidFill>
-                <a:latin typeface="Courier New"/>
-                <a:cs typeface="Courier New"/>
-              </a:rPr>
-              <a:t>   4   -1.336820</a:t>
-            </a:r>
-          </a:p>
-          <a:p>
-            <a:r>
-              <a:rPr lang="de-DE" sz="1600" dirty="0">
-                <a:solidFill>
-                  <a:schemeClr val="tx1"/>
-                </a:solidFill>
-                <a:latin typeface="Courier New"/>
-                <a:cs typeface="Courier New"/>
-              </a:rPr>
-              <a:t>B  1   -1.262746</a:t>
-            </a:r>
-          </a:p>
-          <a:p>
-            <a:r>
-              <a:rPr lang="de-DE" sz="1600" dirty="0">
-                <a:solidFill>
-                  <a:schemeClr val="tx1"/>
-                </a:solidFill>
-                <a:latin typeface="Courier New"/>
-                <a:cs typeface="Courier New"/>
-              </a:rPr>
-              <a:t>   2   -0.164154</a:t>
-            </a:r>
-          </a:p>
-          <a:p>
-            <a:r>
-              <a:rPr lang="de-DE" sz="1600" dirty="0">
-                <a:solidFill>
-                  <a:schemeClr val="tx1"/>
-                </a:solidFill>
-                <a:latin typeface="Courier New"/>
-                <a:cs typeface="Courier New"/>
-              </a:rPr>
-              <a:t>   3   -1.105161</a:t>
-            </a:r>
-          </a:p>
-          <a:p>
-            <a:r>
-              <a:rPr lang="de-DE" sz="1600" dirty="0">
-                <a:solidFill>
-                  <a:schemeClr val="tx1"/>
-                </a:solidFill>
-                <a:latin typeface="Courier New"/>
-                <a:cs typeface="Courier New"/>
-              </a:rPr>
-              <a:t>   4   -0.781278</a:t>
-            </a:r>
-          </a:p>
-          <a:p>
-            <a:r>
-              <a:rPr lang="de-DE" sz="1600" dirty="0">
-                <a:solidFill>
-                  <a:schemeClr val="tx1"/>
-                </a:solidFill>
-                <a:latin typeface="Courier New"/>
-                <a:cs typeface="Courier New"/>
-              </a:rPr>
-              <a:t>C  1   -1.309080</a:t>
-            </a:r>
-          </a:p>
-          <a:p>
-            <a:r>
-              <a:rPr lang="de-DE" sz="1600" dirty="0">
-                <a:solidFill>
-                  <a:schemeClr val="tx1"/>
-                </a:solidFill>
-                <a:latin typeface="Courier New"/>
-                <a:cs typeface="Courier New"/>
-              </a:rPr>
-              <a:t>   2   -1.078479</a:t>
-            </a:r>
-          </a:p>
-          <a:p>
-            <a:r>
-              <a:rPr lang="de-DE" sz="1600" dirty="0">
-                <a:solidFill>
-                  <a:schemeClr val="tx1"/>
-                </a:solidFill>
-                <a:latin typeface="Courier New"/>
-                <a:cs typeface="Courier New"/>
-              </a:rPr>
-              <a:t>   3    0.515532</a:t>
-            </a:r>
-          </a:p>
-          <a:p>
-            <a:r>
-              <a:rPr lang="de-DE" sz="1600" dirty="0">
-                <a:solidFill>
-                  <a:schemeClr val="tx1"/>
-                </a:solidFill>
-                <a:latin typeface="Courier New"/>
-                <a:cs typeface="Courier New"/>
-              </a:rPr>
-              <a:t>   4    0.052269</a:t>
-            </a:r>
-          </a:p>
-          <a:p>
-            <a:r>
-              <a:rPr lang="de-DE" sz="1600" dirty="0" err="1">
-                <a:solidFill>
-                  <a:schemeClr val="tx1"/>
-                </a:solidFill>
-                <a:latin typeface="Courier New"/>
-                <a:cs typeface="Courier New"/>
-              </a:rPr>
-              <a:t>dtype</a:t>
-            </a:r>
-            <a:r>
-              <a:rPr lang="de-DE" sz="1600" dirty="0">
-                <a:solidFill>
-                  <a:schemeClr val="tx1"/>
-                </a:solidFill>
-                <a:latin typeface="Courier New"/>
-                <a:cs typeface="Courier New"/>
-              </a:rPr>
-              <a:t>: float64</a:t>
-            </a:r>
-            <a:endParaRPr lang="mr-IN" sz="1600" dirty="0">
-              <a:solidFill>
-                <a:schemeClr val="tx1"/>
-              </a:solidFill>
-              <a:latin typeface="Courier New"/>
-              <a:cs typeface="Courier New"/>
-            </a:endParaRPr>
-          </a:p>
-        </p:txBody>
-      </p:sp>
-      <p:sp>
-        <p:nvSpPr>
-          <p:cNvPr id="6" name="TextBox 5"/>
-          <p:cNvSpPr txBox="1">
-            <a:spLocks noChangeArrowheads="1"/>
-          </p:cNvSpPr>
-          <p:nvPr/>
-        </p:nvSpPr>
-        <p:spPr bwMode="auto">
-          <a:xfrm>
-            <a:off x="3659137" y="3165004"/>
-            <a:ext cx="3382931" cy="1815882"/>
-          </a:xfrm>
-          <a:prstGeom prst="rect">
-            <a:avLst/>
-          </a:prstGeom>
-          <a:noFill/>
-          <a:ln w="28575">
-            <a:solidFill>
-              <a:schemeClr val="accent2">
-                <a:lumMod val="20000"/>
-                <a:lumOff val="80000"/>
-              </a:schemeClr>
-            </a:solidFill>
-            <a:miter lim="800000"/>
-            <a:headEnd/>
-            <a:tailEnd/>
-          </a:ln>
-          <a:effectLst/>
-        </p:spPr>
-        <p:txBody>
-          <a:bodyPr wrap="square">
-            <a:spAutoFit/>
-          </a:bodyPr>
-          <a:lstStyle>
-            <a:lvl1pPr eaLnBrk="0" hangingPunct="0">
-              <a:defRPr sz="2400">
-                <a:solidFill>
-                  <a:schemeClr val="bg1"/>
-                </a:solidFill>
-                <a:latin typeface="Arial" panose="020B0604020202020204" pitchFamily="34" charset="0"/>
-                <a:ea typeface="MS PGothic" panose="020B0600070205080204" pitchFamily="34" charset="-128"/>
-              </a:defRPr>
-            </a:lvl1pPr>
-            <a:lvl2pPr marL="742950" indent="-285750" eaLnBrk="0" hangingPunct="0">
-              <a:defRPr sz="2400">
-                <a:solidFill>
-                  <a:schemeClr val="bg1"/>
-                </a:solidFill>
-                <a:latin typeface="Arial" panose="020B0604020202020204" pitchFamily="34" charset="0"/>
-                <a:ea typeface="MS PGothic" panose="020B0600070205080204" pitchFamily="34" charset="-128"/>
-              </a:defRPr>
-            </a:lvl2pPr>
-            <a:lvl3pPr marL="1143000" indent="-228600" eaLnBrk="0" hangingPunct="0">
-              <a:defRPr sz="2400">
-                <a:solidFill>
-                  <a:schemeClr val="bg1"/>
-                </a:solidFill>
-                <a:latin typeface="Arial" panose="020B0604020202020204" pitchFamily="34" charset="0"/>
-                <a:ea typeface="MS PGothic" panose="020B0600070205080204" pitchFamily="34" charset="-128"/>
-              </a:defRPr>
-            </a:lvl3pPr>
-            <a:lvl4pPr marL="1600200" indent="-228600" eaLnBrk="0" hangingPunct="0">
-              <a:defRPr sz="2400">
-                <a:solidFill>
-                  <a:schemeClr val="bg1"/>
-                </a:solidFill>
-                <a:latin typeface="Arial" panose="020B0604020202020204" pitchFamily="34" charset="0"/>
-                <a:ea typeface="MS PGothic" panose="020B0600070205080204" pitchFamily="34" charset="-128"/>
-              </a:defRPr>
-            </a:lvl4pPr>
-            <a:lvl5pPr marL="2057400" indent="-228600" eaLnBrk="0" hangingPunct="0">
-              <a:defRPr sz="2400">
-                <a:solidFill>
-                  <a:schemeClr val="bg1"/>
-                </a:solidFill>
-                <a:latin typeface="Arial" panose="020B0604020202020204" pitchFamily="34" charset="0"/>
-                <a:ea typeface="MS PGothic" panose="020B0600070205080204" pitchFamily="34" charset="-128"/>
-              </a:defRPr>
-            </a:lvl5pPr>
-            <a:lvl6pPr marL="2514600" indent="-228600" eaLnBrk="0" fontAlgn="base" hangingPunct="0">
-              <a:spcBef>
-                <a:spcPct val="0"/>
-              </a:spcBef>
-              <a:spcAft>
-                <a:spcPct val="0"/>
-              </a:spcAft>
-              <a:defRPr sz="2400">
-                <a:solidFill>
-                  <a:schemeClr val="bg1"/>
-                </a:solidFill>
-                <a:latin typeface="Arial" panose="020B0604020202020204" pitchFamily="34" charset="0"/>
-                <a:ea typeface="MS PGothic" panose="020B0600070205080204" pitchFamily="34" charset="-128"/>
-              </a:defRPr>
-            </a:lvl6pPr>
-            <a:lvl7pPr marL="2971800" indent="-228600" eaLnBrk="0" fontAlgn="base" hangingPunct="0">
-              <a:spcBef>
-                <a:spcPct val="0"/>
-              </a:spcBef>
-              <a:spcAft>
-                <a:spcPct val="0"/>
-              </a:spcAft>
-              <a:defRPr sz="2400">
-                <a:solidFill>
-                  <a:schemeClr val="bg1"/>
-                </a:solidFill>
-                <a:latin typeface="Arial" panose="020B0604020202020204" pitchFamily="34" charset="0"/>
-                <a:ea typeface="MS PGothic" panose="020B0600070205080204" pitchFamily="34" charset="-128"/>
-              </a:defRPr>
-            </a:lvl7pPr>
-            <a:lvl8pPr marL="3429000" indent="-228600" eaLnBrk="0" fontAlgn="base" hangingPunct="0">
-              <a:spcBef>
-                <a:spcPct val="0"/>
-              </a:spcBef>
-              <a:spcAft>
-                <a:spcPct val="0"/>
-              </a:spcAft>
-              <a:defRPr sz="2400">
-                <a:solidFill>
-                  <a:schemeClr val="bg1"/>
-                </a:solidFill>
-                <a:latin typeface="Arial" panose="020B0604020202020204" pitchFamily="34" charset="0"/>
-                <a:ea typeface="MS PGothic" panose="020B0600070205080204" pitchFamily="34" charset="-128"/>
-              </a:defRPr>
-            </a:lvl8pPr>
-            <a:lvl9pPr marL="3886200" indent="-228600" eaLnBrk="0" fontAlgn="base" hangingPunct="0">
-              <a:spcBef>
-                <a:spcPct val="0"/>
-              </a:spcBef>
-              <a:spcAft>
-                <a:spcPct val="0"/>
-              </a:spcAft>
-              <a:defRPr sz="2400">
-                <a:solidFill>
-                  <a:schemeClr val="bg1"/>
-                </a:solidFill>
-                <a:latin typeface="Arial" panose="020B0604020202020204" pitchFamily="34" charset="0"/>
-                <a:ea typeface="MS PGothic" panose="020B0600070205080204" pitchFamily="34" charset="-128"/>
-              </a:defRPr>
-            </a:lvl9pPr>
-          </a:lstStyle>
-          <a:p>
-            <a:r>
-              <a:rPr lang="pt-BR" sz="1600" b="1" dirty="0">
-                <a:solidFill>
-                  <a:schemeClr val="tx1"/>
-                </a:solidFill>
-                <a:latin typeface="Courier New"/>
-                <a:cs typeface="Courier New"/>
-              </a:rPr>
-              <a:t>print (data.sum(level=1))</a:t>
-            </a:r>
-          </a:p>
-          <a:p>
-            <a:endParaRPr lang="pt-BR" sz="1600" dirty="0">
-              <a:solidFill>
-                <a:schemeClr val="tx1"/>
-              </a:solidFill>
-              <a:latin typeface="Courier New"/>
-              <a:cs typeface="Courier New"/>
-            </a:endParaRPr>
-          </a:p>
-          <a:p>
-            <a:r>
-              <a:rPr lang="mr-IN" sz="1600" dirty="0">
-                <a:solidFill>
-                  <a:schemeClr val="tx1"/>
-                </a:solidFill>
-                <a:latin typeface="Courier New"/>
-                <a:cs typeface="Courier New"/>
-              </a:rPr>
-              <a:t>1   -2.073314</a:t>
-            </a:r>
-          </a:p>
-          <a:p>
-            <a:r>
-              <a:rPr lang="mr-IN" sz="1600" dirty="0">
-                <a:solidFill>
-                  <a:schemeClr val="tx1"/>
-                </a:solidFill>
-                <a:latin typeface="Courier New"/>
-                <a:cs typeface="Courier New"/>
-              </a:rPr>
-              <a:t>2   -0.737869</a:t>
-            </a:r>
-          </a:p>
-          <a:p>
-            <a:r>
-              <a:rPr lang="de-DE" sz="1600" dirty="0">
-                <a:solidFill>
-                  <a:schemeClr val="tx1"/>
-                </a:solidFill>
-                <a:latin typeface="Courier New"/>
-                <a:cs typeface="Courier New"/>
-              </a:rPr>
-              <a:t>3    0.584221</a:t>
-            </a:r>
-          </a:p>
-          <a:p>
-            <a:r>
-              <a:rPr lang="mr-IN" sz="1600" dirty="0">
-                <a:solidFill>
-                  <a:schemeClr val="tx1"/>
-                </a:solidFill>
-                <a:latin typeface="Courier New"/>
-                <a:cs typeface="Courier New"/>
-              </a:rPr>
-              <a:t>4   -2.065829</a:t>
-            </a:r>
-          </a:p>
-          <a:p>
-            <a:r>
-              <a:rPr lang="en-US" sz="1600" dirty="0">
-                <a:solidFill>
-                  <a:schemeClr val="tx1"/>
-                </a:solidFill>
-                <a:latin typeface="Courier New"/>
-                <a:cs typeface="Courier New"/>
-              </a:rPr>
-              <a:t>dtype: float64</a:t>
-            </a:r>
-            <a:endParaRPr lang="mr-IN" sz="1600" dirty="0">
-              <a:solidFill>
-                <a:schemeClr val="tx1"/>
-              </a:solidFill>
-              <a:latin typeface="Courier New"/>
-              <a:cs typeface="Courier New"/>
-            </a:endParaRPr>
-          </a:p>
-        </p:txBody>
-      </p:sp>
-      <p:sp>
-        <p:nvSpPr>
-          <p:cNvPr id="5" name="Rectangular Callout 4"/>
-          <p:cNvSpPr>
-            <a:spLocks noChangeArrowheads="1"/>
-          </p:cNvSpPr>
-          <p:nvPr/>
-        </p:nvSpPr>
-        <p:spPr bwMode="auto">
-          <a:xfrm>
-            <a:off x="5144870" y="2468134"/>
-            <a:ext cx="2677595" cy="338554"/>
-          </a:xfrm>
-          <a:prstGeom prst="wedgeRectCallout">
-            <a:avLst>
-              <a:gd name="adj1" fmla="val -8049"/>
-              <a:gd name="adj2" fmla="val 164431"/>
-            </a:avLst>
-          </a:prstGeom>
-          <a:solidFill>
-            <a:schemeClr val="accent2">
-              <a:lumMod val="20000"/>
-              <a:lumOff val="80000"/>
-            </a:schemeClr>
-          </a:solidFill>
-          <a:ln w="9525">
-            <a:noFill/>
-            <a:round/>
-            <a:headEnd/>
-            <a:tailEnd/>
-          </a:ln>
-          <a:effectLst/>
-        </p:spPr>
-        <p:txBody>
-          <a:bodyPr wrap="square" anchor="ctr">
-            <a:spAutoFit/>
-          </a:bodyPr>
-          <a:lstStyle/>
-          <a:p>
-            <a:pPr algn="ctr" eaLnBrk="1" hangingPunct="1">
-              <a:defRPr/>
-            </a:pPr>
-            <a:r>
-              <a:rPr lang="en-GB" sz="1600" dirty="0">
-                <a:solidFill>
-                  <a:schemeClr val="tx1"/>
-                </a:solidFill>
-                <a:latin typeface="+mn-lt"/>
-                <a:ea typeface="ＭＳ Ｐゴシック" charset="0"/>
-                <a:cs typeface="Arial"/>
-              </a:rPr>
-              <a:t>Second index level for sum</a:t>
-            </a:r>
-            <a:endParaRPr lang="en-US" sz="1600" dirty="0">
-              <a:solidFill>
-                <a:schemeClr val="tx1"/>
-              </a:solidFill>
-              <a:latin typeface="+mn-lt"/>
-              <a:ea typeface="ＭＳ Ｐゴシック" charset="0"/>
-              <a:cs typeface="Arial"/>
-            </a:endParaRPr>
-          </a:p>
-        </p:txBody>
-      </p:sp>
-      <p:sp>
-        <p:nvSpPr>
-          <p:cNvPr id="7" name="Rectangular Callout 6"/>
-          <p:cNvSpPr>
-            <a:spLocks noChangeArrowheads="1"/>
-          </p:cNvSpPr>
-          <p:nvPr/>
-        </p:nvSpPr>
-        <p:spPr bwMode="auto">
-          <a:xfrm>
-            <a:off x="5874520" y="4360057"/>
-            <a:ext cx="2932355" cy="338554"/>
-          </a:xfrm>
-          <a:prstGeom prst="wedgeRectCallout">
-            <a:avLst>
-              <a:gd name="adj1" fmla="val -64072"/>
-              <a:gd name="adj2" fmla="val -194420"/>
-            </a:avLst>
-          </a:prstGeom>
-          <a:solidFill>
-            <a:schemeClr val="accent2">
-              <a:lumMod val="20000"/>
-              <a:lumOff val="80000"/>
-            </a:schemeClr>
-          </a:solidFill>
-          <a:ln w="9525">
-            <a:noFill/>
-            <a:round/>
-            <a:headEnd/>
-            <a:tailEnd/>
-          </a:ln>
-          <a:effectLst/>
-        </p:spPr>
-        <p:txBody>
-          <a:bodyPr wrap="square" anchor="ctr">
-            <a:spAutoFit/>
-          </a:bodyPr>
-          <a:lstStyle/>
-          <a:p>
-            <a:pPr algn="ctr" eaLnBrk="1" hangingPunct="1">
-              <a:defRPr/>
-            </a:pPr>
-            <a:r>
-              <a:rPr lang="en-GB" sz="1600" dirty="0">
-                <a:solidFill>
-                  <a:schemeClr val="tx1"/>
-                </a:solidFill>
-                <a:latin typeface="+mn-lt"/>
-                <a:ea typeface="ＭＳ Ｐゴシック" charset="0"/>
-                <a:cs typeface="Arial"/>
-              </a:rPr>
-              <a:t>Sum of all </a:t>
-            </a:r>
-            <a:r>
-              <a:rPr lang="en-GB" sz="1600" dirty="0">
-                <a:solidFill>
-                  <a:schemeClr val="tx1"/>
-                </a:solidFill>
-                <a:latin typeface="Courier New" panose="02070309020205020404" pitchFamily="49" charset="0"/>
-                <a:ea typeface="ＭＳ Ｐゴシック" charset="0"/>
-                <a:cs typeface="Courier New" panose="02070309020205020404" pitchFamily="49" charset="0"/>
-              </a:rPr>
-              <a:t>1</a:t>
-            </a:r>
-            <a:r>
-              <a:rPr lang="en-GB" sz="1600" dirty="0">
-                <a:solidFill>
-                  <a:schemeClr val="tx1"/>
-                </a:solidFill>
-                <a:latin typeface="+mn-lt"/>
-                <a:ea typeface="ＭＳ Ｐゴシック" charset="0"/>
-                <a:cs typeface="Arial"/>
-              </a:rPr>
-              <a:t> second indexes</a:t>
-            </a:r>
-            <a:endParaRPr lang="en-US" sz="1600" dirty="0">
-              <a:solidFill>
-                <a:schemeClr val="tx1"/>
-              </a:solidFill>
-              <a:latin typeface="+mn-lt"/>
-              <a:ea typeface="ＭＳ Ｐゴシック" charset="0"/>
-              <a:cs typeface="Arial"/>
-            </a:endParaRPr>
-          </a:p>
-        </p:txBody>
-      </p:sp>
-    </p:spTree>
-    <p:extLst>
-      <p:ext uri="{BB962C8B-B14F-4D97-AF65-F5344CB8AC3E}">
-        <p14:creationId xmlns:p14="http://schemas.microsoft.com/office/powerpoint/2010/main" val="3372661664"/>
-      </p:ext>
-    </p:extLst>
-  </p:cSld>
-  <p:clrMapOvr>
-    <a:masterClrMapping/>
-  </p:clrMapOvr>
-</p:sld>
-</file>
-
-<file path=ppt/slides/slide52.xml><?xml version="1.0" encoding="utf-8"?>
-<p:sld xmlns:a="http://schemas.openxmlformats.org/drawingml/2006/main" xmlns:r="http://schemas.openxmlformats.org/officeDocument/2006/relationships" xmlns:p="http://schemas.openxmlformats.org/presentationml/2006/main">
-  <p:cSld>
-    <p:spTree>
-      <p:nvGrpSpPr>
-        <p:cNvPr id="1" name=""/>
-        <p:cNvGrpSpPr/>
-        <p:nvPr/>
-      </p:nvGrpSpPr>
-      <p:grpSpPr>
-        <a:xfrm>
-          <a:off x="0" y="0"/>
-          <a:ext cx="0" cy="0"/>
-          <a:chOff x="0" y="0"/>
-          <a:chExt cx="0" cy="0"/>
-        </a:xfrm>
-      </p:grpSpPr>
-      <p:sp>
-        <p:nvSpPr>
-          <p:cNvPr id="14338" name="Title 1"/>
-          <p:cNvSpPr>
-            <a:spLocks noGrp="1"/>
-          </p:cNvSpPr>
-          <p:nvPr>
-            <p:ph type="title"/>
-          </p:nvPr>
-        </p:nvSpPr>
-        <p:spPr/>
-        <p:txBody>
-          <a:bodyPr/>
-          <a:lstStyle/>
-          <a:p>
-            <a:r>
-              <a:rPr lang="en-US" altLang="en-US" dirty="0"/>
-              <a:t>Chapter Concepts</a:t>
-            </a:r>
-          </a:p>
-        </p:txBody>
-      </p:sp>
-      <p:graphicFrame>
-        <p:nvGraphicFramePr>
-          <p:cNvPr id="9" name="Table 8">
-            <a:extLst>
-              <a:ext uri="{FF2B5EF4-FFF2-40B4-BE49-F238E27FC236}">
-                <a16:creationId xmlns:a16="http://schemas.microsoft.com/office/drawing/2014/main" id="{3576D67E-5211-493B-BE4D-75EA079B04FE}"/>
-              </a:ext>
-            </a:extLst>
-          </p:cNvPr>
-          <p:cNvGraphicFramePr>
-            <a:graphicFrameLocks noGrp="1"/>
-          </p:cNvGraphicFramePr>
-          <p:nvPr>
-            <p:extLst>
-              <p:ext uri="{D42A27DB-BD31-4B8C-83A1-F6EECF244321}">
-                <p14:modId xmlns:p14="http://schemas.microsoft.com/office/powerpoint/2010/main" val="1156041160"/>
-              </p:ext>
-            </p:extLst>
-          </p:nvPr>
-        </p:nvGraphicFramePr>
-        <p:xfrm>
-          <a:off x="1600200" y="1447543"/>
-          <a:ext cx="5943600" cy="3840480"/>
+          <a:ext cx="5943600" cy="3291840"/>
         </p:xfrm>
         <a:graphic>
           <a:graphicData uri="http://schemas.openxmlformats.org/drawingml/2006/table">
@@ -39662,67 +34699,6 @@
                         </a:spcAft>
                       </a:pPr>
                       <a:r>
-                        <a:rPr lang="en-US" sz="2000" kern="1200" dirty="0">
-                          <a:solidFill>
-                            <a:schemeClr val="bg1">
-                              <a:lumMod val="65000"/>
-                            </a:schemeClr>
-                          </a:solidFill>
-                          <a:latin typeface="+mn-lt"/>
-                          <a:ea typeface="+mn-ea"/>
-                          <a:cs typeface="+mn-cs"/>
-                        </a:rPr>
-                        <a:t>Hierarchical Indexing</a:t>
-                      </a:r>
-                    </a:p>
-                  </a:txBody>
-                  <a:tcPr anchor="ctr">
-                    <a:lnT w="12700" cap="flat" cmpd="sng" algn="ctr">
-                      <a:solidFill>
-                        <a:schemeClr val="bg1">
-                          <a:lumMod val="65000"/>
-                        </a:schemeClr>
-                      </a:solidFill>
-                      <a:prstDash val="solid"/>
-                      <a:round/>
-                      <a:headEnd type="none" w="med" len="med"/>
-                      <a:tailEnd type="none" w="med" len="med"/>
-                    </a:lnT>
-                    <a:lnB w="12700" cap="flat" cmpd="sng" algn="ctr">
-                      <a:solidFill>
-                        <a:schemeClr val="bg1">
-                          <a:lumMod val="65000"/>
-                        </a:schemeClr>
-                      </a:solidFill>
-                      <a:prstDash val="solid"/>
-                      <a:round/>
-                      <a:headEnd type="none" w="med" len="med"/>
-                      <a:tailEnd type="none" w="med" len="med"/>
-                    </a:lnB>
-                    <a:noFill/>
-                  </a:tcPr>
-                </a:tc>
-                <a:extLst>
-                  <a:ext uri="{0D108BD9-81ED-4DB2-BD59-A6C34878D82A}">
-                    <a16:rowId xmlns:a16="http://schemas.microsoft.com/office/drawing/2014/main" val="2619733915"/>
-                  </a:ext>
-                </a:extLst>
-              </a:tr>
-              <a:tr h="548640">
-                <a:tc>
-                  <a:txBody>
-                    <a:bodyPr/>
-                    <a:lstStyle/>
-                    <a:p>
-                      <a:pPr marL="0" algn="l" defTabSz="914400" rtl="0" eaLnBrk="1" latinLnBrk="0" hangingPunct="1">
-                        <a:lnSpc>
-                          <a:spcPct val="100000"/>
-                        </a:lnSpc>
-                        <a:spcAft>
-                          <a:spcPts val="0"/>
-                        </a:spcAft>
-                      </a:pPr>
-                      <a:r>
                         <a:rPr lang="en-US" sz="2000" b="1" kern="1200" dirty="0">
                           <a:solidFill>
                             <a:schemeClr val="tx1"/>
@@ -39784,7 +34760,7 @@
 </p:sld>
 </file>
 
-<file path=ppt/slides/slide53.xml><?xml version="1.0" encoding="utf-8"?>
+<file path=ppt/slides/slide48.xml><?xml version="1.0" encoding="utf-8"?>
 <p:sld xmlns:a="http://schemas.openxmlformats.org/drawingml/2006/main" xmlns:r="http://schemas.openxmlformats.org/officeDocument/2006/relationships" xmlns:p="http://schemas.openxmlformats.org/presentationml/2006/main">
   <p:cSld>
     <p:spTree>
@@ -39886,14 +34862,6 @@
             <a:endParaRPr lang="en-GB" dirty="0"/>
           </a:p>
           <a:p>
-            <a:pPr lvl="0"/>
-            <a:r>
-              <a:rPr lang="en-US" dirty="0"/>
-              <a:t>Hierarchical indexing</a:t>
-            </a:r>
-            <a:endParaRPr lang="en-GB" dirty="0"/>
-          </a:p>
-          <a:p>
             <a:pPr marL="0" indent="0">
               <a:buNone/>
             </a:pPr>
@@ -39905,6 +34873,170 @@
     <p:extLst>
       <p:ext uri="{BB962C8B-B14F-4D97-AF65-F5344CB8AC3E}">
         <p14:creationId xmlns:p14="http://schemas.microsoft.com/office/powerpoint/2010/main" val="1709568432"/>
+      </p:ext>
+    </p:extLst>
+  </p:cSld>
+  <p:clrMapOvr>
+    <a:masterClrMapping/>
+  </p:clrMapOvr>
+</p:sld>
+</file>
+
+<file path=ppt/slides/slide5.xml><?xml version="1.0" encoding="utf-8"?>
+<p:sld xmlns:a="http://schemas.openxmlformats.org/drawingml/2006/main" xmlns:r="http://schemas.openxmlformats.org/officeDocument/2006/relationships" xmlns:p="http://schemas.openxmlformats.org/presentationml/2006/main">
+  <p:cSld>
+    <p:spTree>
+      <p:nvGrpSpPr>
+        <p:cNvPr id="1" name=""/>
+        <p:cNvGrpSpPr/>
+        <p:nvPr/>
+      </p:nvGrpSpPr>
+      <p:grpSpPr>
+        <a:xfrm>
+          <a:off x="0" y="0"/>
+          <a:ext cx="0" cy="0"/>
+          <a:chOff x="0" y="0"/>
+          <a:chExt cx="0" cy="0"/>
+        </a:xfrm>
+      </p:grpSpPr>
+      <p:sp>
+        <p:nvSpPr>
+          <p:cNvPr id="2" name="Title 1"/>
+          <p:cNvSpPr>
+            <a:spLocks noGrp="1"/>
+          </p:cNvSpPr>
+          <p:nvPr>
+            <p:ph type="title"/>
+          </p:nvPr>
+        </p:nvSpPr>
+        <p:spPr/>
+        <p:txBody>
+          <a:bodyPr/>
+          <a:lstStyle/>
+          <a:p>
+            <a:r>
+              <a:rPr lang="en-US" dirty="0"/>
+              <a:t>Pandas </a:t>
+            </a:r>
+            <a:r>
+              <a:rPr lang="en-US" dirty="0">
+                <a:latin typeface="Courier New" panose="02070309020205020404" pitchFamily="49" charset="0"/>
+                <a:cs typeface="Courier New" panose="02070309020205020404" pitchFamily="49" charset="0"/>
+              </a:rPr>
+              <a:t>Series</a:t>
+            </a:r>
+            <a:r>
+              <a:rPr lang="en-US" dirty="0"/>
+              <a:t> Data Structure</a:t>
+            </a:r>
+          </a:p>
+        </p:txBody>
+      </p:sp>
+      <p:sp>
+        <p:nvSpPr>
+          <p:cNvPr id="3" name="Content Placeholder 2"/>
+          <p:cNvSpPr>
+            <a:spLocks noGrp="1"/>
+          </p:cNvSpPr>
+          <p:nvPr>
+            <p:ph idx="1"/>
+          </p:nvPr>
+        </p:nvSpPr>
+        <p:spPr/>
+        <p:txBody>
+          <a:bodyPr/>
+          <a:lstStyle/>
+          <a:p>
+            <a:r>
+              <a:rPr lang="en-US" dirty="0"/>
+              <a:t>Pandas provides the </a:t>
+            </a:r>
+            <a:r>
+              <a:rPr lang="en-US" dirty="0">
+                <a:latin typeface="Courier New"/>
+                <a:cs typeface="Courier New"/>
+              </a:rPr>
+              <a:t>Series</a:t>
+            </a:r>
+            <a:r>
+              <a:rPr lang="en-US" dirty="0"/>
+              <a:t> data structure</a:t>
+            </a:r>
+          </a:p>
+          <a:p>
+            <a:pPr lvl="1"/>
+            <a:r>
+              <a:rPr lang="en-US" dirty="0"/>
+              <a:t>A one-dimensional array-like object</a:t>
+            </a:r>
+          </a:p>
+          <a:p>
+            <a:r>
+              <a:rPr lang="en-US" dirty="0"/>
+              <a:t>Contains:</a:t>
+            </a:r>
+          </a:p>
+          <a:p>
+            <a:pPr lvl="1"/>
+            <a:r>
+              <a:rPr lang="en-US" dirty="0"/>
+              <a:t>Array of data</a:t>
+            </a:r>
+          </a:p>
+          <a:p>
+            <a:pPr lvl="1"/>
+            <a:r>
+              <a:rPr lang="en-US" dirty="0"/>
+              <a:t>Array of data labels known as the index</a:t>
+            </a:r>
+          </a:p>
+          <a:p>
+            <a:r>
+              <a:rPr lang="en-US" dirty="0">
+                <a:latin typeface="Courier New"/>
+                <a:cs typeface="Courier New"/>
+              </a:rPr>
+              <a:t>Series</a:t>
+            </a:r>
+            <a:r>
+              <a:rPr lang="en-US" dirty="0"/>
+              <a:t> object has </a:t>
+            </a:r>
+            <a:r>
+              <a:rPr lang="en-US" dirty="0">
+                <a:latin typeface="Courier New"/>
+                <a:cs typeface="Courier New"/>
+              </a:rPr>
+              <a:t>values</a:t>
+            </a:r>
+            <a:r>
+              <a:rPr lang="en-US" dirty="0"/>
+              <a:t> and </a:t>
+            </a:r>
+            <a:r>
+              <a:rPr lang="en-US" dirty="0">
+                <a:latin typeface="Courier New"/>
+                <a:cs typeface="Courier New"/>
+              </a:rPr>
+              <a:t>index</a:t>
+            </a:r>
+            <a:r>
+              <a:rPr lang="en-US" dirty="0"/>
+              <a:t> properties</a:t>
+            </a:r>
+          </a:p>
+          <a:p>
+            <a:r>
+              <a:rPr lang="en-US" dirty="0"/>
+              <a:t>Can be thought of as a fixed-length dictionary</a:t>
+            </a:r>
+          </a:p>
+        </p:txBody>
+      </p:sp>
+    </p:spTree>
+    <p:extLst>
+      <p:ext uri="{BB962C8B-B14F-4D97-AF65-F5344CB8AC3E}">
+        <p14:creationId xmlns:p14="http://schemas.microsoft.com/office/powerpoint/2010/main" val="2954328898"/>
       </p:ext>
     </p:extLst>
   </p:cSld>
@@ -43085,6 +38217,29 @@
 </file>
 
 <file path=customXml/item1.xml><?xml version="1.0" encoding="utf-8"?>
+<?mso-contentType ?>
+<FormTemplates xmlns="http://schemas.microsoft.com/sharepoint/v3/contenttype/forms">
+  <Display>DocumentLibraryForm</Display>
+  <Edit>DocumentLibraryForm</Edit>
+  <New>DocumentLibraryForm</New>
+</FormTemplates>
+</file>
+
+<file path=customXml/item2.xml><?xml version="1.0" encoding="utf-8"?>
+<p:properties xmlns:p="http://schemas.microsoft.com/office/2006/metadata/properties" xmlns:xsi="http://www.w3.org/2001/XMLSchema-instance" xmlns:pc="http://schemas.microsoft.com/office/infopath/2007/PartnerControls">
+  <documentManagement>
+    <_dlc_DocId xmlns="037063e9-a85e-4c78-8627-f1a9315663e5">EVEA5JW6U4JV-6-9958</_dlc_DocId>
+    <_dlc_DocIdUrl xmlns="037063e9-a85e-4c78-8627-f1a9315663e5">
+      <Url>https://portal.roitraining.com/Courses/_layouts/DocIdRedir.aspx?ID=EVEA5JW6U4JV-6-9958</Url>
+      <Description>EVEA5JW6U4JV-6-9958</Description>
+    </_dlc_DocIdUrl>
+    <Date_x0020_last_x0020_used xmlns="027ed24f-5970-4294-be5c-0919c5aaa214" xsi:nil="true"/>
+    <Customization_x0020_Information xmlns="027ed24f-5970-4294-be5c-0919c5aaa214" xsi:nil="true"/>
+  </documentManagement>
+</p:properties>
+</file>
+
+<file path=customXml/item3.xml><?xml version="1.0" encoding="utf-8"?>
 <ct:contentTypeSchema xmlns:ct="http://schemas.microsoft.com/office/2006/metadata/contentType" xmlns:ma="http://schemas.microsoft.com/office/2006/metadata/properties/metaAttributes" ct:_="" ma:_="" ma:contentTypeName="Document" ma:contentTypeID="0x0101006B08A054FD435346B287BB258D6D8C2A" ma:contentTypeVersion="2" ma:contentTypeDescription="Create a new document." ma:contentTypeScope="" ma:versionID="6146b90b4382322d8952632f355192b7">
   <xsd:schema xmlns:xsd="http://www.w3.org/2001/XMLSchema" xmlns:xs="http://www.w3.org/2001/XMLSchema" xmlns:p="http://schemas.microsoft.com/office/2006/metadata/properties" xmlns:ns2="027ed24f-5970-4294-be5c-0919c5aaa214" xmlns:ns3="037063e9-a85e-4c78-8627-f1a9315663e5" targetNamespace="http://schemas.microsoft.com/office/2006/metadata/properties" ma:root="true" ma:fieldsID="b5d91f802dafd2e22aeea528efbe2d3e" ns2:_="" ns3:_="">
     <xsd:import namespace="027ed24f-5970-4294-be5c-0919c5aaa214"/>
@@ -43250,29 +38405,6 @@
 </ct:contentTypeSchema>
 </file>
 
-<file path=customXml/item2.xml><?xml version="1.0" encoding="utf-8"?>
-<?mso-contentType ?>
-<FormTemplates xmlns="http://schemas.microsoft.com/sharepoint/v3/contenttype/forms">
-  <Display>DocumentLibraryForm</Display>
-  <Edit>DocumentLibraryForm</Edit>
-  <New>DocumentLibraryForm</New>
-</FormTemplates>
-</file>
-
-<file path=customXml/item3.xml><?xml version="1.0" encoding="utf-8"?>
-<p:properties xmlns:p="http://schemas.microsoft.com/office/2006/metadata/properties" xmlns:xsi="http://www.w3.org/2001/XMLSchema-instance" xmlns:pc="http://schemas.microsoft.com/office/infopath/2007/PartnerControls">
-  <documentManagement>
-    <_dlc_DocId xmlns="037063e9-a85e-4c78-8627-f1a9315663e5">EVEA5JW6U4JV-6-9958</_dlc_DocId>
-    <_dlc_DocIdUrl xmlns="037063e9-a85e-4c78-8627-f1a9315663e5">
-      <Url>https://portal.roitraining.com/Courses/_layouts/DocIdRedir.aspx?ID=EVEA5JW6U4JV-6-9958</Url>
-      <Description>EVEA5JW6U4JV-6-9958</Description>
-    </_dlc_DocIdUrl>
-    <Date_x0020_last_x0020_used xmlns="027ed24f-5970-4294-be5c-0919c5aaa214" xsi:nil="true"/>
-    <Customization_x0020_Information xmlns="027ed24f-5970-4294-be5c-0919c5aaa214" xsi:nil="true"/>
-  </documentManagement>
-</p:properties>
-</file>
-
 <file path=customXml/item4.xml><?xml version="1.0" encoding="utf-8"?>
 <?mso-contentType ?>
 <spe:Receivers xmlns:spe="http://schemas.microsoft.com/sharepoint/events">
@@ -43320,6 +38452,31 @@
 </file>
 
 <file path=customXml/itemProps1.xml><?xml version="1.0" encoding="utf-8"?>
+<ds:datastoreItem xmlns:ds="http://schemas.openxmlformats.org/officeDocument/2006/customXml" ds:itemID="{2DA015F3-603C-4688-A5F3-81D587DAB8C9}">
+  <ds:schemaRefs>
+    <ds:schemaRef ds:uri="http://schemas.microsoft.com/sharepoint/v3/contenttype/forms"/>
+  </ds:schemaRefs>
+</ds:datastoreItem>
+</file>
+
+<file path=customXml/itemProps2.xml><?xml version="1.0" encoding="utf-8"?>
+<ds:datastoreItem xmlns:ds="http://schemas.openxmlformats.org/officeDocument/2006/customXml" ds:itemID="{F47B9207-CE5C-49AD-B414-15CBFA246D65}">
+  <ds:schemaRefs>
+    <ds:schemaRef ds:uri="037063e9-a85e-4c78-8627-f1a9315663e5"/>
+    <ds:schemaRef ds:uri="http://purl.org/dc/terms/"/>
+    <ds:schemaRef ds:uri="http://schemas.microsoft.com/office/infopath/2007/PartnerControls"/>
+    <ds:schemaRef ds:uri="http://schemas.microsoft.com/office/2006/documentManagement/types"/>
+    <ds:schemaRef ds:uri="http://schemas.microsoft.com/office/2006/metadata/properties"/>
+    <ds:schemaRef ds:uri="http://purl.org/dc/elements/1.1/"/>
+    <ds:schemaRef ds:uri="http://schemas.openxmlformats.org/package/2006/metadata/core-properties"/>
+    <ds:schemaRef ds:uri="027ed24f-5970-4294-be5c-0919c5aaa214"/>
+    <ds:schemaRef ds:uri="http://www.w3.org/XML/1998/namespace"/>
+    <ds:schemaRef ds:uri="http://purl.org/dc/dcmitype/"/>
+  </ds:schemaRefs>
+</ds:datastoreItem>
+</file>
+
+<file path=customXml/itemProps3.xml><?xml version="1.0" encoding="utf-8"?>
 <ds:datastoreItem xmlns:ds="http://schemas.openxmlformats.org/officeDocument/2006/customXml" ds:itemID="{41A1F8C2-0CB7-4B0D-AA1A-054546402046}">
   <ds:schemaRefs>
     <ds:schemaRef ds:uri="http://schemas.microsoft.com/office/2006/metadata/contentType"/>
@@ -43338,31 +38495,6 @@
 </ds:datastoreItem>
 </file>
 
-<file path=customXml/itemProps2.xml><?xml version="1.0" encoding="utf-8"?>
-<ds:datastoreItem xmlns:ds="http://schemas.openxmlformats.org/officeDocument/2006/customXml" ds:itemID="{2DA015F3-603C-4688-A5F3-81D587DAB8C9}">
-  <ds:schemaRefs>
-    <ds:schemaRef ds:uri="http://schemas.microsoft.com/sharepoint/v3/contenttype/forms"/>
-  </ds:schemaRefs>
-</ds:datastoreItem>
-</file>
-
-<file path=customXml/itemProps3.xml><?xml version="1.0" encoding="utf-8"?>
-<ds:datastoreItem xmlns:ds="http://schemas.openxmlformats.org/officeDocument/2006/customXml" ds:itemID="{F47B9207-CE5C-49AD-B414-15CBFA246D65}">
-  <ds:schemaRefs>
-    <ds:schemaRef ds:uri="037063e9-a85e-4c78-8627-f1a9315663e5"/>
-    <ds:schemaRef ds:uri="http://purl.org/dc/terms/"/>
-    <ds:schemaRef ds:uri="http://schemas.microsoft.com/office/infopath/2007/PartnerControls"/>
-    <ds:schemaRef ds:uri="http://schemas.microsoft.com/office/2006/documentManagement/types"/>
-    <ds:schemaRef ds:uri="http://schemas.microsoft.com/office/2006/metadata/properties"/>
-    <ds:schemaRef ds:uri="http://purl.org/dc/elements/1.1/"/>
-    <ds:schemaRef ds:uri="http://schemas.openxmlformats.org/package/2006/metadata/core-properties"/>
-    <ds:schemaRef ds:uri="027ed24f-5970-4294-be5c-0919c5aaa214"/>
-    <ds:schemaRef ds:uri="http://www.w3.org/XML/1998/namespace"/>
-    <ds:schemaRef ds:uri="http://purl.org/dc/dcmitype/"/>
-  </ds:schemaRefs>
-</ds:datastoreItem>
-</file>
-
 <file path=customXml/itemProps4.xml><?xml version="1.0" encoding="utf-8"?>
 <ds:datastoreItem xmlns:ds="http://schemas.openxmlformats.org/officeDocument/2006/customXml" ds:itemID="{B9043294-8302-4947-B882-02D6486F929C}">
   <ds:schemaRefs>

--- a/Day3-Pandas/Ch03_Pandas.pptx
+++ b/Day3-Pandas/Ch03_Pandas.pptx
@@ -24624,7 +24624,27 @@
                 <a:latin typeface="Courier New"/>
                 <a:ea typeface="MS PGothic"/>
               </a:rPr>
-              <a:t>data = json.loads(open('ch02/example.json').read())</a:t>
+              <a:t>data = json.loads(open('</a:t>
+            </a:r>
+            <a:r>
+              <a:rPr lang="en-US" sz="1600" b="1" strike="noStrike" spc="-1" dirty="0" err="1">
+                <a:solidFill>
+                  <a:srgbClr val="000000"/>
+                </a:solidFill>
+                <a:latin typeface="Courier New"/>
+                <a:ea typeface="MS PGothic"/>
+              </a:rPr>
+              <a:t>example.json</a:t>
+            </a:r>
+            <a:r>
+              <a:rPr lang="en-US" sz="1600" b="1" strike="noStrike" spc="-1" dirty="0">
+                <a:solidFill>
+                  <a:srgbClr val="000000"/>
+                </a:solidFill>
+                <a:latin typeface="Courier New"/>
+                <a:ea typeface="MS PGothic"/>
+              </a:rPr>
+              <a:t>').read())</a:t>
             </a:r>
             <a:endParaRPr lang="en-US" sz="1600" b="1" strike="noStrike" spc="-1" dirty="0">
               <a:latin typeface="Arial"/>
